--- a/trunk/hardware/PowerBoard/Misc/BlockDiagram.pptx
+++ b/trunk/hardware/PowerBoard/Misc/BlockDiagram.pptx
@@ -5,10 +5,11 @@
     <p:sldMasterId id="2147483648" r:id="rId1"/>
   </p:sldMasterIdLst>
   <p:notesMasterIdLst>
-    <p:notesMasterId r:id="rId3"/>
+    <p:notesMasterId r:id="rId4"/>
   </p:notesMasterIdLst>
   <p:sldIdLst>
     <p:sldId id="256" r:id="rId2"/>
+    <p:sldId id="257" r:id="rId3"/>
   </p:sldIdLst>
   <p:sldSz cx="9144000" cy="6858000" type="screen4x3"/>
   <p:notesSz cx="6858000" cy="9144000"/>
@@ -108,6 +109,3772 @@
     </a:lvl9pPr>
   </p:defaultTextStyle>
 </p:presentation>
+</file>
+
+<file path=ppt/diagrams/colors1.xml><?xml version="1.0" encoding="utf-8"?>
+<dgm:colorsDef xmlns:dgm="http://schemas.openxmlformats.org/drawingml/2006/diagram" xmlns:a="http://schemas.openxmlformats.org/drawingml/2006/main" uniqueId="urn:microsoft.com/office/officeart/2005/8/colors/accent0_1">
+  <dgm:title val=""/>
+  <dgm:desc val=""/>
+  <dgm:catLst>
+    <dgm:cat type="mainScheme" pri="10100"/>
+  </dgm:catLst>
+  <dgm:styleLbl name="node0">
+    <dgm:fillClrLst meth="repeat">
+      <a:schemeClr val="lt1"/>
+    </dgm:fillClrLst>
+    <dgm:linClrLst meth="repeat">
+      <a:schemeClr val="dk1">
+        <a:shade val="80000"/>
+      </a:schemeClr>
+    </dgm:linClrLst>
+    <dgm:effectClrLst/>
+    <dgm:txLinClrLst/>
+    <dgm:txFillClrLst meth="repeat">
+      <a:schemeClr val="dk1"/>
+    </dgm:txFillClrLst>
+    <dgm:txEffectClrLst/>
+  </dgm:styleLbl>
+  <dgm:styleLbl name="node1">
+    <dgm:fillClrLst meth="repeat">
+      <a:schemeClr val="lt1"/>
+    </dgm:fillClrLst>
+    <dgm:linClrLst meth="repeat">
+      <a:schemeClr val="dk1">
+        <a:shade val="80000"/>
+      </a:schemeClr>
+    </dgm:linClrLst>
+    <dgm:effectClrLst/>
+    <dgm:txLinClrLst/>
+    <dgm:txFillClrLst meth="repeat">
+      <a:schemeClr val="dk1"/>
+    </dgm:txFillClrLst>
+    <dgm:txEffectClrLst/>
+  </dgm:styleLbl>
+  <dgm:styleLbl name="alignNode1">
+    <dgm:fillClrLst meth="repeat">
+      <a:schemeClr val="lt1"/>
+    </dgm:fillClrLst>
+    <dgm:linClrLst meth="repeat">
+      <a:schemeClr val="dk1">
+        <a:shade val="80000"/>
+      </a:schemeClr>
+    </dgm:linClrLst>
+    <dgm:effectClrLst/>
+    <dgm:txLinClrLst/>
+    <dgm:txFillClrLst meth="repeat">
+      <a:schemeClr val="dk1"/>
+    </dgm:txFillClrLst>
+    <dgm:txEffectClrLst/>
+  </dgm:styleLbl>
+  <dgm:styleLbl name="lnNode1">
+    <dgm:fillClrLst meth="repeat">
+      <a:schemeClr val="lt1"/>
+    </dgm:fillClrLst>
+    <dgm:linClrLst meth="repeat">
+      <a:schemeClr val="dk1">
+        <a:shade val="80000"/>
+      </a:schemeClr>
+    </dgm:linClrLst>
+    <dgm:effectClrLst/>
+    <dgm:txLinClrLst/>
+    <dgm:txFillClrLst meth="repeat">
+      <a:schemeClr val="dk1"/>
+    </dgm:txFillClrLst>
+    <dgm:txEffectClrLst/>
+  </dgm:styleLbl>
+  <dgm:styleLbl name="vennNode1">
+    <dgm:fillClrLst meth="repeat">
+      <a:schemeClr val="lt1">
+        <a:alpha val="50000"/>
+      </a:schemeClr>
+    </dgm:fillClrLst>
+    <dgm:linClrLst meth="repeat">
+      <a:schemeClr val="dk1">
+        <a:shade val="80000"/>
+      </a:schemeClr>
+    </dgm:linClrLst>
+    <dgm:effectClrLst/>
+    <dgm:txLinClrLst/>
+    <dgm:txFillClrLst/>
+    <dgm:txEffectClrLst/>
+  </dgm:styleLbl>
+  <dgm:styleLbl name="node2">
+    <dgm:fillClrLst meth="repeat">
+      <a:schemeClr val="lt1"/>
+    </dgm:fillClrLst>
+    <dgm:linClrLst meth="repeat">
+      <a:schemeClr val="dk1">
+        <a:shade val="80000"/>
+      </a:schemeClr>
+    </dgm:linClrLst>
+    <dgm:effectClrLst/>
+    <dgm:txLinClrLst/>
+    <dgm:txFillClrLst meth="repeat">
+      <a:schemeClr val="dk1"/>
+    </dgm:txFillClrLst>
+    <dgm:txEffectClrLst/>
+  </dgm:styleLbl>
+  <dgm:styleLbl name="node3">
+    <dgm:fillClrLst meth="repeat">
+      <a:schemeClr val="lt1"/>
+    </dgm:fillClrLst>
+    <dgm:linClrLst meth="repeat">
+      <a:schemeClr val="dk1">
+        <a:shade val="80000"/>
+      </a:schemeClr>
+    </dgm:linClrLst>
+    <dgm:effectClrLst/>
+    <dgm:txLinClrLst/>
+    <dgm:txFillClrLst meth="repeat">
+      <a:schemeClr val="dk1"/>
+    </dgm:txFillClrLst>
+    <dgm:txEffectClrLst/>
+  </dgm:styleLbl>
+  <dgm:styleLbl name="node4">
+    <dgm:fillClrLst meth="repeat">
+      <a:schemeClr val="lt1"/>
+    </dgm:fillClrLst>
+    <dgm:linClrLst meth="repeat">
+      <a:schemeClr val="dk1">
+        <a:shade val="80000"/>
+      </a:schemeClr>
+    </dgm:linClrLst>
+    <dgm:effectClrLst/>
+    <dgm:txLinClrLst/>
+    <dgm:txFillClrLst meth="repeat">
+      <a:schemeClr val="dk1"/>
+    </dgm:txFillClrLst>
+    <dgm:txEffectClrLst/>
+  </dgm:styleLbl>
+  <dgm:styleLbl name="fgImgPlace1">
+    <dgm:fillClrLst meth="repeat">
+      <a:schemeClr val="dk1">
+        <a:tint val="40000"/>
+      </a:schemeClr>
+    </dgm:fillClrLst>
+    <dgm:linClrLst meth="repeat">
+      <a:schemeClr val="dk1">
+        <a:shade val="80000"/>
+      </a:schemeClr>
+    </dgm:linClrLst>
+    <dgm:effectClrLst/>
+    <dgm:txLinClrLst/>
+    <dgm:txFillClrLst meth="repeat">
+      <a:schemeClr val="lt1"/>
+    </dgm:txFillClrLst>
+    <dgm:txEffectClrLst/>
+  </dgm:styleLbl>
+  <dgm:styleLbl name="alignImgPlace1">
+    <dgm:fillClrLst meth="repeat">
+      <a:schemeClr val="dk1">
+        <a:tint val="40000"/>
+      </a:schemeClr>
+    </dgm:fillClrLst>
+    <dgm:linClrLst meth="repeat">
+      <a:schemeClr val="dk1">
+        <a:shade val="80000"/>
+      </a:schemeClr>
+    </dgm:linClrLst>
+    <dgm:effectClrLst/>
+    <dgm:txLinClrLst/>
+    <dgm:txFillClrLst meth="repeat">
+      <a:schemeClr val="lt1"/>
+    </dgm:txFillClrLst>
+    <dgm:txEffectClrLst/>
+  </dgm:styleLbl>
+  <dgm:styleLbl name="bgImgPlace1">
+    <dgm:fillClrLst meth="repeat">
+      <a:schemeClr val="dk1">
+        <a:tint val="40000"/>
+      </a:schemeClr>
+    </dgm:fillClrLst>
+    <dgm:linClrLst meth="repeat">
+      <a:schemeClr val="dk1">
+        <a:shade val="80000"/>
+      </a:schemeClr>
+    </dgm:linClrLst>
+    <dgm:effectClrLst/>
+    <dgm:txLinClrLst/>
+    <dgm:txFillClrLst meth="repeat">
+      <a:schemeClr val="lt1"/>
+    </dgm:txFillClrLst>
+    <dgm:txEffectClrLst/>
+  </dgm:styleLbl>
+  <dgm:styleLbl name="sibTrans2D1">
+    <dgm:fillClrLst meth="repeat">
+      <a:schemeClr val="dk1">
+        <a:tint val="60000"/>
+      </a:schemeClr>
+    </dgm:fillClrLst>
+    <dgm:linClrLst meth="repeat">
+      <a:schemeClr val="dk1">
+        <a:tint val="60000"/>
+      </a:schemeClr>
+    </dgm:linClrLst>
+    <dgm:effectClrLst/>
+    <dgm:txLinClrLst/>
+    <dgm:txFillClrLst meth="repeat">
+      <a:schemeClr val="dk1"/>
+    </dgm:txFillClrLst>
+    <dgm:txEffectClrLst/>
+  </dgm:styleLbl>
+  <dgm:styleLbl name="fgSibTrans2D1">
+    <dgm:fillClrLst meth="repeat">
+      <a:schemeClr val="dk1">
+        <a:tint val="60000"/>
+      </a:schemeClr>
+    </dgm:fillClrLst>
+    <dgm:linClrLst meth="repeat">
+      <a:schemeClr val="dk1">
+        <a:tint val="60000"/>
+      </a:schemeClr>
+    </dgm:linClrLst>
+    <dgm:effectClrLst/>
+    <dgm:txLinClrLst/>
+    <dgm:txFillClrLst meth="repeat">
+      <a:schemeClr val="dk1"/>
+    </dgm:txFillClrLst>
+    <dgm:txEffectClrLst/>
+  </dgm:styleLbl>
+  <dgm:styleLbl name="bgSibTrans2D1">
+    <dgm:fillClrLst meth="repeat">
+      <a:schemeClr val="dk1">
+        <a:tint val="60000"/>
+      </a:schemeClr>
+    </dgm:fillClrLst>
+    <dgm:linClrLst meth="repeat">
+      <a:schemeClr val="dk1">
+        <a:tint val="60000"/>
+      </a:schemeClr>
+    </dgm:linClrLst>
+    <dgm:effectClrLst/>
+    <dgm:txLinClrLst/>
+    <dgm:txFillClrLst meth="repeat">
+      <a:schemeClr val="dk1"/>
+    </dgm:txFillClrLst>
+    <dgm:txEffectClrLst/>
+  </dgm:styleLbl>
+  <dgm:styleLbl name="sibTrans1D1">
+    <dgm:fillClrLst meth="repeat">
+      <a:schemeClr val="dk1"/>
+    </dgm:fillClrLst>
+    <dgm:linClrLst meth="repeat">
+      <a:schemeClr val="dk1"/>
+    </dgm:linClrLst>
+    <dgm:effectClrLst/>
+    <dgm:txLinClrLst/>
+    <dgm:txFillClrLst meth="repeat">
+      <a:schemeClr val="tx1"/>
+    </dgm:txFillClrLst>
+    <dgm:txEffectClrLst/>
+  </dgm:styleLbl>
+  <dgm:styleLbl name="callout">
+    <dgm:fillClrLst meth="repeat">
+      <a:schemeClr val="dk1"/>
+    </dgm:fillClrLst>
+    <dgm:linClrLst meth="repeat">
+      <a:schemeClr val="dk1"/>
+    </dgm:linClrLst>
+    <dgm:effectClrLst/>
+    <dgm:txLinClrLst/>
+    <dgm:txFillClrLst meth="repeat">
+      <a:schemeClr val="tx1"/>
+    </dgm:txFillClrLst>
+    <dgm:txEffectClrLst/>
+  </dgm:styleLbl>
+  <dgm:styleLbl name="asst0">
+    <dgm:fillClrLst meth="repeat">
+      <a:schemeClr val="lt1"/>
+    </dgm:fillClrLst>
+    <dgm:linClrLst meth="repeat">
+      <a:schemeClr val="dk1">
+        <a:shade val="80000"/>
+      </a:schemeClr>
+    </dgm:linClrLst>
+    <dgm:effectClrLst/>
+    <dgm:txLinClrLst/>
+    <dgm:txFillClrLst meth="repeat">
+      <a:schemeClr val="dk1"/>
+    </dgm:txFillClrLst>
+    <dgm:txEffectClrLst/>
+  </dgm:styleLbl>
+  <dgm:styleLbl name="asst1">
+    <dgm:fillClrLst meth="repeat">
+      <a:schemeClr val="lt1"/>
+    </dgm:fillClrLst>
+    <dgm:linClrLst meth="repeat">
+      <a:schemeClr val="dk1">
+        <a:shade val="80000"/>
+      </a:schemeClr>
+    </dgm:linClrLst>
+    <dgm:effectClrLst/>
+    <dgm:txLinClrLst/>
+    <dgm:txFillClrLst meth="repeat">
+      <a:schemeClr val="dk1"/>
+    </dgm:txFillClrLst>
+    <dgm:txEffectClrLst/>
+  </dgm:styleLbl>
+  <dgm:styleLbl name="asst2">
+    <dgm:fillClrLst meth="repeat">
+      <a:schemeClr val="lt1"/>
+    </dgm:fillClrLst>
+    <dgm:linClrLst meth="repeat">
+      <a:schemeClr val="dk1">
+        <a:shade val="80000"/>
+      </a:schemeClr>
+    </dgm:linClrLst>
+    <dgm:effectClrLst/>
+    <dgm:txLinClrLst/>
+    <dgm:txFillClrLst meth="repeat">
+      <a:schemeClr val="dk1"/>
+    </dgm:txFillClrLst>
+    <dgm:txEffectClrLst/>
+  </dgm:styleLbl>
+  <dgm:styleLbl name="asst3">
+    <dgm:fillClrLst meth="repeat">
+      <a:schemeClr val="lt1"/>
+    </dgm:fillClrLst>
+    <dgm:linClrLst meth="repeat">
+      <a:schemeClr val="dk1">
+        <a:shade val="80000"/>
+      </a:schemeClr>
+    </dgm:linClrLst>
+    <dgm:effectClrLst/>
+    <dgm:txLinClrLst/>
+    <dgm:txFillClrLst meth="repeat">
+      <a:schemeClr val="dk1"/>
+    </dgm:txFillClrLst>
+    <dgm:txEffectClrLst/>
+  </dgm:styleLbl>
+  <dgm:styleLbl name="asst4">
+    <dgm:fillClrLst meth="repeat">
+      <a:schemeClr val="lt1"/>
+    </dgm:fillClrLst>
+    <dgm:linClrLst meth="repeat">
+      <a:schemeClr val="dk1">
+        <a:shade val="80000"/>
+      </a:schemeClr>
+    </dgm:linClrLst>
+    <dgm:effectClrLst/>
+    <dgm:txLinClrLst/>
+    <dgm:txFillClrLst meth="repeat">
+      <a:schemeClr val="dk1"/>
+    </dgm:txFillClrLst>
+    <dgm:txEffectClrLst/>
+  </dgm:styleLbl>
+  <dgm:styleLbl name="parChTrans2D1">
+    <dgm:fillClrLst meth="repeat">
+      <a:schemeClr val="dk1">
+        <a:tint val="60000"/>
+      </a:schemeClr>
+    </dgm:fillClrLst>
+    <dgm:linClrLst meth="repeat">
+      <a:schemeClr val="dk1">
+        <a:tint val="60000"/>
+      </a:schemeClr>
+    </dgm:linClrLst>
+    <dgm:effectClrLst/>
+    <dgm:txLinClrLst/>
+    <dgm:txFillClrLst/>
+    <dgm:txEffectClrLst/>
+  </dgm:styleLbl>
+  <dgm:styleLbl name="parChTrans2D2">
+    <dgm:fillClrLst meth="repeat">
+      <a:schemeClr val="dk1"/>
+    </dgm:fillClrLst>
+    <dgm:linClrLst meth="repeat">
+      <a:schemeClr val="dk1"/>
+    </dgm:linClrLst>
+    <dgm:effectClrLst/>
+    <dgm:txLinClrLst/>
+    <dgm:txFillClrLst/>
+    <dgm:txEffectClrLst/>
+  </dgm:styleLbl>
+  <dgm:styleLbl name="parChTrans2D3">
+    <dgm:fillClrLst meth="repeat">
+      <a:schemeClr val="dk1"/>
+    </dgm:fillClrLst>
+    <dgm:linClrLst meth="repeat">
+      <a:schemeClr val="dk1"/>
+    </dgm:linClrLst>
+    <dgm:effectClrLst/>
+    <dgm:txLinClrLst/>
+    <dgm:txFillClrLst/>
+    <dgm:txEffectClrLst/>
+  </dgm:styleLbl>
+  <dgm:styleLbl name="parChTrans2D4">
+    <dgm:fillClrLst meth="repeat">
+      <a:schemeClr val="dk1"/>
+    </dgm:fillClrLst>
+    <dgm:linClrLst meth="repeat">
+      <a:schemeClr val="dk1"/>
+    </dgm:linClrLst>
+    <dgm:effectClrLst/>
+    <dgm:txLinClrLst/>
+    <dgm:txFillClrLst meth="repeat">
+      <a:schemeClr val="lt1"/>
+    </dgm:txFillClrLst>
+    <dgm:txEffectClrLst/>
+  </dgm:styleLbl>
+  <dgm:styleLbl name="parChTrans1D1">
+    <dgm:fillClrLst meth="repeat">
+      <a:schemeClr val="dk1"/>
+    </dgm:fillClrLst>
+    <dgm:linClrLst meth="repeat">
+      <a:schemeClr val="dk1">
+        <a:shade val="60000"/>
+      </a:schemeClr>
+    </dgm:linClrLst>
+    <dgm:effectClrLst/>
+    <dgm:txLinClrLst/>
+    <dgm:txFillClrLst meth="repeat">
+      <a:schemeClr val="tx1"/>
+    </dgm:txFillClrLst>
+    <dgm:txEffectClrLst/>
+  </dgm:styleLbl>
+  <dgm:styleLbl name="parChTrans1D2">
+    <dgm:fillClrLst meth="repeat">
+      <a:schemeClr val="dk1"/>
+    </dgm:fillClrLst>
+    <dgm:linClrLst meth="repeat">
+      <a:schemeClr val="dk1">
+        <a:shade val="60000"/>
+      </a:schemeClr>
+    </dgm:linClrLst>
+    <dgm:effectClrLst/>
+    <dgm:txLinClrLst/>
+    <dgm:txFillClrLst meth="repeat">
+      <a:schemeClr val="tx1"/>
+    </dgm:txFillClrLst>
+    <dgm:txEffectClrLst/>
+  </dgm:styleLbl>
+  <dgm:styleLbl name="parChTrans1D3">
+    <dgm:fillClrLst meth="repeat">
+      <a:schemeClr val="dk1"/>
+    </dgm:fillClrLst>
+    <dgm:linClrLst meth="repeat">
+      <a:schemeClr val="dk1">
+        <a:shade val="80000"/>
+      </a:schemeClr>
+    </dgm:linClrLst>
+    <dgm:effectClrLst/>
+    <dgm:txLinClrLst/>
+    <dgm:txFillClrLst meth="repeat">
+      <a:schemeClr val="tx1"/>
+    </dgm:txFillClrLst>
+    <dgm:txEffectClrLst/>
+  </dgm:styleLbl>
+  <dgm:styleLbl name="parChTrans1D4">
+    <dgm:fillClrLst meth="repeat">
+      <a:schemeClr val="dk1"/>
+    </dgm:fillClrLst>
+    <dgm:linClrLst meth="repeat">
+      <a:schemeClr val="dk1">
+        <a:shade val="80000"/>
+      </a:schemeClr>
+    </dgm:linClrLst>
+    <dgm:effectClrLst/>
+    <dgm:txLinClrLst/>
+    <dgm:txFillClrLst meth="repeat">
+      <a:schemeClr val="tx1"/>
+    </dgm:txFillClrLst>
+    <dgm:txEffectClrLst/>
+  </dgm:styleLbl>
+  <dgm:styleLbl name="fgAcc1">
+    <dgm:fillClrLst meth="repeat">
+      <a:schemeClr val="dk1">
+        <a:alpha val="90000"/>
+        <a:tint val="40000"/>
+      </a:schemeClr>
+    </dgm:fillClrLst>
+    <dgm:linClrLst meth="repeat">
+      <a:schemeClr val="dk1"/>
+    </dgm:linClrLst>
+    <dgm:effectClrLst/>
+    <dgm:txLinClrLst/>
+    <dgm:txFillClrLst meth="repeat">
+      <a:schemeClr val="dk1"/>
+    </dgm:txFillClrLst>
+    <dgm:txEffectClrLst/>
+  </dgm:styleLbl>
+  <dgm:styleLbl name="conFgAcc1">
+    <dgm:fillClrLst meth="repeat">
+      <a:schemeClr val="dk1">
+        <a:alpha val="90000"/>
+        <a:tint val="40000"/>
+      </a:schemeClr>
+    </dgm:fillClrLst>
+    <dgm:linClrLst meth="repeat">
+      <a:schemeClr val="dk1"/>
+    </dgm:linClrLst>
+    <dgm:effectClrLst/>
+    <dgm:txLinClrLst/>
+    <dgm:txFillClrLst meth="repeat">
+      <a:schemeClr val="dk1"/>
+    </dgm:txFillClrLst>
+    <dgm:txEffectClrLst/>
+  </dgm:styleLbl>
+  <dgm:styleLbl name="alignAcc1">
+    <dgm:fillClrLst meth="repeat">
+      <a:schemeClr val="dk1">
+        <a:alpha val="90000"/>
+        <a:tint val="40000"/>
+      </a:schemeClr>
+    </dgm:fillClrLst>
+    <dgm:linClrLst meth="repeat">
+      <a:schemeClr val="dk1"/>
+    </dgm:linClrLst>
+    <dgm:effectClrLst/>
+    <dgm:txLinClrLst/>
+    <dgm:txFillClrLst meth="repeat">
+      <a:schemeClr val="dk1"/>
+    </dgm:txFillClrLst>
+    <dgm:txEffectClrLst/>
+  </dgm:styleLbl>
+  <dgm:styleLbl name="trAlignAcc1">
+    <dgm:fillClrLst meth="repeat">
+      <a:schemeClr val="dk1">
+        <a:alpha val="40000"/>
+        <a:tint val="40000"/>
+      </a:schemeClr>
+    </dgm:fillClrLst>
+    <dgm:linClrLst meth="repeat">
+      <a:schemeClr val="dk1"/>
+    </dgm:linClrLst>
+    <dgm:effectClrLst/>
+    <dgm:txLinClrLst/>
+    <dgm:txFillClrLst meth="repeat">
+      <a:schemeClr val="dk1"/>
+    </dgm:txFillClrLst>
+    <dgm:txEffectClrLst/>
+  </dgm:styleLbl>
+  <dgm:styleLbl name="bgAcc1">
+    <dgm:fillClrLst meth="repeat">
+      <a:schemeClr val="dk1">
+        <a:alpha val="90000"/>
+        <a:tint val="40000"/>
+      </a:schemeClr>
+    </dgm:fillClrLst>
+    <dgm:linClrLst meth="repeat">
+      <a:schemeClr val="dk1"/>
+    </dgm:linClrLst>
+    <dgm:effectClrLst/>
+    <dgm:txLinClrLst/>
+    <dgm:txFillClrLst meth="repeat">
+      <a:schemeClr val="dk1"/>
+    </dgm:txFillClrLst>
+    <dgm:txEffectClrLst/>
+  </dgm:styleLbl>
+  <dgm:styleLbl name="solidFgAcc1">
+    <dgm:fillClrLst meth="repeat">
+      <a:schemeClr val="lt1"/>
+    </dgm:fillClrLst>
+    <dgm:linClrLst meth="repeat">
+      <a:schemeClr val="dk1"/>
+    </dgm:linClrLst>
+    <dgm:effectClrLst/>
+    <dgm:txLinClrLst/>
+    <dgm:txFillClrLst meth="repeat">
+      <a:schemeClr val="dk1"/>
+    </dgm:txFillClrLst>
+    <dgm:txEffectClrLst/>
+  </dgm:styleLbl>
+  <dgm:styleLbl name="solidAlignAcc1">
+    <dgm:fillClrLst meth="repeat">
+      <a:schemeClr val="lt1"/>
+    </dgm:fillClrLst>
+    <dgm:linClrLst meth="repeat">
+      <a:schemeClr val="dk1"/>
+    </dgm:linClrLst>
+    <dgm:effectClrLst/>
+    <dgm:txLinClrLst/>
+    <dgm:txFillClrLst meth="repeat">
+      <a:schemeClr val="dk1"/>
+    </dgm:txFillClrLst>
+    <dgm:txEffectClrLst/>
+  </dgm:styleLbl>
+  <dgm:styleLbl name="solidBgAcc1">
+    <dgm:fillClrLst meth="repeat">
+      <a:schemeClr val="lt1"/>
+    </dgm:fillClrLst>
+    <dgm:linClrLst meth="repeat">
+      <a:schemeClr val="dk1"/>
+    </dgm:linClrLst>
+    <dgm:effectClrLst/>
+    <dgm:txLinClrLst/>
+    <dgm:txFillClrLst meth="repeat">
+      <a:schemeClr val="dk1"/>
+    </dgm:txFillClrLst>
+    <dgm:txEffectClrLst/>
+  </dgm:styleLbl>
+  <dgm:styleLbl name="fgAccFollowNode1">
+    <dgm:fillClrLst meth="repeat">
+      <a:schemeClr val="lt1">
+        <a:alpha val="90000"/>
+        <a:tint val="40000"/>
+      </a:schemeClr>
+    </dgm:fillClrLst>
+    <dgm:linClrLst meth="repeat">
+      <a:schemeClr val="dk1">
+        <a:alpha val="90000"/>
+      </a:schemeClr>
+    </dgm:linClrLst>
+    <dgm:effectClrLst/>
+    <dgm:txLinClrLst/>
+    <dgm:txFillClrLst meth="repeat">
+      <a:schemeClr val="dk1"/>
+    </dgm:txFillClrLst>
+    <dgm:txEffectClrLst/>
+  </dgm:styleLbl>
+  <dgm:styleLbl name="alignAccFollowNode1">
+    <dgm:fillClrLst meth="repeat">
+      <a:schemeClr val="lt1">
+        <a:alpha val="90000"/>
+        <a:tint val="40000"/>
+      </a:schemeClr>
+    </dgm:fillClrLst>
+    <dgm:linClrLst meth="repeat">
+      <a:schemeClr val="dk1">
+        <a:alpha val="90000"/>
+      </a:schemeClr>
+    </dgm:linClrLst>
+    <dgm:effectClrLst/>
+    <dgm:txLinClrLst/>
+    <dgm:txFillClrLst meth="repeat">
+      <a:schemeClr val="dk1"/>
+    </dgm:txFillClrLst>
+    <dgm:txEffectClrLst/>
+  </dgm:styleLbl>
+  <dgm:styleLbl name="bgAccFollowNode1">
+    <dgm:fillClrLst meth="repeat">
+      <a:schemeClr val="lt1">
+        <a:alpha val="90000"/>
+        <a:tint val="40000"/>
+      </a:schemeClr>
+    </dgm:fillClrLst>
+    <dgm:linClrLst meth="repeat">
+      <a:schemeClr val="dk1">
+        <a:alpha val="90000"/>
+      </a:schemeClr>
+    </dgm:linClrLst>
+    <dgm:effectClrLst/>
+    <dgm:txLinClrLst/>
+    <dgm:txFillClrLst meth="repeat">
+      <a:schemeClr val="dk1"/>
+    </dgm:txFillClrLst>
+    <dgm:txEffectClrLst/>
+  </dgm:styleLbl>
+  <dgm:styleLbl name="fgAcc0">
+    <dgm:fillClrLst meth="repeat">
+      <a:schemeClr val="dk1">
+        <a:alpha val="90000"/>
+        <a:tint val="40000"/>
+      </a:schemeClr>
+    </dgm:fillClrLst>
+    <dgm:linClrLst meth="repeat">
+      <a:schemeClr val="dk1"/>
+    </dgm:linClrLst>
+    <dgm:effectClrLst/>
+    <dgm:txLinClrLst/>
+    <dgm:txFillClrLst meth="repeat">
+      <a:schemeClr val="dk1"/>
+    </dgm:txFillClrLst>
+    <dgm:txEffectClrLst/>
+  </dgm:styleLbl>
+  <dgm:styleLbl name="fgAcc2">
+    <dgm:fillClrLst meth="repeat">
+      <a:schemeClr val="dk1">
+        <a:alpha val="90000"/>
+        <a:tint val="40000"/>
+      </a:schemeClr>
+    </dgm:fillClrLst>
+    <dgm:linClrLst meth="repeat">
+      <a:schemeClr val="dk1"/>
+    </dgm:linClrLst>
+    <dgm:effectClrLst/>
+    <dgm:txLinClrLst/>
+    <dgm:txFillClrLst meth="repeat">
+      <a:schemeClr val="dk1"/>
+    </dgm:txFillClrLst>
+    <dgm:txEffectClrLst/>
+  </dgm:styleLbl>
+  <dgm:styleLbl name="fgAcc3">
+    <dgm:fillClrLst meth="repeat">
+      <a:schemeClr val="dk1">
+        <a:alpha val="90000"/>
+        <a:tint val="40000"/>
+      </a:schemeClr>
+    </dgm:fillClrLst>
+    <dgm:linClrLst meth="repeat">
+      <a:schemeClr val="dk1"/>
+    </dgm:linClrLst>
+    <dgm:effectClrLst/>
+    <dgm:txLinClrLst/>
+    <dgm:txFillClrLst meth="repeat">
+      <a:schemeClr val="dk1"/>
+    </dgm:txFillClrLst>
+    <dgm:txEffectClrLst/>
+  </dgm:styleLbl>
+  <dgm:styleLbl name="fgAcc4">
+    <dgm:fillClrLst meth="repeat">
+      <a:schemeClr val="dk1">
+        <a:alpha val="90000"/>
+        <a:tint val="40000"/>
+      </a:schemeClr>
+    </dgm:fillClrLst>
+    <dgm:linClrLst meth="repeat">
+      <a:schemeClr val="dk1"/>
+    </dgm:linClrLst>
+    <dgm:effectClrLst/>
+    <dgm:txLinClrLst/>
+    <dgm:txFillClrLst meth="repeat">
+      <a:schemeClr val="dk1"/>
+    </dgm:txFillClrLst>
+    <dgm:txEffectClrLst/>
+  </dgm:styleLbl>
+  <dgm:styleLbl name="bgShp">
+    <dgm:fillClrLst meth="repeat">
+      <a:schemeClr val="dk1">
+        <a:tint val="40000"/>
+      </a:schemeClr>
+    </dgm:fillClrLst>
+    <dgm:linClrLst meth="repeat">
+      <a:schemeClr val="dk1"/>
+    </dgm:linClrLst>
+    <dgm:effectClrLst/>
+    <dgm:txLinClrLst/>
+    <dgm:txFillClrLst meth="repeat">
+      <a:schemeClr val="dk1"/>
+    </dgm:txFillClrLst>
+    <dgm:txEffectClrLst/>
+  </dgm:styleLbl>
+  <dgm:styleLbl name="dkBgShp">
+    <dgm:fillClrLst meth="repeat">
+      <a:schemeClr val="dk1">
+        <a:shade val="80000"/>
+      </a:schemeClr>
+    </dgm:fillClrLst>
+    <dgm:linClrLst meth="repeat">
+      <a:schemeClr val="dk1"/>
+    </dgm:linClrLst>
+    <dgm:effectClrLst/>
+    <dgm:txLinClrLst/>
+    <dgm:txFillClrLst meth="repeat">
+      <a:schemeClr val="lt1"/>
+    </dgm:txFillClrLst>
+    <dgm:txEffectClrLst/>
+  </dgm:styleLbl>
+  <dgm:styleLbl name="trBgShp">
+    <dgm:fillClrLst meth="repeat">
+      <a:schemeClr val="dk1">
+        <a:tint val="50000"/>
+        <a:alpha val="40000"/>
+      </a:schemeClr>
+    </dgm:fillClrLst>
+    <dgm:linClrLst meth="repeat">
+      <a:schemeClr val="dk1"/>
+    </dgm:linClrLst>
+    <dgm:effectClrLst/>
+    <dgm:txLinClrLst/>
+    <dgm:txFillClrLst meth="repeat">
+      <a:schemeClr val="lt1"/>
+    </dgm:txFillClrLst>
+    <dgm:txEffectClrLst/>
+  </dgm:styleLbl>
+  <dgm:styleLbl name="fgShp">
+    <dgm:fillClrLst meth="repeat">
+      <a:schemeClr val="dk1">
+        <a:tint val="60000"/>
+      </a:schemeClr>
+    </dgm:fillClrLst>
+    <dgm:linClrLst meth="repeat">
+      <a:schemeClr val="lt1"/>
+    </dgm:linClrLst>
+    <dgm:effectClrLst/>
+    <dgm:txLinClrLst/>
+    <dgm:txFillClrLst meth="repeat">
+      <a:schemeClr val="dk1"/>
+    </dgm:txFillClrLst>
+    <dgm:txEffectClrLst/>
+  </dgm:styleLbl>
+  <dgm:styleLbl name="revTx">
+    <dgm:fillClrLst meth="repeat">
+      <a:schemeClr val="lt1">
+        <a:alpha val="0"/>
+      </a:schemeClr>
+    </dgm:fillClrLst>
+    <dgm:linClrLst meth="repeat">
+      <a:schemeClr val="dk1">
+        <a:alpha val="0"/>
+      </a:schemeClr>
+    </dgm:linClrLst>
+    <dgm:effectClrLst/>
+    <dgm:txLinClrLst/>
+    <dgm:txFillClrLst meth="repeat">
+      <a:schemeClr val="tx1"/>
+    </dgm:txFillClrLst>
+    <dgm:txEffectClrLst/>
+  </dgm:styleLbl>
+</dgm:colorsDef>
+</file>
+
+<file path=ppt/diagrams/data1.xml><?xml version="1.0" encoding="utf-8"?>
+<dgm:dataModel xmlns:dgm="http://schemas.openxmlformats.org/drawingml/2006/diagram" xmlns:a="http://schemas.openxmlformats.org/drawingml/2006/main">
+  <dgm:ptLst>
+    <dgm:pt modelId="{CF92D740-E519-4C80-BD09-681CDCE4884C}" type="doc">
+      <dgm:prSet loTypeId="urn:microsoft.com/office/officeart/2005/8/layout/hierarchy3" loCatId="list" qsTypeId="urn:microsoft.com/office/officeart/2005/8/quickstyle/simple1" qsCatId="simple" csTypeId="urn:microsoft.com/office/officeart/2005/8/colors/accent0_1" csCatId="mainScheme" phldr="1"/>
+      <dgm:spPr/>
+      <dgm:t>
+        <a:bodyPr/>
+        <a:lstStyle/>
+        <a:p>
+          <a:endParaRPr lang="en-US"/>
+        </a:p>
+      </dgm:t>
+    </dgm:pt>
+    <dgm:pt modelId="{1A13F127-3FCD-4EA9-8E72-0D378A0CD30B}">
+      <dgm:prSet phldrT="[Text]"/>
+      <dgm:spPr/>
+      <dgm:t>
+        <a:bodyPr/>
+        <a:lstStyle/>
+        <a:p>
+          <a:r>
+            <a:rPr lang="en-US" dirty="0" smtClean="0"/>
+            <a:t>Digital (STM)</a:t>
+          </a:r>
+          <a:endParaRPr lang="en-US" dirty="0"/>
+        </a:p>
+      </dgm:t>
+    </dgm:pt>
+    <dgm:pt modelId="{7AF9FA00-5B54-4201-A01F-CAD231CB394A}" type="parTrans" cxnId="{3C068E3C-2325-400C-8524-A4C227816E58}">
+      <dgm:prSet/>
+      <dgm:spPr/>
+      <dgm:t>
+        <a:bodyPr/>
+        <a:lstStyle/>
+        <a:p>
+          <a:endParaRPr lang="en-US"/>
+        </a:p>
+      </dgm:t>
+    </dgm:pt>
+    <dgm:pt modelId="{C5342E6E-F8A3-4B2F-82EB-07A2E88446D0}" type="sibTrans" cxnId="{3C068E3C-2325-400C-8524-A4C227816E58}">
+      <dgm:prSet/>
+      <dgm:spPr/>
+      <dgm:t>
+        <a:bodyPr/>
+        <a:lstStyle/>
+        <a:p>
+          <a:endParaRPr lang="en-US"/>
+        </a:p>
+      </dgm:t>
+    </dgm:pt>
+    <dgm:pt modelId="{52463ED4-1741-47B1-A0C6-70DDE405A0F1}">
+      <dgm:prSet phldrT="[Text]"/>
+      <dgm:spPr/>
+      <dgm:t>
+        <a:bodyPr/>
+        <a:lstStyle/>
+        <a:p>
+          <a:r>
+            <a:rPr lang="en-US" dirty="0" smtClean="0"/>
+            <a:t>3.3V</a:t>
+          </a:r>
+          <a:endParaRPr lang="en-US" dirty="0"/>
+        </a:p>
+      </dgm:t>
+    </dgm:pt>
+    <dgm:pt modelId="{19CC21F7-C00A-4852-84CC-6120A969BB78}" type="parTrans" cxnId="{81A4742A-883B-4B2F-A016-1FCCAE9EB0EB}">
+      <dgm:prSet/>
+      <dgm:spPr/>
+      <dgm:t>
+        <a:bodyPr/>
+        <a:lstStyle/>
+        <a:p>
+          <a:endParaRPr lang="en-US"/>
+        </a:p>
+      </dgm:t>
+    </dgm:pt>
+    <dgm:pt modelId="{B27701D8-B870-484C-8B32-A93747ED2DD9}" type="sibTrans" cxnId="{81A4742A-883B-4B2F-A016-1FCCAE9EB0EB}">
+      <dgm:prSet/>
+      <dgm:spPr/>
+      <dgm:t>
+        <a:bodyPr/>
+        <a:lstStyle/>
+        <a:p>
+          <a:endParaRPr lang="en-US"/>
+        </a:p>
+      </dgm:t>
+    </dgm:pt>
+    <dgm:pt modelId="{184DBD5F-D07D-4F65-ACAE-77D6FCD45332}">
+      <dgm:prSet phldrT="[Text]"/>
+      <dgm:spPr/>
+      <dgm:t>
+        <a:bodyPr/>
+        <a:lstStyle/>
+        <a:p>
+          <a:r>
+            <a:rPr lang="en-US" dirty="0" smtClean="0"/>
+            <a:t>Digital</a:t>
+          </a:r>
+          <a:endParaRPr lang="en-US" dirty="0"/>
+        </a:p>
+      </dgm:t>
+    </dgm:pt>
+    <dgm:pt modelId="{640E596F-5555-4717-94A5-9891CA7BAE21}" type="parTrans" cxnId="{14B7CE8C-51BA-41C2-8EDF-323957B877BD}">
+      <dgm:prSet/>
+      <dgm:spPr/>
+      <dgm:t>
+        <a:bodyPr/>
+        <a:lstStyle/>
+        <a:p>
+          <a:endParaRPr lang="en-US"/>
+        </a:p>
+      </dgm:t>
+    </dgm:pt>
+    <dgm:pt modelId="{1230C493-06A6-43DE-8681-20BA836CE3BC}" type="sibTrans" cxnId="{14B7CE8C-51BA-41C2-8EDF-323957B877BD}">
+      <dgm:prSet/>
+      <dgm:spPr/>
+      <dgm:t>
+        <a:bodyPr/>
+        <a:lstStyle/>
+        <a:p>
+          <a:endParaRPr lang="en-US"/>
+        </a:p>
+      </dgm:t>
+    </dgm:pt>
+    <dgm:pt modelId="{D5FAD0EC-14BB-437C-9156-6FFEC5F68BE9}">
+      <dgm:prSet phldrT="[Text]"/>
+      <dgm:spPr/>
+      <dgm:t>
+        <a:bodyPr/>
+        <a:lstStyle/>
+        <a:p>
+          <a:r>
+            <a:rPr lang="en-US" dirty="0" smtClean="0"/>
+            <a:t>1.5V</a:t>
+          </a:r>
+          <a:endParaRPr lang="en-US" dirty="0"/>
+        </a:p>
+      </dgm:t>
+    </dgm:pt>
+    <dgm:pt modelId="{D45CF7C2-193C-447D-87E7-9237551A695E}" type="parTrans" cxnId="{BA1B77D5-688B-4985-94D6-32B31128DD92}">
+      <dgm:prSet/>
+      <dgm:spPr/>
+      <dgm:t>
+        <a:bodyPr/>
+        <a:lstStyle/>
+        <a:p>
+          <a:endParaRPr lang="en-US"/>
+        </a:p>
+      </dgm:t>
+    </dgm:pt>
+    <dgm:pt modelId="{8ED690BD-D1AC-4B56-A9AB-E63BC5677321}" type="sibTrans" cxnId="{BA1B77D5-688B-4985-94D6-32B31128DD92}">
+      <dgm:prSet/>
+      <dgm:spPr/>
+      <dgm:t>
+        <a:bodyPr/>
+        <a:lstStyle/>
+        <a:p>
+          <a:endParaRPr lang="en-US"/>
+        </a:p>
+      </dgm:t>
+    </dgm:pt>
+    <dgm:pt modelId="{4B3D22EF-9FB2-49EC-B452-7A67D3E513D0}">
+      <dgm:prSet phldrT="[Text]"/>
+      <dgm:spPr/>
+      <dgm:t>
+        <a:bodyPr/>
+        <a:lstStyle/>
+        <a:p>
+          <a:r>
+            <a:rPr lang="en-US" dirty="0" smtClean="0"/>
+            <a:t>Analog</a:t>
+          </a:r>
+          <a:endParaRPr lang="en-US" dirty="0"/>
+        </a:p>
+      </dgm:t>
+    </dgm:pt>
+    <dgm:pt modelId="{D5DCCF61-0F45-47ED-AD92-4ECDCDB71DD5}" type="parTrans" cxnId="{7F0020E9-B5C7-44E9-8850-1F446A5CAD19}">
+      <dgm:prSet/>
+      <dgm:spPr/>
+      <dgm:t>
+        <a:bodyPr/>
+        <a:lstStyle/>
+        <a:p>
+          <a:endParaRPr lang="en-US"/>
+        </a:p>
+      </dgm:t>
+    </dgm:pt>
+    <dgm:pt modelId="{E7AE43D9-6909-45B0-B374-6AE5D9254D97}" type="sibTrans" cxnId="{7F0020E9-B5C7-44E9-8850-1F446A5CAD19}">
+      <dgm:prSet/>
+      <dgm:spPr/>
+      <dgm:t>
+        <a:bodyPr/>
+        <a:lstStyle/>
+        <a:p>
+          <a:endParaRPr lang="en-US"/>
+        </a:p>
+      </dgm:t>
+    </dgm:pt>
+    <dgm:pt modelId="{191FDAFE-3DB2-49D8-8E5A-D0D7D7EFB174}">
+      <dgm:prSet phldrT="[Text]"/>
+      <dgm:spPr/>
+      <dgm:t>
+        <a:bodyPr/>
+        <a:lstStyle/>
+        <a:p>
+          <a:r>
+            <a:rPr lang="en-US" dirty="0" smtClean="0"/>
+            <a:t>3.3V</a:t>
+          </a:r>
+          <a:endParaRPr lang="en-US" dirty="0"/>
+        </a:p>
+      </dgm:t>
+    </dgm:pt>
+    <dgm:pt modelId="{B6AADEFF-7F66-4768-BEA5-52E2CFC1F4D8}" type="parTrans" cxnId="{6B1C5618-90D7-4E8E-83BA-2078FAB00A22}">
+      <dgm:prSet/>
+      <dgm:spPr/>
+      <dgm:t>
+        <a:bodyPr/>
+        <a:lstStyle/>
+        <a:p>
+          <a:endParaRPr lang="en-US"/>
+        </a:p>
+      </dgm:t>
+    </dgm:pt>
+    <dgm:pt modelId="{3979FF24-E642-45AB-90D8-CE6A8C5723E8}" type="sibTrans" cxnId="{6B1C5618-90D7-4E8E-83BA-2078FAB00A22}">
+      <dgm:prSet/>
+      <dgm:spPr/>
+      <dgm:t>
+        <a:bodyPr/>
+        <a:lstStyle/>
+        <a:p>
+          <a:endParaRPr lang="en-US"/>
+        </a:p>
+      </dgm:t>
+    </dgm:pt>
+    <dgm:pt modelId="{E2216977-CA69-42CE-BA4E-659FB9DBFA81}">
+      <dgm:prSet phldrT="[Text]"/>
+      <dgm:spPr/>
+      <dgm:t>
+        <a:bodyPr/>
+        <a:lstStyle/>
+        <a:p>
+          <a:r>
+            <a:rPr lang="en-US" dirty="0" smtClean="0"/>
+            <a:t>1.5V</a:t>
+          </a:r>
+          <a:endParaRPr lang="en-US" dirty="0"/>
+        </a:p>
+      </dgm:t>
+    </dgm:pt>
+    <dgm:pt modelId="{CE7A1C9F-F000-4BE9-8339-B5791C429FBD}" type="parTrans" cxnId="{B96E71F4-CC62-4B74-B920-698D87300CDB}">
+      <dgm:prSet/>
+      <dgm:spPr/>
+      <dgm:t>
+        <a:bodyPr/>
+        <a:lstStyle/>
+        <a:p>
+          <a:endParaRPr lang="en-US"/>
+        </a:p>
+      </dgm:t>
+    </dgm:pt>
+    <dgm:pt modelId="{94B847A5-7429-4E10-9477-1F37CFCF5D74}" type="sibTrans" cxnId="{B96E71F4-CC62-4B74-B920-698D87300CDB}">
+      <dgm:prSet/>
+      <dgm:spPr/>
+      <dgm:t>
+        <a:bodyPr/>
+        <a:lstStyle/>
+        <a:p>
+          <a:endParaRPr lang="en-US"/>
+        </a:p>
+      </dgm:t>
+    </dgm:pt>
+    <dgm:pt modelId="{69C617FC-B3A4-43B0-AA97-C2C55FFFDDE2}">
+      <dgm:prSet phldrT="[Text]"/>
+      <dgm:spPr/>
+      <dgm:t>
+        <a:bodyPr/>
+        <a:lstStyle/>
+        <a:p>
+          <a:r>
+            <a:rPr lang="en-US" smtClean="0"/>
+            <a:t>2.8V-5.5V</a:t>
+          </a:r>
+          <a:endParaRPr lang="en-US" dirty="0"/>
+        </a:p>
+      </dgm:t>
+    </dgm:pt>
+    <dgm:pt modelId="{8C5E4515-7897-4B59-BA3C-6B204E4B0B21}" type="parTrans" cxnId="{2C9E6FA2-731B-4A8D-9EB0-319E7D66E1E3}">
+      <dgm:prSet/>
+      <dgm:spPr/>
+      <dgm:t>
+        <a:bodyPr/>
+        <a:lstStyle/>
+        <a:p>
+          <a:endParaRPr lang="en-US"/>
+        </a:p>
+      </dgm:t>
+    </dgm:pt>
+    <dgm:pt modelId="{7B23EE94-EAFD-4E5F-906F-186A8C1267E5}" type="sibTrans" cxnId="{2C9E6FA2-731B-4A8D-9EB0-319E7D66E1E3}">
+      <dgm:prSet/>
+      <dgm:spPr/>
+      <dgm:t>
+        <a:bodyPr/>
+        <a:lstStyle/>
+        <a:p>
+          <a:endParaRPr lang="en-US"/>
+        </a:p>
+      </dgm:t>
+    </dgm:pt>
+    <dgm:pt modelId="{EE2F25D5-EE39-4923-9E95-DF55A2ED0CFF}">
+      <dgm:prSet phldrT="[Text]"/>
+      <dgm:spPr/>
+      <dgm:t>
+        <a:bodyPr/>
+        <a:lstStyle/>
+        <a:p>
+          <a:r>
+            <a:rPr lang="en-US" dirty="0" smtClean="0"/>
+            <a:t>3.3V</a:t>
+          </a:r>
+          <a:endParaRPr lang="en-US" dirty="0"/>
+        </a:p>
+      </dgm:t>
+    </dgm:pt>
+    <dgm:pt modelId="{56FB40FA-1769-4EAB-ABD7-CBBA82EAD074}" type="sibTrans" cxnId="{25B52FB6-7BA1-4D6F-9E09-4DA6D987EEEA}">
+      <dgm:prSet/>
+      <dgm:spPr/>
+      <dgm:t>
+        <a:bodyPr/>
+        <a:lstStyle/>
+        <a:p>
+          <a:endParaRPr lang="en-US"/>
+        </a:p>
+      </dgm:t>
+    </dgm:pt>
+    <dgm:pt modelId="{95668334-1052-40BD-9BC9-ACE06B7C38EE}" type="parTrans" cxnId="{25B52FB6-7BA1-4D6F-9E09-4DA6D987EEEA}">
+      <dgm:prSet/>
+      <dgm:spPr/>
+      <dgm:t>
+        <a:bodyPr/>
+        <a:lstStyle/>
+        <a:p>
+          <a:endParaRPr lang="en-US"/>
+        </a:p>
+      </dgm:t>
+    </dgm:pt>
+    <dgm:pt modelId="{5EB09CE6-07B9-4E20-8F8B-D10BBFEF8A68}" type="pres">
+      <dgm:prSet presAssocID="{CF92D740-E519-4C80-BD09-681CDCE4884C}" presName="diagram" presStyleCnt="0">
+        <dgm:presLayoutVars>
+          <dgm:chPref val="1"/>
+          <dgm:dir/>
+          <dgm:animOne val="branch"/>
+          <dgm:animLvl val="lvl"/>
+          <dgm:resizeHandles/>
+        </dgm:presLayoutVars>
+      </dgm:prSet>
+      <dgm:spPr/>
+    </dgm:pt>
+    <dgm:pt modelId="{CF30C37E-0609-4379-AC1B-3609DAF56A6B}" type="pres">
+      <dgm:prSet presAssocID="{1A13F127-3FCD-4EA9-8E72-0D378A0CD30B}" presName="root" presStyleCnt="0"/>
+      <dgm:spPr/>
+    </dgm:pt>
+    <dgm:pt modelId="{EE9677D2-269C-451F-B5C1-B11FDB94EB65}" type="pres">
+      <dgm:prSet presAssocID="{1A13F127-3FCD-4EA9-8E72-0D378A0CD30B}" presName="rootComposite" presStyleCnt="0"/>
+      <dgm:spPr/>
+    </dgm:pt>
+    <dgm:pt modelId="{9108A091-2672-4B4A-8EC9-7BBCD1558DAF}" type="pres">
+      <dgm:prSet presAssocID="{1A13F127-3FCD-4EA9-8E72-0D378A0CD30B}" presName="rootText" presStyleLbl="node1" presStyleIdx="0" presStyleCnt="3"/>
+      <dgm:spPr/>
+    </dgm:pt>
+    <dgm:pt modelId="{5276D5FB-882E-4BC3-BD19-F4F82706B0E3}" type="pres">
+      <dgm:prSet presAssocID="{1A13F127-3FCD-4EA9-8E72-0D378A0CD30B}" presName="rootConnector" presStyleLbl="node1" presStyleIdx="0" presStyleCnt="3"/>
+      <dgm:spPr/>
+    </dgm:pt>
+    <dgm:pt modelId="{46E19D99-9F19-4D77-AB42-C5B2EB178A00}" type="pres">
+      <dgm:prSet presAssocID="{1A13F127-3FCD-4EA9-8E72-0D378A0CD30B}" presName="childShape" presStyleCnt="0"/>
+      <dgm:spPr/>
+    </dgm:pt>
+    <dgm:pt modelId="{D59245B4-7650-49F7-8810-877C15E6D76B}" type="pres">
+      <dgm:prSet presAssocID="{19CC21F7-C00A-4852-84CC-6120A969BB78}" presName="Name13" presStyleLbl="parChTrans1D2" presStyleIdx="0" presStyleCnt="6"/>
+      <dgm:spPr/>
+    </dgm:pt>
+    <dgm:pt modelId="{1CB56DC1-9241-43A2-A4CC-1878E9CBC42C}" type="pres">
+      <dgm:prSet presAssocID="{52463ED4-1741-47B1-A0C6-70DDE405A0F1}" presName="childText" presStyleLbl="bgAcc1" presStyleIdx="0" presStyleCnt="6">
+        <dgm:presLayoutVars>
+          <dgm:bulletEnabled val="1"/>
+        </dgm:presLayoutVars>
+      </dgm:prSet>
+      <dgm:spPr/>
+    </dgm:pt>
+    <dgm:pt modelId="{A5F3043F-3AE7-4389-AB4A-C0A6FFA6A6F9}" type="pres">
+      <dgm:prSet presAssocID="{184DBD5F-D07D-4F65-ACAE-77D6FCD45332}" presName="root" presStyleCnt="0"/>
+      <dgm:spPr/>
+    </dgm:pt>
+    <dgm:pt modelId="{52F44793-FA85-42B7-A67E-0EF7A5FF6DE5}" type="pres">
+      <dgm:prSet presAssocID="{184DBD5F-D07D-4F65-ACAE-77D6FCD45332}" presName="rootComposite" presStyleCnt="0"/>
+      <dgm:spPr/>
+    </dgm:pt>
+    <dgm:pt modelId="{BA964914-75D2-4B0C-B728-3154E50AF5FD}" type="pres">
+      <dgm:prSet presAssocID="{184DBD5F-D07D-4F65-ACAE-77D6FCD45332}" presName="rootText" presStyleLbl="node1" presStyleIdx="1" presStyleCnt="3"/>
+      <dgm:spPr/>
+    </dgm:pt>
+    <dgm:pt modelId="{06E93A5F-FB84-4FEE-84C8-8856C5C0DAFF}" type="pres">
+      <dgm:prSet presAssocID="{184DBD5F-D07D-4F65-ACAE-77D6FCD45332}" presName="rootConnector" presStyleLbl="node1" presStyleIdx="1" presStyleCnt="3"/>
+      <dgm:spPr/>
+    </dgm:pt>
+    <dgm:pt modelId="{84128106-13F2-427D-8BD2-68FC24DC8831}" type="pres">
+      <dgm:prSet presAssocID="{184DBD5F-D07D-4F65-ACAE-77D6FCD45332}" presName="childShape" presStyleCnt="0"/>
+      <dgm:spPr/>
+    </dgm:pt>
+    <dgm:pt modelId="{9D511374-7D7B-4EC8-ADF3-F61D1EE76F2F}" type="pres">
+      <dgm:prSet presAssocID="{8C5E4515-7897-4B59-BA3C-6B204E4B0B21}" presName="Name13" presStyleLbl="parChTrans1D2" presStyleIdx="1" presStyleCnt="6"/>
+      <dgm:spPr/>
+    </dgm:pt>
+    <dgm:pt modelId="{DC495A99-3CC3-4C44-9CD4-E19127F63245}" type="pres">
+      <dgm:prSet presAssocID="{69C617FC-B3A4-43B0-AA97-C2C55FFFDDE2}" presName="childText" presStyleLbl="bgAcc1" presStyleIdx="1" presStyleCnt="6">
+        <dgm:presLayoutVars>
+          <dgm:bulletEnabled val="1"/>
+        </dgm:presLayoutVars>
+      </dgm:prSet>
+      <dgm:spPr/>
+    </dgm:pt>
+    <dgm:pt modelId="{B22AED20-DDE9-4F27-98ED-852D664DEE50}" type="pres">
+      <dgm:prSet presAssocID="{95668334-1052-40BD-9BC9-ACE06B7C38EE}" presName="Name13" presStyleLbl="parChTrans1D2" presStyleIdx="2" presStyleCnt="6"/>
+      <dgm:spPr/>
+    </dgm:pt>
+    <dgm:pt modelId="{222E0677-6280-4BEE-9943-9B6567E1B4A1}" type="pres">
+      <dgm:prSet presAssocID="{EE2F25D5-EE39-4923-9E95-DF55A2ED0CFF}" presName="childText" presStyleLbl="bgAcc1" presStyleIdx="2" presStyleCnt="6">
+        <dgm:presLayoutVars>
+          <dgm:bulletEnabled val="1"/>
+        </dgm:presLayoutVars>
+      </dgm:prSet>
+      <dgm:spPr/>
+    </dgm:pt>
+    <dgm:pt modelId="{F7D85594-4DA5-4940-BCB2-EDEAB36F297A}" type="pres">
+      <dgm:prSet presAssocID="{D45CF7C2-193C-447D-87E7-9237551A695E}" presName="Name13" presStyleLbl="parChTrans1D2" presStyleIdx="3" presStyleCnt="6"/>
+      <dgm:spPr/>
+    </dgm:pt>
+    <dgm:pt modelId="{14BE7BAD-7DEF-4568-B44D-40A60342DD0A}" type="pres">
+      <dgm:prSet presAssocID="{D5FAD0EC-14BB-437C-9156-6FFEC5F68BE9}" presName="childText" presStyleLbl="bgAcc1" presStyleIdx="3" presStyleCnt="6">
+        <dgm:presLayoutVars>
+          <dgm:bulletEnabled val="1"/>
+        </dgm:presLayoutVars>
+      </dgm:prSet>
+      <dgm:spPr/>
+    </dgm:pt>
+    <dgm:pt modelId="{5AE8661B-EBD1-4E1B-99E6-E8084BA2B4A0}" type="pres">
+      <dgm:prSet presAssocID="{4B3D22EF-9FB2-49EC-B452-7A67D3E513D0}" presName="root" presStyleCnt="0"/>
+      <dgm:spPr/>
+    </dgm:pt>
+    <dgm:pt modelId="{09B8601B-F30A-463F-862E-67C6AC91C003}" type="pres">
+      <dgm:prSet presAssocID="{4B3D22EF-9FB2-49EC-B452-7A67D3E513D0}" presName="rootComposite" presStyleCnt="0"/>
+      <dgm:spPr/>
+    </dgm:pt>
+    <dgm:pt modelId="{9EE9022C-A1A4-4896-812C-BF67B355D3FC}" type="pres">
+      <dgm:prSet presAssocID="{4B3D22EF-9FB2-49EC-B452-7A67D3E513D0}" presName="rootText" presStyleLbl="node1" presStyleIdx="2" presStyleCnt="3"/>
+      <dgm:spPr/>
+    </dgm:pt>
+    <dgm:pt modelId="{084B09F3-2CAB-4B90-B51B-ABD8E3716314}" type="pres">
+      <dgm:prSet presAssocID="{4B3D22EF-9FB2-49EC-B452-7A67D3E513D0}" presName="rootConnector" presStyleLbl="node1" presStyleIdx="2" presStyleCnt="3"/>
+      <dgm:spPr/>
+    </dgm:pt>
+    <dgm:pt modelId="{7D254E27-EFCB-45C4-A2C8-B621A70DACFB}" type="pres">
+      <dgm:prSet presAssocID="{4B3D22EF-9FB2-49EC-B452-7A67D3E513D0}" presName="childShape" presStyleCnt="0"/>
+      <dgm:spPr/>
+    </dgm:pt>
+    <dgm:pt modelId="{A4DF48BC-C80A-40AA-8875-46B7EC62C64E}" type="pres">
+      <dgm:prSet presAssocID="{B6AADEFF-7F66-4768-BEA5-52E2CFC1F4D8}" presName="Name13" presStyleLbl="parChTrans1D2" presStyleIdx="4" presStyleCnt="6"/>
+      <dgm:spPr/>
+    </dgm:pt>
+    <dgm:pt modelId="{8B2E1D33-2D90-409B-91CE-DB815A9F16CD}" type="pres">
+      <dgm:prSet presAssocID="{191FDAFE-3DB2-49D8-8E5A-D0D7D7EFB174}" presName="childText" presStyleLbl="bgAcc1" presStyleIdx="4" presStyleCnt="6">
+        <dgm:presLayoutVars>
+          <dgm:bulletEnabled val="1"/>
+        </dgm:presLayoutVars>
+      </dgm:prSet>
+      <dgm:spPr/>
+    </dgm:pt>
+    <dgm:pt modelId="{7CA3DDAE-BF88-4855-AC2F-E7A514981FE1}" type="pres">
+      <dgm:prSet presAssocID="{CE7A1C9F-F000-4BE9-8339-B5791C429FBD}" presName="Name13" presStyleLbl="parChTrans1D2" presStyleIdx="5" presStyleCnt="6"/>
+      <dgm:spPr/>
+    </dgm:pt>
+    <dgm:pt modelId="{950149A1-B038-49CC-8E04-F0059BEBE2CB}" type="pres">
+      <dgm:prSet presAssocID="{E2216977-CA69-42CE-BA4E-659FB9DBFA81}" presName="childText" presStyleLbl="bgAcc1" presStyleIdx="5" presStyleCnt="6">
+        <dgm:presLayoutVars>
+          <dgm:bulletEnabled val="1"/>
+        </dgm:presLayoutVars>
+      </dgm:prSet>
+      <dgm:spPr/>
+    </dgm:pt>
+  </dgm:ptLst>
+  <dgm:cxnLst>
+    <dgm:cxn modelId="{37FCB85C-DE03-4B10-BC41-E62FC3560D86}" type="presOf" srcId="{D45CF7C2-193C-447D-87E7-9237551A695E}" destId="{F7D85594-4DA5-4940-BCB2-EDEAB36F297A}" srcOrd="0" destOrd="0" presId="urn:microsoft.com/office/officeart/2005/8/layout/hierarchy3"/>
+    <dgm:cxn modelId="{659BC00C-1FB2-4347-A313-79187A08CE6C}" type="presOf" srcId="{E2216977-CA69-42CE-BA4E-659FB9DBFA81}" destId="{950149A1-B038-49CC-8E04-F0059BEBE2CB}" srcOrd="0" destOrd="0" presId="urn:microsoft.com/office/officeart/2005/8/layout/hierarchy3"/>
+    <dgm:cxn modelId="{25B52FB6-7BA1-4D6F-9E09-4DA6D987EEEA}" srcId="{184DBD5F-D07D-4F65-ACAE-77D6FCD45332}" destId="{EE2F25D5-EE39-4923-9E95-DF55A2ED0CFF}" srcOrd="1" destOrd="0" parTransId="{95668334-1052-40BD-9BC9-ACE06B7C38EE}" sibTransId="{56FB40FA-1769-4EAB-ABD7-CBBA82EAD074}"/>
+    <dgm:cxn modelId="{7F0020E9-B5C7-44E9-8850-1F446A5CAD19}" srcId="{CF92D740-E519-4C80-BD09-681CDCE4884C}" destId="{4B3D22EF-9FB2-49EC-B452-7A67D3E513D0}" srcOrd="2" destOrd="0" parTransId="{D5DCCF61-0F45-47ED-AD92-4ECDCDB71DD5}" sibTransId="{E7AE43D9-6909-45B0-B374-6AE5D9254D97}"/>
+    <dgm:cxn modelId="{AC022202-5120-4DB9-9D5E-65A5ED2556C5}" type="presOf" srcId="{95668334-1052-40BD-9BC9-ACE06B7C38EE}" destId="{B22AED20-DDE9-4F27-98ED-852D664DEE50}" srcOrd="0" destOrd="0" presId="urn:microsoft.com/office/officeart/2005/8/layout/hierarchy3"/>
+    <dgm:cxn modelId="{0CC97DB0-69EA-43A8-98A5-2BB401733E98}" type="presOf" srcId="{1A13F127-3FCD-4EA9-8E72-0D378A0CD30B}" destId="{9108A091-2672-4B4A-8EC9-7BBCD1558DAF}" srcOrd="0" destOrd="0" presId="urn:microsoft.com/office/officeart/2005/8/layout/hierarchy3"/>
+    <dgm:cxn modelId="{9A836009-34E3-4A4D-BA23-1537511798EC}" type="presOf" srcId="{191FDAFE-3DB2-49D8-8E5A-D0D7D7EFB174}" destId="{8B2E1D33-2D90-409B-91CE-DB815A9F16CD}" srcOrd="0" destOrd="0" presId="urn:microsoft.com/office/officeart/2005/8/layout/hierarchy3"/>
+    <dgm:cxn modelId="{2CE03943-B1C7-46A7-AA4E-0F10FC0111D2}" type="presOf" srcId="{B6AADEFF-7F66-4768-BEA5-52E2CFC1F4D8}" destId="{A4DF48BC-C80A-40AA-8875-46B7EC62C64E}" srcOrd="0" destOrd="0" presId="urn:microsoft.com/office/officeart/2005/8/layout/hierarchy3"/>
+    <dgm:cxn modelId="{1237377A-11A6-4374-8A96-10F7395D0139}" type="presOf" srcId="{8C5E4515-7897-4B59-BA3C-6B204E4B0B21}" destId="{9D511374-7D7B-4EC8-ADF3-F61D1EE76F2F}" srcOrd="0" destOrd="0" presId="urn:microsoft.com/office/officeart/2005/8/layout/hierarchy3"/>
+    <dgm:cxn modelId="{EEB139A4-82D1-47FF-B43F-2744C9EB1D68}" type="presOf" srcId="{19CC21F7-C00A-4852-84CC-6120A969BB78}" destId="{D59245B4-7650-49F7-8810-877C15E6D76B}" srcOrd="0" destOrd="0" presId="urn:microsoft.com/office/officeart/2005/8/layout/hierarchy3"/>
+    <dgm:cxn modelId="{BA1B77D5-688B-4985-94D6-32B31128DD92}" srcId="{184DBD5F-D07D-4F65-ACAE-77D6FCD45332}" destId="{D5FAD0EC-14BB-437C-9156-6FFEC5F68BE9}" srcOrd="2" destOrd="0" parTransId="{D45CF7C2-193C-447D-87E7-9237551A695E}" sibTransId="{8ED690BD-D1AC-4B56-A9AB-E63BC5677321}"/>
+    <dgm:cxn modelId="{D089FC67-EDE7-421B-B53D-88E9012EAD57}" type="presOf" srcId="{4B3D22EF-9FB2-49EC-B452-7A67D3E513D0}" destId="{084B09F3-2CAB-4B90-B51B-ABD8E3716314}" srcOrd="1" destOrd="0" presId="urn:microsoft.com/office/officeart/2005/8/layout/hierarchy3"/>
+    <dgm:cxn modelId="{3C068E3C-2325-400C-8524-A4C227816E58}" srcId="{CF92D740-E519-4C80-BD09-681CDCE4884C}" destId="{1A13F127-3FCD-4EA9-8E72-0D378A0CD30B}" srcOrd="0" destOrd="0" parTransId="{7AF9FA00-5B54-4201-A01F-CAD231CB394A}" sibTransId="{C5342E6E-F8A3-4B2F-82EB-07A2E88446D0}"/>
+    <dgm:cxn modelId="{81A4742A-883B-4B2F-A016-1FCCAE9EB0EB}" srcId="{1A13F127-3FCD-4EA9-8E72-0D378A0CD30B}" destId="{52463ED4-1741-47B1-A0C6-70DDE405A0F1}" srcOrd="0" destOrd="0" parTransId="{19CC21F7-C00A-4852-84CC-6120A969BB78}" sibTransId="{B27701D8-B870-484C-8B32-A93747ED2DD9}"/>
+    <dgm:cxn modelId="{AAE8FAF1-85F4-40B6-AD19-EC635CA47454}" type="presOf" srcId="{1A13F127-3FCD-4EA9-8E72-0D378A0CD30B}" destId="{5276D5FB-882E-4BC3-BD19-F4F82706B0E3}" srcOrd="1" destOrd="0" presId="urn:microsoft.com/office/officeart/2005/8/layout/hierarchy3"/>
+    <dgm:cxn modelId="{4EB48D0C-80F8-4A8F-9831-19C1EF969BD0}" type="presOf" srcId="{CE7A1C9F-F000-4BE9-8339-B5791C429FBD}" destId="{7CA3DDAE-BF88-4855-AC2F-E7A514981FE1}" srcOrd="0" destOrd="0" presId="urn:microsoft.com/office/officeart/2005/8/layout/hierarchy3"/>
+    <dgm:cxn modelId="{2C9E6FA2-731B-4A8D-9EB0-319E7D66E1E3}" srcId="{184DBD5F-D07D-4F65-ACAE-77D6FCD45332}" destId="{69C617FC-B3A4-43B0-AA97-C2C55FFFDDE2}" srcOrd="0" destOrd="0" parTransId="{8C5E4515-7897-4B59-BA3C-6B204E4B0B21}" sibTransId="{7B23EE94-EAFD-4E5F-906F-186A8C1267E5}"/>
+    <dgm:cxn modelId="{1C9CA46D-C73F-4177-A570-AD0CE36FD159}" type="presOf" srcId="{184DBD5F-D07D-4F65-ACAE-77D6FCD45332}" destId="{06E93A5F-FB84-4FEE-84C8-8856C5C0DAFF}" srcOrd="1" destOrd="0" presId="urn:microsoft.com/office/officeart/2005/8/layout/hierarchy3"/>
+    <dgm:cxn modelId="{14B7CE8C-51BA-41C2-8EDF-323957B877BD}" srcId="{CF92D740-E519-4C80-BD09-681CDCE4884C}" destId="{184DBD5F-D07D-4F65-ACAE-77D6FCD45332}" srcOrd="1" destOrd="0" parTransId="{640E596F-5555-4717-94A5-9891CA7BAE21}" sibTransId="{1230C493-06A6-43DE-8681-20BA836CE3BC}"/>
+    <dgm:cxn modelId="{769714C3-501A-445D-B05A-44152400D50C}" type="presOf" srcId="{D5FAD0EC-14BB-437C-9156-6FFEC5F68BE9}" destId="{14BE7BAD-7DEF-4568-B44D-40A60342DD0A}" srcOrd="0" destOrd="0" presId="urn:microsoft.com/office/officeart/2005/8/layout/hierarchy3"/>
+    <dgm:cxn modelId="{6B1C5618-90D7-4E8E-83BA-2078FAB00A22}" srcId="{4B3D22EF-9FB2-49EC-B452-7A67D3E513D0}" destId="{191FDAFE-3DB2-49D8-8E5A-D0D7D7EFB174}" srcOrd="0" destOrd="0" parTransId="{B6AADEFF-7F66-4768-BEA5-52E2CFC1F4D8}" sibTransId="{3979FF24-E642-45AB-90D8-CE6A8C5723E8}"/>
+    <dgm:cxn modelId="{4E633D2E-07DC-4AF2-A617-F6BE33098971}" type="presOf" srcId="{CF92D740-E519-4C80-BD09-681CDCE4884C}" destId="{5EB09CE6-07B9-4E20-8F8B-D10BBFEF8A68}" srcOrd="0" destOrd="0" presId="urn:microsoft.com/office/officeart/2005/8/layout/hierarchy3"/>
+    <dgm:cxn modelId="{C7C868DA-73E0-4BB2-94FB-BBBDA42A717F}" type="presOf" srcId="{EE2F25D5-EE39-4923-9E95-DF55A2ED0CFF}" destId="{222E0677-6280-4BEE-9943-9B6567E1B4A1}" srcOrd="0" destOrd="0" presId="urn:microsoft.com/office/officeart/2005/8/layout/hierarchy3"/>
+    <dgm:cxn modelId="{90C33AE1-DB38-402E-B48C-9C06209B91B6}" type="presOf" srcId="{184DBD5F-D07D-4F65-ACAE-77D6FCD45332}" destId="{BA964914-75D2-4B0C-B728-3154E50AF5FD}" srcOrd="0" destOrd="0" presId="urn:microsoft.com/office/officeart/2005/8/layout/hierarchy3"/>
+    <dgm:cxn modelId="{B96E71F4-CC62-4B74-B920-698D87300CDB}" srcId="{4B3D22EF-9FB2-49EC-B452-7A67D3E513D0}" destId="{E2216977-CA69-42CE-BA4E-659FB9DBFA81}" srcOrd="1" destOrd="0" parTransId="{CE7A1C9F-F000-4BE9-8339-B5791C429FBD}" sibTransId="{94B847A5-7429-4E10-9477-1F37CFCF5D74}"/>
+    <dgm:cxn modelId="{389F8016-17EB-4258-AF42-693E19254233}" type="presOf" srcId="{52463ED4-1741-47B1-A0C6-70DDE405A0F1}" destId="{1CB56DC1-9241-43A2-A4CC-1878E9CBC42C}" srcOrd="0" destOrd="0" presId="urn:microsoft.com/office/officeart/2005/8/layout/hierarchy3"/>
+    <dgm:cxn modelId="{89BA454C-B8D5-4713-9ADD-A5135D9F2B19}" type="presOf" srcId="{4B3D22EF-9FB2-49EC-B452-7A67D3E513D0}" destId="{9EE9022C-A1A4-4896-812C-BF67B355D3FC}" srcOrd="0" destOrd="0" presId="urn:microsoft.com/office/officeart/2005/8/layout/hierarchy3"/>
+    <dgm:cxn modelId="{9B84F2B5-D3B7-4164-ACDC-B35CF2F611EA}" type="presOf" srcId="{69C617FC-B3A4-43B0-AA97-C2C55FFFDDE2}" destId="{DC495A99-3CC3-4C44-9CD4-E19127F63245}" srcOrd="0" destOrd="0" presId="urn:microsoft.com/office/officeart/2005/8/layout/hierarchy3"/>
+    <dgm:cxn modelId="{BB560D48-C929-4886-8456-6F55E03F6FBE}" type="presParOf" srcId="{5EB09CE6-07B9-4E20-8F8B-D10BBFEF8A68}" destId="{CF30C37E-0609-4379-AC1B-3609DAF56A6B}" srcOrd="0" destOrd="0" presId="urn:microsoft.com/office/officeart/2005/8/layout/hierarchy3"/>
+    <dgm:cxn modelId="{14C0087B-B0F0-445E-A0E8-463B7645446C}" type="presParOf" srcId="{CF30C37E-0609-4379-AC1B-3609DAF56A6B}" destId="{EE9677D2-269C-451F-B5C1-B11FDB94EB65}" srcOrd="0" destOrd="0" presId="urn:microsoft.com/office/officeart/2005/8/layout/hierarchy3"/>
+    <dgm:cxn modelId="{F8715430-FD9D-44B8-AA70-10AD8ECCF1AB}" type="presParOf" srcId="{EE9677D2-269C-451F-B5C1-B11FDB94EB65}" destId="{9108A091-2672-4B4A-8EC9-7BBCD1558DAF}" srcOrd="0" destOrd="0" presId="urn:microsoft.com/office/officeart/2005/8/layout/hierarchy3"/>
+    <dgm:cxn modelId="{8825386E-A0F9-4B08-BB81-DC0DF4E2AD18}" type="presParOf" srcId="{EE9677D2-269C-451F-B5C1-B11FDB94EB65}" destId="{5276D5FB-882E-4BC3-BD19-F4F82706B0E3}" srcOrd="1" destOrd="0" presId="urn:microsoft.com/office/officeart/2005/8/layout/hierarchy3"/>
+    <dgm:cxn modelId="{B5312D42-3735-49EA-A1D3-E5E53D45860B}" type="presParOf" srcId="{CF30C37E-0609-4379-AC1B-3609DAF56A6B}" destId="{46E19D99-9F19-4D77-AB42-C5B2EB178A00}" srcOrd="1" destOrd="0" presId="urn:microsoft.com/office/officeart/2005/8/layout/hierarchy3"/>
+    <dgm:cxn modelId="{EB9FC75E-B3EC-42FB-B83D-243742A013D5}" type="presParOf" srcId="{46E19D99-9F19-4D77-AB42-C5B2EB178A00}" destId="{D59245B4-7650-49F7-8810-877C15E6D76B}" srcOrd="0" destOrd="0" presId="urn:microsoft.com/office/officeart/2005/8/layout/hierarchy3"/>
+    <dgm:cxn modelId="{D1FDFB84-7793-4C9F-9035-DC458B355EAC}" type="presParOf" srcId="{46E19D99-9F19-4D77-AB42-C5B2EB178A00}" destId="{1CB56DC1-9241-43A2-A4CC-1878E9CBC42C}" srcOrd="1" destOrd="0" presId="urn:microsoft.com/office/officeart/2005/8/layout/hierarchy3"/>
+    <dgm:cxn modelId="{24B1B15A-6FB8-4AB4-B39E-3D121F40D14E}" type="presParOf" srcId="{5EB09CE6-07B9-4E20-8F8B-D10BBFEF8A68}" destId="{A5F3043F-3AE7-4389-AB4A-C0A6FFA6A6F9}" srcOrd="1" destOrd="0" presId="urn:microsoft.com/office/officeart/2005/8/layout/hierarchy3"/>
+    <dgm:cxn modelId="{9ADE5E4D-95DE-4CE7-B433-156327F445E3}" type="presParOf" srcId="{A5F3043F-3AE7-4389-AB4A-C0A6FFA6A6F9}" destId="{52F44793-FA85-42B7-A67E-0EF7A5FF6DE5}" srcOrd="0" destOrd="0" presId="urn:microsoft.com/office/officeart/2005/8/layout/hierarchy3"/>
+    <dgm:cxn modelId="{FC76C421-4214-4B0D-82C2-DBAC5C7C632C}" type="presParOf" srcId="{52F44793-FA85-42B7-A67E-0EF7A5FF6DE5}" destId="{BA964914-75D2-4B0C-B728-3154E50AF5FD}" srcOrd="0" destOrd="0" presId="urn:microsoft.com/office/officeart/2005/8/layout/hierarchy3"/>
+    <dgm:cxn modelId="{92C14A2A-D3F2-442C-B040-3DF59EA661A1}" type="presParOf" srcId="{52F44793-FA85-42B7-A67E-0EF7A5FF6DE5}" destId="{06E93A5F-FB84-4FEE-84C8-8856C5C0DAFF}" srcOrd="1" destOrd="0" presId="urn:microsoft.com/office/officeart/2005/8/layout/hierarchy3"/>
+    <dgm:cxn modelId="{B2F61E95-05AA-4192-BB8F-82FC3D8A5CD3}" type="presParOf" srcId="{A5F3043F-3AE7-4389-AB4A-C0A6FFA6A6F9}" destId="{84128106-13F2-427D-8BD2-68FC24DC8831}" srcOrd="1" destOrd="0" presId="urn:microsoft.com/office/officeart/2005/8/layout/hierarchy3"/>
+    <dgm:cxn modelId="{2514069D-8FE1-47A4-8CCE-45734968D054}" type="presParOf" srcId="{84128106-13F2-427D-8BD2-68FC24DC8831}" destId="{9D511374-7D7B-4EC8-ADF3-F61D1EE76F2F}" srcOrd="0" destOrd="0" presId="urn:microsoft.com/office/officeart/2005/8/layout/hierarchy3"/>
+    <dgm:cxn modelId="{4AC315BD-08A6-4B3A-A794-DEC724C35B4B}" type="presParOf" srcId="{84128106-13F2-427D-8BD2-68FC24DC8831}" destId="{DC495A99-3CC3-4C44-9CD4-E19127F63245}" srcOrd="1" destOrd="0" presId="urn:microsoft.com/office/officeart/2005/8/layout/hierarchy3"/>
+    <dgm:cxn modelId="{2161D702-E1BF-43D4-8DEA-A3D44ED20A4C}" type="presParOf" srcId="{84128106-13F2-427D-8BD2-68FC24DC8831}" destId="{B22AED20-DDE9-4F27-98ED-852D664DEE50}" srcOrd="2" destOrd="0" presId="urn:microsoft.com/office/officeart/2005/8/layout/hierarchy3"/>
+    <dgm:cxn modelId="{695FC8AE-B0BD-4353-9ECF-782E4DA526D9}" type="presParOf" srcId="{84128106-13F2-427D-8BD2-68FC24DC8831}" destId="{222E0677-6280-4BEE-9943-9B6567E1B4A1}" srcOrd="3" destOrd="0" presId="urn:microsoft.com/office/officeart/2005/8/layout/hierarchy3"/>
+    <dgm:cxn modelId="{808146AD-F026-4B32-8711-BEE65237008E}" type="presParOf" srcId="{84128106-13F2-427D-8BD2-68FC24DC8831}" destId="{F7D85594-4DA5-4940-BCB2-EDEAB36F297A}" srcOrd="4" destOrd="0" presId="urn:microsoft.com/office/officeart/2005/8/layout/hierarchy3"/>
+    <dgm:cxn modelId="{8E053FEE-2571-4D3A-B585-E1D9EDA55585}" type="presParOf" srcId="{84128106-13F2-427D-8BD2-68FC24DC8831}" destId="{14BE7BAD-7DEF-4568-B44D-40A60342DD0A}" srcOrd="5" destOrd="0" presId="urn:microsoft.com/office/officeart/2005/8/layout/hierarchy3"/>
+    <dgm:cxn modelId="{5BE2AF7A-67F6-40BD-BD3C-FD6AE9922AA3}" type="presParOf" srcId="{5EB09CE6-07B9-4E20-8F8B-D10BBFEF8A68}" destId="{5AE8661B-EBD1-4E1B-99E6-E8084BA2B4A0}" srcOrd="2" destOrd="0" presId="urn:microsoft.com/office/officeart/2005/8/layout/hierarchy3"/>
+    <dgm:cxn modelId="{88C8D6FB-69BD-4E7F-971E-7D1461E07DF5}" type="presParOf" srcId="{5AE8661B-EBD1-4E1B-99E6-E8084BA2B4A0}" destId="{09B8601B-F30A-463F-862E-67C6AC91C003}" srcOrd="0" destOrd="0" presId="urn:microsoft.com/office/officeart/2005/8/layout/hierarchy3"/>
+    <dgm:cxn modelId="{6395E495-0CE5-4B67-858B-5463CA8839FF}" type="presParOf" srcId="{09B8601B-F30A-463F-862E-67C6AC91C003}" destId="{9EE9022C-A1A4-4896-812C-BF67B355D3FC}" srcOrd="0" destOrd="0" presId="urn:microsoft.com/office/officeart/2005/8/layout/hierarchy3"/>
+    <dgm:cxn modelId="{75C4F1EE-696B-4017-8A6A-1B288809F004}" type="presParOf" srcId="{09B8601B-F30A-463F-862E-67C6AC91C003}" destId="{084B09F3-2CAB-4B90-B51B-ABD8E3716314}" srcOrd="1" destOrd="0" presId="urn:microsoft.com/office/officeart/2005/8/layout/hierarchy3"/>
+    <dgm:cxn modelId="{8C966C74-68FD-4538-8549-44EA7086A5B8}" type="presParOf" srcId="{5AE8661B-EBD1-4E1B-99E6-E8084BA2B4A0}" destId="{7D254E27-EFCB-45C4-A2C8-B621A70DACFB}" srcOrd="1" destOrd="0" presId="urn:microsoft.com/office/officeart/2005/8/layout/hierarchy3"/>
+    <dgm:cxn modelId="{0F125991-2BCE-45E1-A99A-DB8229478787}" type="presParOf" srcId="{7D254E27-EFCB-45C4-A2C8-B621A70DACFB}" destId="{A4DF48BC-C80A-40AA-8875-46B7EC62C64E}" srcOrd="0" destOrd="0" presId="urn:microsoft.com/office/officeart/2005/8/layout/hierarchy3"/>
+    <dgm:cxn modelId="{23D76695-FCCB-4950-9517-D717303C9A7A}" type="presParOf" srcId="{7D254E27-EFCB-45C4-A2C8-B621A70DACFB}" destId="{8B2E1D33-2D90-409B-91CE-DB815A9F16CD}" srcOrd="1" destOrd="0" presId="urn:microsoft.com/office/officeart/2005/8/layout/hierarchy3"/>
+    <dgm:cxn modelId="{BDB29EEC-1A12-4128-A7D7-C5581E284D24}" type="presParOf" srcId="{7D254E27-EFCB-45C4-A2C8-B621A70DACFB}" destId="{7CA3DDAE-BF88-4855-AC2F-E7A514981FE1}" srcOrd="2" destOrd="0" presId="urn:microsoft.com/office/officeart/2005/8/layout/hierarchy3"/>
+    <dgm:cxn modelId="{0B2C9879-513C-4608-8718-A7A4BB17857D}" type="presParOf" srcId="{7D254E27-EFCB-45C4-A2C8-B621A70DACFB}" destId="{950149A1-B038-49CC-8E04-F0059BEBE2CB}" srcOrd="3" destOrd="0" presId="urn:microsoft.com/office/officeart/2005/8/layout/hierarchy3"/>
+  </dgm:cxnLst>
+  <dgm:bg/>
+  <dgm:whole/>
+  <dgm:extLst>
+    <a:ext uri="http://schemas.microsoft.com/office/drawing/2008/diagram">
+      <dsp:dataModelExt xmlns:dsp="http://schemas.microsoft.com/office/drawing/2008/diagram" xmlns="" relId="rId6" minVer="http://schemas.openxmlformats.org/drawingml/2006/diagram"/>
+    </a:ext>
+  </dgm:extLst>
+</dgm:dataModel>
+</file>
+
+<file path=ppt/diagrams/drawing1.xml><?xml version="1.0" encoding="utf-8"?>
+<dsp:drawing xmlns:dgm="http://schemas.openxmlformats.org/drawingml/2006/diagram" xmlns:a="http://schemas.openxmlformats.org/drawingml/2006/main" xmlns:dsp="http://schemas.microsoft.com/office/drawing/2008/diagram">
+  <dsp:spTree>
+    <dsp:nvGrpSpPr>
+      <dsp:cNvPr id="0" name=""/>
+      <dsp:cNvGrpSpPr/>
+    </dsp:nvGrpSpPr>
+    <dsp:grpSpPr/>
+    <dsp:sp modelId="{9108A091-2672-4B4A-8EC9-7BBCD1558DAF}">
+      <dsp:nvSpPr>
+        <dsp:cNvPr id="0" name=""/>
+        <dsp:cNvSpPr/>
+      </dsp:nvSpPr>
+      <dsp:spPr>
+        <a:xfrm>
+          <a:off x="412" y="6811"/>
+          <a:ext cx="966415" cy="483207"/>
+        </a:xfrm>
+        <a:prstGeom prst="roundRect">
+          <a:avLst>
+            <a:gd name="adj" fmla="val 10000"/>
+          </a:avLst>
+        </a:prstGeom>
+        <a:solidFill>
+          <a:schemeClr val="lt1">
+            <a:hueOff val="0"/>
+            <a:satOff val="0"/>
+            <a:lumOff val="0"/>
+            <a:alphaOff val="0"/>
+          </a:schemeClr>
+        </a:solidFill>
+        <a:ln w="25400" cap="flat" cmpd="sng" algn="ctr">
+          <a:solidFill>
+            <a:schemeClr val="dk1">
+              <a:shade val="80000"/>
+              <a:hueOff val="0"/>
+              <a:satOff val="0"/>
+              <a:lumOff val="0"/>
+              <a:alphaOff val="0"/>
+            </a:schemeClr>
+          </a:solidFill>
+          <a:prstDash val="solid"/>
+        </a:ln>
+        <a:effectLst/>
+      </dsp:spPr>
+      <dsp:style>
+        <a:lnRef idx="2">
+          <a:scrgbClr r="0" g="0" b="0"/>
+        </a:lnRef>
+        <a:fillRef idx="1">
+          <a:scrgbClr r="0" g="0" b="0"/>
+        </a:fillRef>
+        <a:effectRef idx="0">
+          <a:scrgbClr r="0" g="0" b="0"/>
+        </a:effectRef>
+        <a:fontRef idx="minor">
+          <a:schemeClr val="lt1"/>
+        </a:fontRef>
+      </dsp:style>
+      <dsp:txBody>
+        <a:bodyPr spcFirstLastPara="0" vert="horz" wrap="square" lIns="26670" tIns="17780" rIns="26670" bIns="17780" numCol="1" spcCol="1270" anchor="ctr" anchorCtr="0">
+          <a:noAutofit/>
+        </a:bodyPr>
+        <a:lstStyle/>
+        <a:p>
+          <a:pPr lvl="0" algn="ctr" defTabSz="622300">
+            <a:lnSpc>
+              <a:spcPct val="90000"/>
+            </a:lnSpc>
+            <a:spcBef>
+              <a:spcPct val="0"/>
+            </a:spcBef>
+            <a:spcAft>
+              <a:spcPct val="35000"/>
+            </a:spcAft>
+          </a:pPr>
+          <a:r>
+            <a:rPr lang="en-US" sz="1400" kern="1200" dirty="0" smtClean="0"/>
+            <a:t>Digital (STM)</a:t>
+          </a:r>
+          <a:endParaRPr lang="en-US" sz="1400" kern="1200" dirty="0"/>
+        </a:p>
+      </dsp:txBody>
+      <dsp:txXfrm>
+        <a:off x="412" y="6811"/>
+        <a:ext cx="966415" cy="483207"/>
+      </dsp:txXfrm>
+    </dsp:sp>
+    <dsp:sp modelId="{D59245B4-7650-49F7-8810-877C15E6D76B}">
+      <dsp:nvSpPr>
+        <dsp:cNvPr id="0" name=""/>
+        <dsp:cNvSpPr/>
+      </dsp:nvSpPr>
+      <dsp:spPr>
+        <a:xfrm>
+          <a:off x="97054" y="490019"/>
+          <a:ext cx="96641" cy="362405"/>
+        </a:xfrm>
+        <a:custGeom>
+          <a:avLst/>
+          <a:gdLst/>
+          <a:ahLst/>
+          <a:cxnLst/>
+          <a:rect l="0" t="0" r="0" b="0"/>
+          <a:pathLst>
+            <a:path>
+              <a:moveTo>
+                <a:pt x="0" y="0"/>
+              </a:moveTo>
+              <a:lnTo>
+                <a:pt x="0" y="362405"/>
+              </a:lnTo>
+              <a:lnTo>
+                <a:pt x="96641" y="362405"/>
+              </a:lnTo>
+            </a:path>
+          </a:pathLst>
+        </a:custGeom>
+        <a:noFill/>
+        <a:ln w="25400" cap="flat" cmpd="sng" algn="ctr">
+          <a:solidFill>
+            <a:schemeClr val="dk1">
+              <a:shade val="60000"/>
+              <a:hueOff val="0"/>
+              <a:satOff val="0"/>
+              <a:lumOff val="0"/>
+              <a:alphaOff val="0"/>
+            </a:schemeClr>
+          </a:solidFill>
+          <a:prstDash val="solid"/>
+        </a:ln>
+        <a:effectLst/>
+      </dsp:spPr>
+      <dsp:style>
+        <a:lnRef idx="2">
+          <a:scrgbClr r="0" g="0" b="0"/>
+        </a:lnRef>
+        <a:fillRef idx="0">
+          <a:scrgbClr r="0" g="0" b="0"/>
+        </a:fillRef>
+        <a:effectRef idx="0">
+          <a:scrgbClr r="0" g="0" b="0"/>
+        </a:effectRef>
+        <a:fontRef idx="minor"/>
+      </dsp:style>
+    </dsp:sp>
+    <dsp:sp modelId="{1CB56DC1-9241-43A2-A4CC-1878E9CBC42C}">
+      <dsp:nvSpPr>
+        <dsp:cNvPr id="0" name=""/>
+        <dsp:cNvSpPr/>
+      </dsp:nvSpPr>
+      <dsp:spPr>
+        <a:xfrm>
+          <a:off x="193696" y="610821"/>
+          <a:ext cx="773132" cy="483207"/>
+        </a:xfrm>
+        <a:prstGeom prst="roundRect">
+          <a:avLst>
+            <a:gd name="adj" fmla="val 10000"/>
+          </a:avLst>
+        </a:prstGeom>
+        <a:solidFill>
+          <a:schemeClr val="dk1">
+            <a:alpha val="90000"/>
+            <a:tint val="40000"/>
+            <a:hueOff val="0"/>
+            <a:satOff val="0"/>
+            <a:lumOff val="0"/>
+            <a:alphaOff val="0"/>
+          </a:schemeClr>
+        </a:solidFill>
+        <a:ln w="25400" cap="flat" cmpd="sng" algn="ctr">
+          <a:solidFill>
+            <a:schemeClr val="dk1">
+              <a:hueOff val="0"/>
+              <a:satOff val="0"/>
+              <a:lumOff val="0"/>
+              <a:alphaOff val="0"/>
+            </a:schemeClr>
+          </a:solidFill>
+          <a:prstDash val="solid"/>
+        </a:ln>
+        <a:effectLst/>
+      </dsp:spPr>
+      <dsp:style>
+        <a:lnRef idx="2">
+          <a:scrgbClr r="0" g="0" b="0"/>
+        </a:lnRef>
+        <a:fillRef idx="1">
+          <a:scrgbClr r="0" g="0" b="0"/>
+        </a:fillRef>
+        <a:effectRef idx="0">
+          <a:scrgbClr r="0" g="0" b="0"/>
+        </a:effectRef>
+        <a:fontRef idx="minor"/>
+      </dsp:style>
+      <dsp:txBody>
+        <a:bodyPr spcFirstLastPara="0" vert="horz" wrap="square" lIns="26670" tIns="17780" rIns="26670" bIns="17780" numCol="1" spcCol="1270" anchor="ctr" anchorCtr="0">
+          <a:noAutofit/>
+        </a:bodyPr>
+        <a:lstStyle/>
+        <a:p>
+          <a:pPr lvl="0" algn="ctr" defTabSz="622300">
+            <a:lnSpc>
+              <a:spcPct val="90000"/>
+            </a:lnSpc>
+            <a:spcBef>
+              <a:spcPct val="0"/>
+            </a:spcBef>
+            <a:spcAft>
+              <a:spcPct val="35000"/>
+            </a:spcAft>
+          </a:pPr>
+          <a:r>
+            <a:rPr lang="en-US" sz="1400" kern="1200" dirty="0" smtClean="0"/>
+            <a:t>3.3V</a:t>
+          </a:r>
+          <a:endParaRPr lang="en-US" sz="1400" kern="1200" dirty="0"/>
+        </a:p>
+      </dsp:txBody>
+      <dsp:txXfrm>
+        <a:off x="193696" y="610821"/>
+        <a:ext cx="773132" cy="483207"/>
+      </dsp:txXfrm>
+    </dsp:sp>
+    <dsp:sp modelId="{BA964914-75D2-4B0C-B728-3154E50AF5FD}">
+      <dsp:nvSpPr>
+        <dsp:cNvPr id="0" name=""/>
+        <dsp:cNvSpPr/>
+      </dsp:nvSpPr>
+      <dsp:spPr>
+        <a:xfrm>
+          <a:off x="1208432" y="6811"/>
+          <a:ext cx="966415" cy="483207"/>
+        </a:xfrm>
+        <a:prstGeom prst="roundRect">
+          <a:avLst>
+            <a:gd name="adj" fmla="val 10000"/>
+          </a:avLst>
+        </a:prstGeom>
+        <a:solidFill>
+          <a:schemeClr val="lt1">
+            <a:hueOff val="0"/>
+            <a:satOff val="0"/>
+            <a:lumOff val="0"/>
+            <a:alphaOff val="0"/>
+          </a:schemeClr>
+        </a:solidFill>
+        <a:ln w="25400" cap="flat" cmpd="sng" algn="ctr">
+          <a:solidFill>
+            <a:schemeClr val="dk1">
+              <a:shade val="80000"/>
+              <a:hueOff val="0"/>
+              <a:satOff val="0"/>
+              <a:lumOff val="0"/>
+              <a:alphaOff val="0"/>
+            </a:schemeClr>
+          </a:solidFill>
+          <a:prstDash val="solid"/>
+        </a:ln>
+        <a:effectLst/>
+      </dsp:spPr>
+      <dsp:style>
+        <a:lnRef idx="2">
+          <a:scrgbClr r="0" g="0" b="0"/>
+        </a:lnRef>
+        <a:fillRef idx="1">
+          <a:scrgbClr r="0" g="0" b="0"/>
+        </a:fillRef>
+        <a:effectRef idx="0">
+          <a:scrgbClr r="0" g="0" b="0"/>
+        </a:effectRef>
+        <a:fontRef idx="minor">
+          <a:schemeClr val="lt1"/>
+        </a:fontRef>
+      </dsp:style>
+      <dsp:txBody>
+        <a:bodyPr spcFirstLastPara="0" vert="horz" wrap="square" lIns="26670" tIns="17780" rIns="26670" bIns="17780" numCol="1" spcCol="1270" anchor="ctr" anchorCtr="0">
+          <a:noAutofit/>
+        </a:bodyPr>
+        <a:lstStyle/>
+        <a:p>
+          <a:pPr lvl="0" algn="ctr" defTabSz="622300">
+            <a:lnSpc>
+              <a:spcPct val="90000"/>
+            </a:lnSpc>
+            <a:spcBef>
+              <a:spcPct val="0"/>
+            </a:spcBef>
+            <a:spcAft>
+              <a:spcPct val="35000"/>
+            </a:spcAft>
+          </a:pPr>
+          <a:r>
+            <a:rPr lang="en-US" sz="1400" kern="1200" dirty="0" smtClean="0"/>
+            <a:t>Digital</a:t>
+          </a:r>
+          <a:endParaRPr lang="en-US" sz="1400" kern="1200" dirty="0"/>
+        </a:p>
+      </dsp:txBody>
+      <dsp:txXfrm>
+        <a:off x="1208432" y="6811"/>
+        <a:ext cx="966415" cy="483207"/>
+      </dsp:txXfrm>
+    </dsp:sp>
+    <dsp:sp modelId="{9D511374-7D7B-4EC8-ADF3-F61D1EE76F2F}">
+      <dsp:nvSpPr>
+        <dsp:cNvPr id="0" name=""/>
+        <dsp:cNvSpPr/>
+      </dsp:nvSpPr>
+      <dsp:spPr>
+        <a:xfrm>
+          <a:off x="1305073" y="490019"/>
+          <a:ext cx="96641" cy="362405"/>
+        </a:xfrm>
+        <a:custGeom>
+          <a:avLst/>
+          <a:gdLst/>
+          <a:ahLst/>
+          <a:cxnLst/>
+          <a:rect l="0" t="0" r="0" b="0"/>
+          <a:pathLst>
+            <a:path>
+              <a:moveTo>
+                <a:pt x="0" y="0"/>
+              </a:moveTo>
+              <a:lnTo>
+                <a:pt x="0" y="362405"/>
+              </a:lnTo>
+              <a:lnTo>
+                <a:pt x="96641" y="362405"/>
+              </a:lnTo>
+            </a:path>
+          </a:pathLst>
+        </a:custGeom>
+        <a:noFill/>
+        <a:ln w="25400" cap="flat" cmpd="sng" algn="ctr">
+          <a:solidFill>
+            <a:schemeClr val="dk1">
+              <a:shade val="60000"/>
+              <a:hueOff val="0"/>
+              <a:satOff val="0"/>
+              <a:lumOff val="0"/>
+              <a:alphaOff val="0"/>
+            </a:schemeClr>
+          </a:solidFill>
+          <a:prstDash val="solid"/>
+        </a:ln>
+        <a:effectLst/>
+      </dsp:spPr>
+      <dsp:style>
+        <a:lnRef idx="2">
+          <a:scrgbClr r="0" g="0" b="0"/>
+        </a:lnRef>
+        <a:fillRef idx="0">
+          <a:scrgbClr r="0" g="0" b="0"/>
+        </a:fillRef>
+        <a:effectRef idx="0">
+          <a:scrgbClr r="0" g="0" b="0"/>
+        </a:effectRef>
+        <a:fontRef idx="minor"/>
+      </dsp:style>
+    </dsp:sp>
+    <dsp:sp modelId="{DC495A99-3CC3-4C44-9CD4-E19127F63245}">
+      <dsp:nvSpPr>
+        <dsp:cNvPr id="0" name=""/>
+        <dsp:cNvSpPr/>
+      </dsp:nvSpPr>
+      <dsp:spPr>
+        <a:xfrm>
+          <a:off x="1401715" y="610821"/>
+          <a:ext cx="773132" cy="483207"/>
+        </a:xfrm>
+        <a:prstGeom prst="roundRect">
+          <a:avLst>
+            <a:gd name="adj" fmla="val 10000"/>
+          </a:avLst>
+        </a:prstGeom>
+        <a:solidFill>
+          <a:schemeClr val="dk1">
+            <a:alpha val="90000"/>
+            <a:tint val="40000"/>
+            <a:hueOff val="0"/>
+            <a:satOff val="0"/>
+            <a:lumOff val="0"/>
+            <a:alphaOff val="0"/>
+          </a:schemeClr>
+        </a:solidFill>
+        <a:ln w="25400" cap="flat" cmpd="sng" algn="ctr">
+          <a:solidFill>
+            <a:schemeClr val="dk1">
+              <a:hueOff val="0"/>
+              <a:satOff val="0"/>
+              <a:lumOff val="0"/>
+              <a:alphaOff val="0"/>
+            </a:schemeClr>
+          </a:solidFill>
+          <a:prstDash val="solid"/>
+        </a:ln>
+        <a:effectLst/>
+      </dsp:spPr>
+      <dsp:style>
+        <a:lnRef idx="2">
+          <a:scrgbClr r="0" g="0" b="0"/>
+        </a:lnRef>
+        <a:fillRef idx="1">
+          <a:scrgbClr r="0" g="0" b="0"/>
+        </a:fillRef>
+        <a:effectRef idx="0">
+          <a:scrgbClr r="0" g="0" b="0"/>
+        </a:effectRef>
+        <a:fontRef idx="minor"/>
+      </dsp:style>
+      <dsp:txBody>
+        <a:bodyPr spcFirstLastPara="0" vert="horz" wrap="square" lIns="26670" tIns="17780" rIns="26670" bIns="17780" numCol="1" spcCol="1270" anchor="ctr" anchorCtr="0">
+          <a:noAutofit/>
+        </a:bodyPr>
+        <a:lstStyle/>
+        <a:p>
+          <a:pPr lvl="0" algn="ctr" defTabSz="622300">
+            <a:lnSpc>
+              <a:spcPct val="90000"/>
+            </a:lnSpc>
+            <a:spcBef>
+              <a:spcPct val="0"/>
+            </a:spcBef>
+            <a:spcAft>
+              <a:spcPct val="35000"/>
+            </a:spcAft>
+          </a:pPr>
+          <a:r>
+            <a:rPr lang="en-US" sz="1400" kern="1200" smtClean="0"/>
+            <a:t>2.8V-5.5V</a:t>
+          </a:r>
+          <a:endParaRPr lang="en-US" sz="1400" kern="1200" dirty="0"/>
+        </a:p>
+      </dsp:txBody>
+      <dsp:txXfrm>
+        <a:off x="1401715" y="610821"/>
+        <a:ext cx="773132" cy="483207"/>
+      </dsp:txXfrm>
+    </dsp:sp>
+    <dsp:sp modelId="{B22AED20-DDE9-4F27-98ED-852D664DEE50}">
+      <dsp:nvSpPr>
+        <dsp:cNvPr id="0" name=""/>
+        <dsp:cNvSpPr/>
+      </dsp:nvSpPr>
+      <dsp:spPr>
+        <a:xfrm>
+          <a:off x="1305073" y="490019"/>
+          <a:ext cx="96641" cy="966415"/>
+        </a:xfrm>
+        <a:custGeom>
+          <a:avLst/>
+          <a:gdLst/>
+          <a:ahLst/>
+          <a:cxnLst/>
+          <a:rect l="0" t="0" r="0" b="0"/>
+          <a:pathLst>
+            <a:path>
+              <a:moveTo>
+                <a:pt x="0" y="0"/>
+              </a:moveTo>
+              <a:lnTo>
+                <a:pt x="0" y="966415"/>
+              </a:lnTo>
+              <a:lnTo>
+                <a:pt x="96641" y="966415"/>
+              </a:lnTo>
+            </a:path>
+          </a:pathLst>
+        </a:custGeom>
+        <a:noFill/>
+        <a:ln w="25400" cap="flat" cmpd="sng" algn="ctr">
+          <a:solidFill>
+            <a:schemeClr val="dk1">
+              <a:shade val="60000"/>
+              <a:hueOff val="0"/>
+              <a:satOff val="0"/>
+              <a:lumOff val="0"/>
+              <a:alphaOff val="0"/>
+            </a:schemeClr>
+          </a:solidFill>
+          <a:prstDash val="solid"/>
+        </a:ln>
+        <a:effectLst/>
+      </dsp:spPr>
+      <dsp:style>
+        <a:lnRef idx="2">
+          <a:scrgbClr r="0" g="0" b="0"/>
+        </a:lnRef>
+        <a:fillRef idx="0">
+          <a:scrgbClr r="0" g="0" b="0"/>
+        </a:fillRef>
+        <a:effectRef idx="0">
+          <a:scrgbClr r="0" g="0" b="0"/>
+        </a:effectRef>
+        <a:fontRef idx="minor"/>
+      </dsp:style>
+    </dsp:sp>
+    <dsp:sp modelId="{222E0677-6280-4BEE-9943-9B6567E1B4A1}">
+      <dsp:nvSpPr>
+        <dsp:cNvPr id="0" name=""/>
+        <dsp:cNvSpPr/>
+      </dsp:nvSpPr>
+      <dsp:spPr>
+        <a:xfrm>
+          <a:off x="1401715" y="1214830"/>
+          <a:ext cx="773132" cy="483207"/>
+        </a:xfrm>
+        <a:prstGeom prst="roundRect">
+          <a:avLst>
+            <a:gd name="adj" fmla="val 10000"/>
+          </a:avLst>
+        </a:prstGeom>
+        <a:solidFill>
+          <a:schemeClr val="dk1">
+            <a:alpha val="90000"/>
+            <a:tint val="40000"/>
+            <a:hueOff val="0"/>
+            <a:satOff val="0"/>
+            <a:lumOff val="0"/>
+            <a:alphaOff val="0"/>
+          </a:schemeClr>
+        </a:solidFill>
+        <a:ln w="25400" cap="flat" cmpd="sng" algn="ctr">
+          <a:solidFill>
+            <a:schemeClr val="dk1">
+              <a:hueOff val="0"/>
+              <a:satOff val="0"/>
+              <a:lumOff val="0"/>
+              <a:alphaOff val="0"/>
+            </a:schemeClr>
+          </a:solidFill>
+          <a:prstDash val="solid"/>
+        </a:ln>
+        <a:effectLst/>
+      </dsp:spPr>
+      <dsp:style>
+        <a:lnRef idx="2">
+          <a:scrgbClr r="0" g="0" b="0"/>
+        </a:lnRef>
+        <a:fillRef idx="1">
+          <a:scrgbClr r="0" g="0" b="0"/>
+        </a:fillRef>
+        <a:effectRef idx="0">
+          <a:scrgbClr r="0" g="0" b="0"/>
+        </a:effectRef>
+        <a:fontRef idx="minor"/>
+      </dsp:style>
+      <dsp:txBody>
+        <a:bodyPr spcFirstLastPara="0" vert="horz" wrap="square" lIns="26670" tIns="17780" rIns="26670" bIns="17780" numCol="1" spcCol="1270" anchor="ctr" anchorCtr="0">
+          <a:noAutofit/>
+        </a:bodyPr>
+        <a:lstStyle/>
+        <a:p>
+          <a:pPr lvl="0" algn="ctr" defTabSz="622300">
+            <a:lnSpc>
+              <a:spcPct val="90000"/>
+            </a:lnSpc>
+            <a:spcBef>
+              <a:spcPct val="0"/>
+            </a:spcBef>
+            <a:spcAft>
+              <a:spcPct val="35000"/>
+            </a:spcAft>
+          </a:pPr>
+          <a:r>
+            <a:rPr lang="en-US" sz="1400" kern="1200" dirty="0" smtClean="0"/>
+            <a:t>3.3V</a:t>
+          </a:r>
+          <a:endParaRPr lang="en-US" sz="1400" kern="1200" dirty="0"/>
+        </a:p>
+      </dsp:txBody>
+      <dsp:txXfrm>
+        <a:off x="1401715" y="1214830"/>
+        <a:ext cx="773132" cy="483207"/>
+      </dsp:txXfrm>
+    </dsp:sp>
+    <dsp:sp modelId="{F7D85594-4DA5-4940-BCB2-EDEAB36F297A}">
+      <dsp:nvSpPr>
+        <dsp:cNvPr id="0" name=""/>
+        <dsp:cNvSpPr/>
+      </dsp:nvSpPr>
+      <dsp:spPr>
+        <a:xfrm>
+          <a:off x="1305073" y="490019"/>
+          <a:ext cx="96641" cy="1570425"/>
+        </a:xfrm>
+        <a:custGeom>
+          <a:avLst/>
+          <a:gdLst/>
+          <a:ahLst/>
+          <a:cxnLst/>
+          <a:rect l="0" t="0" r="0" b="0"/>
+          <a:pathLst>
+            <a:path>
+              <a:moveTo>
+                <a:pt x="0" y="0"/>
+              </a:moveTo>
+              <a:lnTo>
+                <a:pt x="0" y="1570425"/>
+              </a:lnTo>
+              <a:lnTo>
+                <a:pt x="96641" y="1570425"/>
+              </a:lnTo>
+            </a:path>
+          </a:pathLst>
+        </a:custGeom>
+        <a:noFill/>
+        <a:ln w="25400" cap="flat" cmpd="sng" algn="ctr">
+          <a:solidFill>
+            <a:schemeClr val="dk1">
+              <a:shade val="60000"/>
+              <a:hueOff val="0"/>
+              <a:satOff val="0"/>
+              <a:lumOff val="0"/>
+              <a:alphaOff val="0"/>
+            </a:schemeClr>
+          </a:solidFill>
+          <a:prstDash val="solid"/>
+        </a:ln>
+        <a:effectLst/>
+      </dsp:spPr>
+      <dsp:style>
+        <a:lnRef idx="2">
+          <a:scrgbClr r="0" g="0" b="0"/>
+        </a:lnRef>
+        <a:fillRef idx="0">
+          <a:scrgbClr r="0" g="0" b="0"/>
+        </a:fillRef>
+        <a:effectRef idx="0">
+          <a:scrgbClr r="0" g="0" b="0"/>
+        </a:effectRef>
+        <a:fontRef idx="minor"/>
+      </dsp:style>
+    </dsp:sp>
+    <dsp:sp modelId="{14BE7BAD-7DEF-4568-B44D-40A60342DD0A}">
+      <dsp:nvSpPr>
+        <dsp:cNvPr id="0" name=""/>
+        <dsp:cNvSpPr/>
+      </dsp:nvSpPr>
+      <dsp:spPr>
+        <a:xfrm>
+          <a:off x="1401715" y="1818840"/>
+          <a:ext cx="773132" cy="483207"/>
+        </a:xfrm>
+        <a:prstGeom prst="roundRect">
+          <a:avLst>
+            <a:gd name="adj" fmla="val 10000"/>
+          </a:avLst>
+        </a:prstGeom>
+        <a:solidFill>
+          <a:schemeClr val="dk1">
+            <a:alpha val="90000"/>
+            <a:tint val="40000"/>
+            <a:hueOff val="0"/>
+            <a:satOff val="0"/>
+            <a:lumOff val="0"/>
+            <a:alphaOff val="0"/>
+          </a:schemeClr>
+        </a:solidFill>
+        <a:ln w="25400" cap="flat" cmpd="sng" algn="ctr">
+          <a:solidFill>
+            <a:schemeClr val="dk1">
+              <a:hueOff val="0"/>
+              <a:satOff val="0"/>
+              <a:lumOff val="0"/>
+              <a:alphaOff val="0"/>
+            </a:schemeClr>
+          </a:solidFill>
+          <a:prstDash val="solid"/>
+        </a:ln>
+        <a:effectLst/>
+      </dsp:spPr>
+      <dsp:style>
+        <a:lnRef idx="2">
+          <a:scrgbClr r="0" g="0" b="0"/>
+        </a:lnRef>
+        <a:fillRef idx="1">
+          <a:scrgbClr r="0" g="0" b="0"/>
+        </a:fillRef>
+        <a:effectRef idx="0">
+          <a:scrgbClr r="0" g="0" b="0"/>
+        </a:effectRef>
+        <a:fontRef idx="minor"/>
+      </dsp:style>
+      <dsp:txBody>
+        <a:bodyPr spcFirstLastPara="0" vert="horz" wrap="square" lIns="26670" tIns="17780" rIns="26670" bIns="17780" numCol="1" spcCol="1270" anchor="ctr" anchorCtr="0">
+          <a:noAutofit/>
+        </a:bodyPr>
+        <a:lstStyle/>
+        <a:p>
+          <a:pPr lvl="0" algn="ctr" defTabSz="622300">
+            <a:lnSpc>
+              <a:spcPct val="90000"/>
+            </a:lnSpc>
+            <a:spcBef>
+              <a:spcPct val="0"/>
+            </a:spcBef>
+            <a:spcAft>
+              <a:spcPct val="35000"/>
+            </a:spcAft>
+          </a:pPr>
+          <a:r>
+            <a:rPr lang="en-US" sz="1400" kern="1200" dirty="0" smtClean="0"/>
+            <a:t>1.5V</a:t>
+          </a:r>
+          <a:endParaRPr lang="en-US" sz="1400" kern="1200" dirty="0"/>
+        </a:p>
+      </dsp:txBody>
+      <dsp:txXfrm>
+        <a:off x="1401715" y="1818840"/>
+        <a:ext cx="773132" cy="483207"/>
+      </dsp:txXfrm>
+    </dsp:sp>
+    <dsp:sp modelId="{9EE9022C-A1A4-4896-812C-BF67B355D3FC}">
+      <dsp:nvSpPr>
+        <dsp:cNvPr id="0" name=""/>
+        <dsp:cNvSpPr/>
+      </dsp:nvSpPr>
+      <dsp:spPr>
+        <a:xfrm>
+          <a:off x="2416451" y="6811"/>
+          <a:ext cx="966415" cy="483207"/>
+        </a:xfrm>
+        <a:prstGeom prst="roundRect">
+          <a:avLst>
+            <a:gd name="adj" fmla="val 10000"/>
+          </a:avLst>
+        </a:prstGeom>
+        <a:solidFill>
+          <a:schemeClr val="lt1">
+            <a:hueOff val="0"/>
+            <a:satOff val="0"/>
+            <a:lumOff val="0"/>
+            <a:alphaOff val="0"/>
+          </a:schemeClr>
+        </a:solidFill>
+        <a:ln w="25400" cap="flat" cmpd="sng" algn="ctr">
+          <a:solidFill>
+            <a:schemeClr val="dk1">
+              <a:shade val="80000"/>
+              <a:hueOff val="0"/>
+              <a:satOff val="0"/>
+              <a:lumOff val="0"/>
+              <a:alphaOff val="0"/>
+            </a:schemeClr>
+          </a:solidFill>
+          <a:prstDash val="solid"/>
+        </a:ln>
+        <a:effectLst/>
+      </dsp:spPr>
+      <dsp:style>
+        <a:lnRef idx="2">
+          <a:scrgbClr r="0" g="0" b="0"/>
+        </a:lnRef>
+        <a:fillRef idx="1">
+          <a:scrgbClr r="0" g="0" b="0"/>
+        </a:fillRef>
+        <a:effectRef idx="0">
+          <a:scrgbClr r="0" g="0" b="0"/>
+        </a:effectRef>
+        <a:fontRef idx="minor">
+          <a:schemeClr val="lt1"/>
+        </a:fontRef>
+      </dsp:style>
+      <dsp:txBody>
+        <a:bodyPr spcFirstLastPara="0" vert="horz" wrap="square" lIns="26670" tIns="17780" rIns="26670" bIns="17780" numCol="1" spcCol="1270" anchor="ctr" anchorCtr="0">
+          <a:noAutofit/>
+        </a:bodyPr>
+        <a:lstStyle/>
+        <a:p>
+          <a:pPr lvl="0" algn="ctr" defTabSz="622300">
+            <a:lnSpc>
+              <a:spcPct val="90000"/>
+            </a:lnSpc>
+            <a:spcBef>
+              <a:spcPct val="0"/>
+            </a:spcBef>
+            <a:spcAft>
+              <a:spcPct val="35000"/>
+            </a:spcAft>
+          </a:pPr>
+          <a:r>
+            <a:rPr lang="en-US" sz="1400" kern="1200" dirty="0" smtClean="0"/>
+            <a:t>Analog</a:t>
+          </a:r>
+          <a:endParaRPr lang="en-US" sz="1400" kern="1200" dirty="0"/>
+        </a:p>
+      </dsp:txBody>
+      <dsp:txXfrm>
+        <a:off x="2416451" y="6811"/>
+        <a:ext cx="966415" cy="483207"/>
+      </dsp:txXfrm>
+    </dsp:sp>
+    <dsp:sp modelId="{A4DF48BC-C80A-40AA-8875-46B7EC62C64E}">
+      <dsp:nvSpPr>
+        <dsp:cNvPr id="0" name=""/>
+        <dsp:cNvSpPr/>
+      </dsp:nvSpPr>
+      <dsp:spPr>
+        <a:xfrm>
+          <a:off x="2513093" y="490019"/>
+          <a:ext cx="96641" cy="362405"/>
+        </a:xfrm>
+        <a:custGeom>
+          <a:avLst/>
+          <a:gdLst/>
+          <a:ahLst/>
+          <a:cxnLst/>
+          <a:rect l="0" t="0" r="0" b="0"/>
+          <a:pathLst>
+            <a:path>
+              <a:moveTo>
+                <a:pt x="0" y="0"/>
+              </a:moveTo>
+              <a:lnTo>
+                <a:pt x="0" y="362405"/>
+              </a:lnTo>
+              <a:lnTo>
+                <a:pt x="96641" y="362405"/>
+              </a:lnTo>
+            </a:path>
+          </a:pathLst>
+        </a:custGeom>
+        <a:noFill/>
+        <a:ln w="25400" cap="flat" cmpd="sng" algn="ctr">
+          <a:solidFill>
+            <a:schemeClr val="dk1">
+              <a:shade val="60000"/>
+              <a:hueOff val="0"/>
+              <a:satOff val="0"/>
+              <a:lumOff val="0"/>
+              <a:alphaOff val="0"/>
+            </a:schemeClr>
+          </a:solidFill>
+          <a:prstDash val="solid"/>
+        </a:ln>
+        <a:effectLst/>
+      </dsp:spPr>
+      <dsp:style>
+        <a:lnRef idx="2">
+          <a:scrgbClr r="0" g="0" b="0"/>
+        </a:lnRef>
+        <a:fillRef idx="0">
+          <a:scrgbClr r="0" g="0" b="0"/>
+        </a:fillRef>
+        <a:effectRef idx="0">
+          <a:scrgbClr r="0" g="0" b="0"/>
+        </a:effectRef>
+        <a:fontRef idx="minor"/>
+      </dsp:style>
+    </dsp:sp>
+    <dsp:sp modelId="{8B2E1D33-2D90-409B-91CE-DB815A9F16CD}">
+      <dsp:nvSpPr>
+        <dsp:cNvPr id="0" name=""/>
+        <dsp:cNvSpPr/>
+      </dsp:nvSpPr>
+      <dsp:spPr>
+        <a:xfrm>
+          <a:off x="2609734" y="610821"/>
+          <a:ext cx="773132" cy="483207"/>
+        </a:xfrm>
+        <a:prstGeom prst="roundRect">
+          <a:avLst>
+            <a:gd name="adj" fmla="val 10000"/>
+          </a:avLst>
+        </a:prstGeom>
+        <a:solidFill>
+          <a:schemeClr val="dk1">
+            <a:alpha val="90000"/>
+            <a:tint val="40000"/>
+            <a:hueOff val="0"/>
+            <a:satOff val="0"/>
+            <a:lumOff val="0"/>
+            <a:alphaOff val="0"/>
+          </a:schemeClr>
+        </a:solidFill>
+        <a:ln w="25400" cap="flat" cmpd="sng" algn="ctr">
+          <a:solidFill>
+            <a:schemeClr val="dk1">
+              <a:hueOff val="0"/>
+              <a:satOff val="0"/>
+              <a:lumOff val="0"/>
+              <a:alphaOff val="0"/>
+            </a:schemeClr>
+          </a:solidFill>
+          <a:prstDash val="solid"/>
+        </a:ln>
+        <a:effectLst/>
+      </dsp:spPr>
+      <dsp:style>
+        <a:lnRef idx="2">
+          <a:scrgbClr r="0" g="0" b="0"/>
+        </a:lnRef>
+        <a:fillRef idx="1">
+          <a:scrgbClr r="0" g="0" b="0"/>
+        </a:fillRef>
+        <a:effectRef idx="0">
+          <a:scrgbClr r="0" g="0" b="0"/>
+        </a:effectRef>
+        <a:fontRef idx="minor"/>
+      </dsp:style>
+      <dsp:txBody>
+        <a:bodyPr spcFirstLastPara="0" vert="horz" wrap="square" lIns="26670" tIns="17780" rIns="26670" bIns="17780" numCol="1" spcCol="1270" anchor="ctr" anchorCtr="0">
+          <a:noAutofit/>
+        </a:bodyPr>
+        <a:lstStyle/>
+        <a:p>
+          <a:pPr lvl="0" algn="ctr" defTabSz="622300">
+            <a:lnSpc>
+              <a:spcPct val="90000"/>
+            </a:lnSpc>
+            <a:spcBef>
+              <a:spcPct val="0"/>
+            </a:spcBef>
+            <a:spcAft>
+              <a:spcPct val="35000"/>
+            </a:spcAft>
+          </a:pPr>
+          <a:r>
+            <a:rPr lang="en-US" sz="1400" kern="1200" dirty="0" smtClean="0"/>
+            <a:t>3.3V</a:t>
+          </a:r>
+          <a:endParaRPr lang="en-US" sz="1400" kern="1200" dirty="0"/>
+        </a:p>
+      </dsp:txBody>
+      <dsp:txXfrm>
+        <a:off x="2609734" y="610821"/>
+        <a:ext cx="773132" cy="483207"/>
+      </dsp:txXfrm>
+    </dsp:sp>
+    <dsp:sp modelId="{7CA3DDAE-BF88-4855-AC2F-E7A514981FE1}">
+      <dsp:nvSpPr>
+        <dsp:cNvPr id="0" name=""/>
+        <dsp:cNvSpPr/>
+      </dsp:nvSpPr>
+      <dsp:spPr>
+        <a:xfrm>
+          <a:off x="2513093" y="490019"/>
+          <a:ext cx="96641" cy="966415"/>
+        </a:xfrm>
+        <a:custGeom>
+          <a:avLst/>
+          <a:gdLst/>
+          <a:ahLst/>
+          <a:cxnLst/>
+          <a:rect l="0" t="0" r="0" b="0"/>
+          <a:pathLst>
+            <a:path>
+              <a:moveTo>
+                <a:pt x="0" y="0"/>
+              </a:moveTo>
+              <a:lnTo>
+                <a:pt x="0" y="966415"/>
+              </a:lnTo>
+              <a:lnTo>
+                <a:pt x="96641" y="966415"/>
+              </a:lnTo>
+            </a:path>
+          </a:pathLst>
+        </a:custGeom>
+        <a:noFill/>
+        <a:ln w="25400" cap="flat" cmpd="sng" algn="ctr">
+          <a:solidFill>
+            <a:schemeClr val="dk1">
+              <a:shade val="60000"/>
+              <a:hueOff val="0"/>
+              <a:satOff val="0"/>
+              <a:lumOff val="0"/>
+              <a:alphaOff val="0"/>
+            </a:schemeClr>
+          </a:solidFill>
+          <a:prstDash val="solid"/>
+        </a:ln>
+        <a:effectLst/>
+      </dsp:spPr>
+      <dsp:style>
+        <a:lnRef idx="2">
+          <a:scrgbClr r="0" g="0" b="0"/>
+        </a:lnRef>
+        <a:fillRef idx="0">
+          <a:scrgbClr r="0" g="0" b="0"/>
+        </a:fillRef>
+        <a:effectRef idx="0">
+          <a:scrgbClr r="0" g="0" b="0"/>
+        </a:effectRef>
+        <a:fontRef idx="minor"/>
+      </dsp:style>
+    </dsp:sp>
+    <dsp:sp modelId="{950149A1-B038-49CC-8E04-F0059BEBE2CB}">
+      <dsp:nvSpPr>
+        <dsp:cNvPr id="0" name=""/>
+        <dsp:cNvSpPr/>
+      </dsp:nvSpPr>
+      <dsp:spPr>
+        <a:xfrm>
+          <a:off x="2609734" y="1214830"/>
+          <a:ext cx="773132" cy="483207"/>
+        </a:xfrm>
+        <a:prstGeom prst="roundRect">
+          <a:avLst>
+            <a:gd name="adj" fmla="val 10000"/>
+          </a:avLst>
+        </a:prstGeom>
+        <a:solidFill>
+          <a:schemeClr val="dk1">
+            <a:alpha val="90000"/>
+            <a:tint val="40000"/>
+            <a:hueOff val="0"/>
+            <a:satOff val="0"/>
+            <a:lumOff val="0"/>
+            <a:alphaOff val="0"/>
+          </a:schemeClr>
+        </a:solidFill>
+        <a:ln w="25400" cap="flat" cmpd="sng" algn="ctr">
+          <a:solidFill>
+            <a:schemeClr val="dk1">
+              <a:hueOff val="0"/>
+              <a:satOff val="0"/>
+              <a:lumOff val="0"/>
+              <a:alphaOff val="0"/>
+            </a:schemeClr>
+          </a:solidFill>
+          <a:prstDash val="solid"/>
+        </a:ln>
+        <a:effectLst/>
+      </dsp:spPr>
+      <dsp:style>
+        <a:lnRef idx="2">
+          <a:scrgbClr r="0" g="0" b="0"/>
+        </a:lnRef>
+        <a:fillRef idx="1">
+          <a:scrgbClr r="0" g="0" b="0"/>
+        </a:fillRef>
+        <a:effectRef idx="0">
+          <a:scrgbClr r="0" g="0" b="0"/>
+        </a:effectRef>
+        <a:fontRef idx="minor"/>
+      </dsp:style>
+      <dsp:txBody>
+        <a:bodyPr spcFirstLastPara="0" vert="horz" wrap="square" lIns="26670" tIns="17780" rIns="26670" bIns="17780" numCol="1" spcCol="1270" anchor="ctr" anchorCtr="0">
+          <a:noAutofit/>
+        </a:bodyPr>
+        <a:lstStyle/>
+        <a:p>
+          <a:pPr lvl="0" algn="ctr" defTabSz="622300">
+            <a:lnSpc>
+              <a:spcPct val="90000"/>
+            </a:lnSpc>
+            <a:spcBef>
+              <a:spcPct val="0"/>
+            </a:spcBef>
+            <a:spcAft>
+              <a:spcPct val="35000"/>
+            </a:spcAft>
+          </a:pPr>
+          <a:r>
+            <a:rPr lang="en-US" sz="1400" kern="1200" dirty="0" smtClean="0"/>
+            <a:t>1.5V</a:t>
+          </a:r>
+          <a:endParaRPr lang="en-US" sz="1400" kern="1200" dirty="0"/>
+        </a:p>
+      </dsp:txBody>
+      <dsp:txXfrm>
+        <a:off x="2609734" y="1214830"/>
+        <a:ext cx="773132" cy="483207"/>
+      </dsp:txXfrm>
+    </dsp:sp>
+  </dsp:spTree>
+</dsp:drawing>
+</file>
+
+<file path=ppt/diagrams/layout1.xml><?xml version="1.0" encoding="utf-8"?>
+<dgm:layoutDef xmlns:dgm="http://schemas.openxmlformats.org/drawingml/2006/diagram" xmlns:a="http://schemas.openxmlformats.org/drawingml/2006/main" uniqueId="urn:microsoft.com/office/officeart/2005/8/layout/hierarchy3">
+  <dgm:title val=""/>
+  <dgm:desc val=""/>
+  <dgm:catLst>
+    <dgm:cat type="hierarchy" pri="7000"/>
+    <dgm:cat type="list" pri="23000"/>
+    <dgm:cat type="relationship" pri="15000"/>
+    <dgm:cat type="convert" pri="7000"/>
+  </dgm:catLst>
+  <dgm:sampData>
+    <dgm:dataModel>
+      <dgm:ptLst>
+        <dgm:pt modelId="0" type="doc"/>
+        <dgm:pt modelId="1">
+          <dgm:prSet phldr="1"/>
+        </dgm:pt>
+        <dgm:pt modelId="11">
+          <dgm:prSet phldr="1"/>
+        </dgm:pt>
+        <dgm:pt modelId="12">
+          <dgm:prSet phldr="1"/>
+        </dgm:pt>
+        <dgm:pt modelId="2">
+          <dgm:prSet phldr="1"/>
+        </dgm:pt>
+        <dgm:pt modelId="21">
+          <dgm:prSet phldr="1"/>
+        </dgm:pt>
+        <dgm:pt modelId="22">
+          <dgm:prSet phldr="1"/>
+        </dgm:pt>
+      </dgm:ptLst>
+      <dgm:cxnLst>
+        <dgm:cxn modelId="4" srcId="0" destId="1" srcOrd="0" destOrd="0"/>
+        <dgm:cxn modelId="5" srcId="1" destId="11" srcOrd="0" destOrd="0"/>
+        <dgm:cxn modelId="6" srcId="1" destId="12" srcOrd="1" destOrd="0"/>
+        <dgm:cxn modelId="7" srcId="0" destId="2" srcOrd="1" destOrd="0"/>
+        <dgm:cxn modelId="8" srcId="2" destId="21" srcOrd="0" destOrd="0"/>
+        <dgm:cxn modelId="9" srcId="2" destId="22" srcOrd="1" destOrd="0"/>
+      </dgm:cxnLst>
+      <dgm:bg/>
+      <dgm:whole/>
+    </dgm:dataModel>
+  </dgm:sampData>
+  <dgm:styleData>
+    <dgm:dataModel>
+      <dgm:ptLst>
+        <dgm:pt modelId="0" type="doc"/>
+        <dgm:pt modelId="1"/>
+        <dgm:pt modelId="11"/>
+        <dgm:pt modelId="2"/>
+        <dgm:pt modelId="21"/>
+      </dgm:ptLst>
+      <dgm:cxnLst>
+        <dgm:cxn modelId="4" srcId="0" destId="1" srcOrd="0" destOrd="0"/>
+        <dgm:cxn modelId="5" srcId="0" destId="2" srcOrd="1" destOrd="0"/>
+        <dgm:cxn modelId="13" srcId="1" destId="11" srcOrd="0" destOrd="0"/>
+        <dgm:cxn modelId="23" srcId="2" destId="21" srcOrd="0" destOrd="0"/>
+      </dgm:cxnLst>
+      <dgm:bg/>
+      <dgm:whole/>
+    </dgm:dataModel>
+  </dgm:styleData>
+  <dgm:clrData>
+    <dgm:dataModel>
+      <dgm:ptLst>
+        <dgm:pt modelId="0" type="doc"/>
+        <dgm:pt modelId="1"/>
+        <dgm:pt modelId="11"/>
+        <dgm:pt modelId="2"/>
+        <dgm:pt modelId="21"/>
+        <dgm:pt modelId="3"/>
+        <dgm:pt modelId="31"/>
+        <dgm:pt modelId="4"/>
+        <dgm:pt modelId="41"/>
+      </dgm:ptLst>
+      <dgm:cxnLst>
+        <dgm:cxn modelId="5" srcId="0" destId="1" srcOrd="0" destOrd="0"/>
+        <dgm:cxn modelId="6" srcId="0" destId="2" srcOrd="1" destOrd="0"/>
+        <dgm:cxn modelId="7" srcId="0" destId="3" srcOrd="2" destOrd="0"/>
+        <dgm:cxn modelId="8" srcId="0" destId="4" srcOrd="3" destOrd="0"/>
+        <dgm:cxn modelId="13" srcId="1" destId="11" srcOrd="0" destOrd="0"/>
+        <dgm:cxn modelId="23" srcId="2" destId="21" srcOrd="0" destOrd="0"/>
+        <dgm:cxn modelId="33" srcId="3" destId="31" srcOrd="0" destOrd="0"/>
+        <dgm:cxn modelId="43" srcId="4" destId="41" srcOrd="0" destOrd="0"/>
+      </dgm:cxnLst>
+      <dgm:bg/>
+      <dgm:whole/>
+    </dgm:dataModel>
+  </dgm:clrData>
+  <dgm:layoutNode name="diagram">
+    <dgm:varLst>
+      <dgm:chPref val="1"/>
+      <dgm:dir/>
+      <dgm:animOne val="branch"/>
+      <dgm:animLvl val="lvl"/>
+      <dgm:resizeHandles/>
+    </dgm:varLst>
+    <dgm:choose name="Name0">
+      <dgm:if name="Name1" func="var" arg="dir" op="equ" val="norm">
+        <dgm:alg type="hierChild">
+          <dgm:param type="linDir" val="fromL"/>
+        </dgm:alg>
+      </dgm:if>
+      <dgm:else name="Name2">
+        <dgm:alg type="hierChild">
+          <dgm:param type="linDir" val="fromR"/>
+        </dgm:alg>
+      </dgm:else>
+    </dgm:choose>
+    <dgm:shape xmlns:r="http://schemas.openxmlformats.org/officeDocument/2006/relationships" r:blip="">
+      <dgm:adjLst/>
+    </dgm:shape>
+    <dgm:presOf/>
+    <dgm:constrLst>
+      <dgm:constr type="primFontSz" for="des" forName="rootText" op="equ" val="65"/>
+      <dgm:constr type="primFontSz" for="des" forName="childText" op="equ" val="65"/>
+      <dgm:constr type="w" for="des" forName="rootComposite" refType="w"/>
+      <dgm:constr type="h" for="des" forName="rootComposite" refType="w" fact="0.5"/>
+      <dgm:constr type="w" for="des" forName="childText" refType="w" refFor="des" refForName="rootComposite" fact="0.8"/>
+      <dgm:constr type="h" for="des" forName="childText" refType="h" refFor="des" refForName="rootComposite"/>
+      <dgm:constr type="sibSp" refType="w" refFor="des" refForName="rootComposite" fact="0.25"/>
+      <dgm:constr type="sibSp" for="des" forName="childShape" refType="h" refFor="des" refForName="childText" fact="0.25"/>
+      <dgm:constr type="sp" for="des" forName="root" refType="h" refFor="des" refForName="childText" fact="0.25"/>
+    </dgm:constrLst>
+    <dgm:ruleLst/>
+    <dgm:forEach name="Name3" axis="ch">
+      <dgm:forEach name="Name4" axis="self" ptType="node" cnt="1">
+        <dgm:layoutNode name="root">
+          <dgm:choose name="Name5">
+            <dgm:if name="Name6" func="var" arg="dir" op="equ" val="norm">
+              <dgm:alg type="hierRoot">
+                <dgm:param type="hierAlign" val="tL"/>
+              </dgm:alg>
+            </dgm:if>
+            <dgm:else name="Name7">
+              <dgm:alg type="hierRoot">
+                <dgm:param type="hierAlign" val="tR"/>
+              </dgm:alg>
+            </dgm:else>
+          </dgm:choose>
+          <dgm:shape xmlns:r="http://schemas.openxmlformats.org/officeDocument/2006/relationships" r:blip="">
+            <dgm:adjLst/>
+          </dgm:shape>
+          <dgm:presOf/>
+          <dgm:constrLst>
+            <dgm:constr type="alignOff" val="0.2"/>
+          </dgm:constrLst>
+          <dgm:ruleLst/>
+          <dgm:layoutNode name="rootComposite">
+            <dgm:alg type="composite"/>
+            <dgm:shape xmlns:r="http://schemas.openxmlformats.org/officeDocument/2006/relationships" r:blip="">
+              <dgm:adjLst/>
+            </dgm:shape>
+            <dgm:presOf axis="self" ptType="node" cnt="1"/>
+            <dgm:choose name="Name8">
+              <dgm:if name="Name9" func="var" arg="dir" op="equ" val="norm">
+                <dgm:constrLst>
+                  <dgm:constr type="l" for="ch" forName="rootText"/>
+                  <dgm:constr type="t" for="ch" forName="rootText"/>
+                  <dgm:constr type="w" for="ch" forName="rootText" refType="w"/>
+                  <dgm:constr type="h" for="ch" forName="rootText" refType="h"/>
+                  <dgm:constr type="l" for="ch" forName="rootConnector"/>
+                  <dgm:constr type="t" for="ch" forName="rootConnector"/>
+                  <dgm:constr type="w" for="ch" forName="rootConnector" refType="w" refFor="ch" refForName="rootText" fact="0.2"/>
+                  <dgm:constr type="h" for="ch" forName="rootConnector" refType="h" refFor="ch" refForName="rootText"/>
+                </dgm:constrLst>
+              </dgm:if>
+              <dgm:else name="Name10">
+                <dgm:constrLst>
+                  <dgm:constr type="l" for="ch" forName="rootText"/>
+                  <dgm:constr type="t" for="ch" forName="rootText"/>
+                  <dgm:constr type="w" for="ch" forName="rootText" refType="w"/>
+                  <dgm:constr type="h" for="ch" forName="rootText" refType="h"/>
+                  <dgm:constr type="r" for="ch" forName="rootConnector" refType="w"/>
+                  <dgm:constr type="t" for="ch" forName="rootConnector"/>
+                  <dgm:constr type="w" for="ch" forName="rootConnector" refType="w" refFor="ch" refForName="rootText" fact="0.2"/>
+                  <dgm:constr type="h" for="ch" forName="rootConnector" refType="h" refFor="ch" refForName="rootText"/>
+                </dgm:constrLst>
+              </dgm:else>
+            </dgm:choose>
+            <dgm:ruleLst/>
+            <dgm:layoutNode name="rootText" styleLbl="node1">
+              <dgm:alg type="tx"/>
+              <dgm:shape xmlns:r="http://schemas.openxmlformats.org/officeDocument/2006/relationships" type="roundRect" r:blip="">
+                <dgm:adjLst>
+                  <dgm:adj idx="1" val="0.1"/>
+                </dgm:adjLst>
+              </dgm:shape>
+              <dgm:presOf axis="self" ptType="node" cnt="1"/>
+              <dgm:constrLst>
+                <dgm:constr type="tMarg" refType="primFontSz" fact="0.1"/>
+                <dgm:constr type="bMarg" refType="primFontSz" fact="0.1"/>
+                <dgm:constr type="lMarg" refType="primFontSz" fact="0.15"/>
+                <dgm:constr type="rMarg" refType="primFontSz" fact="0.15"/>
+              </dgm:constrLst>
+              <dgm:ruleLst>
+                <dgm:rule type="primFontSz" val="5" fact="NaN" max="NaN"/>
+              </dgm:ruleLst>
+            </dgm:layoutNode>
+            <dgm:layoutNode name="rootConnector" moveWith="rootText">
+              <dgm:alg type="sp"/>
+              <dgm:shape xmlns:r="http://schemas.openxmlformats.org/officeDocument/2006/relationships" type="roundRect" r:blip="" hideGeom="1">
+                <dgm:adjLst>
+                  <dgm:adj idx="1" val="0.1"/>
+                </dgm:adjLst>
+              </dgm:shape>
+              <dgm:presOf axis="self" ptType="node" cnt="1"/>
+              <dgm:constrLst/>
+              <dgm:ruleLst/>
+            </dgm:layoutNode>
+          </dgm:layoutNode>
+          <dgm:layoutNode name="childShape">
+            <dgm:alg type="hierChild">
+              <dgm:param type="chAlign" val="l"/>
+              <dgm:param type="linDir" val="fromT"/>
+            </dgm:alg>
+            <dgm:shape xmlns:r="http://schemas.openxmlformats.org/officeDocument/2006/relationships" r:blip="">
+              <dgm:adjLst/>
+            </dgm:shape>
+            <dgm:presOf/>
+            <dgm:constrLst/>
+            <dgm:ruleLst/>
+            <dgm:forEach name="Name11" axis="ch">
+              <dgm:forEach name="Name12" axis="self" ptType="parTrans" cnt="1">
+                <dgm:layoutNode name="Name13">
+                  <dgm:choose name="Name14">
+                    <dgm:if name="Name15" func="var" arg="dir" op="equ" val="norm">
+                      <dgm:alg type="conn">
+                        <dgm:param type="dim" val="1D"/>
+                        <dgm:param type="endSty" val="noArr"/>
+                        <dgm:param type="connRout" val="bend"/>
+                        <dgm:param type="srcNode" val="rootConnector"/>
+                        <dgm:param type="begPts" val="bCtr"/>
+                        <dgm:param type="endPts" val="midL"/>
+                      </dgm:alg>
+                    </dgm:if>
+                    <dgm:else name="Name16">
+                      <dgm:alg type="conn">
+                        <dgm:param type="dim" val="1D"/>
+                        <dgm:param type="endSty" val="noArr"/>
+                        <dgm:param type="connRout" val="bend"/>
+                        <dgm:param type="srcNode" val="rootConnector"/>
+                        <dgm:param type="begPts" val="bCtr"/>
+                        <dgm:param type="endPts" val="midR"/>
+                      </dgm:alg>
+                    </dgm:else>
+                  </dgm:choose>
+                  <dgm:shape xmlns:r="http://schemas.openxmlformats.org/officeDocument/2006/relationships" type="conn" r:blip="">
+                    <dgm:adjLst/>
+                  </dgm:shape>
+                  <dgm:presOf axis="self"/>
+                  <dgm:constrLst>
+                    <dgm:constr type="begPad"/>
+                    <dgm:constr type="endPad"/>
+                  </dgm:constrLst>
+                  <dgm:ruleLst/>
+                </dgm:layoutNode>
+              </dgm:forEach>
+              <dgm:forEach name="Name17" axis="self" ptType="node">
+                <dgm:layoutNode name="childText" styleLbl="bgAcc1">
+                  <dgm:varLst>
+                    <dgm:bulletEnabled val="1"/>
+                  </dgm:varLst>
+                  <dgm:alg type="tx"/>
+                  <dgm:shape xmlns:r="http://schemas.openxmlformats.org/officeDocument/2006/relationships" type="roundRect" r:blip="">
+                    <dgm:adjLst>
+                      <dgm:adj idx="1" val="0.1"/>
+                    </dgm:adjLst>
+                  </dgm:shape>
+                  <dgm:presOf axis="self desOrSelf" ptType="node node" st="1 1" cnt="1 0"/>
+                  <dgm:constrLst>
+                    <dgm:constr type="tMarg" refType="primFontSz" fact="0.1"/>
+                    <dgm:constr type="bMarg" refType="primFontSz" fact="0.1"/>
+                    <dgm:constr type="lMarg" refType="primFontSz" fact="0.15"/>
+                    <dgm:constr type="rMarg" refType="primFontSz" fact="0.15"/>
+                  </dgm:constrLst>
+                  <dgm:ruleLst>
+                    <dgm:rule type="primFontSz" val="5" fact="NaN" max="NaN"/>
+                  </dgm:ruleLst>
+                </dgm:layoutNode>
+              </dgm:forEach>
+            </dgm:forEach>
+          </dgm:layoutNode>
+        </dgm:layoutNode>
+      </dgm:forEach>
+    </dgm:forEach>
+  </dgm:layoutNode>
+</dgm:layoutDef>
+</file>
+
+<file path=ppt/diagrams/quickStyle1.xml><?xml version="1.0" encoding="utf-8"?>
+<dgm:styleDef xmlns:dgm="http://schemas.openxmlformats.org/drawingml/2006/diagram" xmlns:a="http://schemas.openxmlformats.org/drawingml/2006/main" uniqueId="urn:microsoft.com/office/officeart/2005/8/quickstyle/simple1">
+  <dgm:title val=""/>
+  <dgm:desc val=""/>
+  <dgm:catLst>
+    <dgm:cat type="simple" pri="10100"/>
+  </dgm:catLst>
+  <dgm:scene3d>
+    <a:camera prst="orthographicFront"/>
+    <a:lightRig rig="threePt" dir="t"/>
+  </dgm:scene3d>
+  <dgm:styleLbl name="node0">
+    <dgm:scene3d>
+      <a:camera prst="orthographicFront"/>
+      <a:lightRig rig="threePt" dir="t"/>
+    </dgm:scene3d>
+    <dgm:sp3d/>
+    <dgm:txPr/>
+    <dgm:style>
+      <a:lnRef idx="2">
+        <a:scrgbClr r="0" g="0" b="0"/>
+      </a:lnRef>
+      <a:fillRef idx="1">
+        <a:scrgbClr r="0" g="0" b="0"/>
+      </a:fillRef>
+      <a:effectRef idx="0">
+        <a:scrgbClr r="0" g="0" b="0"/>
+      </a:effectRef>
+      <a:fontRef idx="minor">
+        <a:schemeClr val="lt1"/>
+      </a:fontRef>
+    </dgm:style>
+  </dgm:styleLbl>
+  <dgm:styleLbl name="lnNode1">
+    <dgm:scene3d>
+      <a:camera prst="orthographicFront"/>
+      <a:lightRig rig="threePt" dir="t"/>
+    </dgm:scene3d>
+    <dgm:sp3d/>
+    <dgm:txPr/>
+    <dgm:style>
+      <a:lnRef idx="2">
+        <a:scrgbClr r="0" g="0" b="0"/>
+      </a:lnRef>
+      <a:fillRef idx="1">
+        <a:scrgbClr r="0" g="0" b="0"/>
+      </a:fillRef>
+      <a:effectRef idx="0">
+        <a:scrgbClr r="0" g="0" b="0"/>
+      </a:effectRef>
+      <a:fontRef idx="minor">
+        <a:schemeClr val="lt1"/>
+      </a:fontRef>
+    </dgm:style>
+  </dgm:styleLbl>
+  <dgm:styleLbl name="vennNode1">
+    <dgm:scene3d>
+      <a:camera prst="orthographicFront"/>
+      <a:lightRig rig="threePt" dir="t"/>
+    </dgm:scene3d>
+    <dgm:sp3d/>
+    <dgm:txPr/>
+    <dgm:style>
+      <a:lnRef idx="2">
+        <a:scrgbClr r="0" g="0" b="0"/>
+      </a:lnRef>
+      <a:fillRef idx="1">
+        <a:scrgbClr r="0" g="0" b="0"/>
+      </a:fillRef>
+      <a:effectRef idx="0">
+        <a:scrgbClr r="0" g="0" b="0"/>
+      </a:effectRef>
+      <a:fontRef idx="minor">
+        <a:schemeClr val="tx1"/>
+      </a:fontRef>
+    </dgm:style>
+  </dgm:styleLbl>
+  <dgm:styleLbl name="alignNode1">
+    <dgm:scene3d>
+      <a:camera prst="orthographicFront"/>
+      <a:lightRig rig="threePt" dir="t"/>
+    </dgm:scene3d>
+    <dgm:sp3d/>
+    <dgm:txPr/>
+    <dgm:style>
+      <a:lnRef idx="2">
+        <a:scrgbClr r="0" g="0" b="0"/>
+      </a:lnRef>
+      <a:fillRef idx="1">
+        <a:scrgbClr r="0" g="0" b="0"/>
+      </a:fillRef>
+      <a:effectRef idx="0">
+        <a:scrgbClr r="0" g="0" b="0"/>
+      </a:effectRef>
+      <a:fontRef idx="minor">
+        <a:schemeClr val="lt1"/>
+      </a:fontRef>
+    </dgm:style>
+  </dgm:styleLbl>
+  <dgm:styleLbl name="node1">
+    <dgm:scene3d>
+      <a:camera prst="orthographicFront"/>
+      <a:lightRig rig="threePt" dir="t"/>
+    </dgm:scene3d>
+    <dgm:sp3d/>
+    <dgm:txPr/>
+    <dgm:style>
+      <a:lnRef idx="2">
+        <a:scrgbClr r="0" g="0" b="0"/>
+      </a:lnRef>
+      <a:fillRef idx="1">
+        <a:scrgbClr r="0" g="0" b="0"/>
+      </a:fillRef>
+      <a:effectRef idx="0">
+        <a:scrgbClr r="0" g="0" b="0"/>
+      </a:effectRef>
+      <a:fontRef idx="minor">
+        <a:schemeClr val="lt1"/>
+      </a:fontRef>
+    </dgm:style>
+  </dgm:styleLbl>
+  <dgm:styleLbl name="node2">
+    <dgm:scene3d>
+      <a:camera prst="orthographicFront"/>
+      <a:lightRig rig="threePt" dir="t"/>
+    </dgm:scene3d>
+    <dgm:sp3d/>
+    <dgm:txPr/>
+    <dgm:style>
+      <a:lnRef idx="2">
+        <a:scrgbClr r="0" g="0" b="0"/>
+      </a:lnRef>
+      <a:fillRef idx="1">
+        <a:scrgbClr r="0" g="0" b="0"/>
+      </a:fillRef>
+      <a:effectRef idx="0">
+        <a:scrgbClr r="0" g="0" b="0"/>
+      </a:effectRef>
+      <a:fontRef idx="minor">
+        <a:schemeClr val="lt1"/>
+      </a:fontRef>
+    </dgm:style>
+  </dgm:styleLbl>
+  <dgm:styleLbl name="node3">
+    <dgm:scene3d>
+      <a:camera prst="orthographicFront"/>
+      <a:lightRig rig="threePt" dir="t"/>
+    </dgm:scene3d>
+    <dgm:sp3d/>
+    <dgm:txPr/>
+    <dgm:style>
+      <a:lnRef idx="2">
+        <a:scrgbClr r="0" g="0" b="0"/>
+      </a:lnRef>
+      <a:fillRef idx="1">
+        <a:scrgbClr r="0" g="0" b="0"/>
+      </a:fillRef>
+      <a:effectRef idx="0">
+        <a:scrgbClr r="0" g="0" b="0"/>
+      </a:effectRef>
+      <a:fontRef idx="minor">
+        <a:schemeClr val="lt1"/>
+      </a:fontRef>
+    </dgm:style>
+  </dgm:styleLbl>
+  <dgm:styleLbl name="node4">
+    <dgm:scene3d>
+      <a:camera prst="orthographicFront"/>
+      <a:lightRig rig="threePt" dir="t"/>
+    </dgm:scene3d>
+    <dgm:sp3d/>
+    <dgm:txPr/>
+    <dgm:style>
+      <a:lnRef idx="2">
+        <a:scrgbClr r="0" g="0" b="0"/>
+      </a:lnRef>
+      <a:fillRef idx="1">
+        <a:scrgbClr r="0" g="0" b="0"/>
+      </a:fillRef>
+      <a:effectRef idx="0">
+        <a:scrgbClr r="0" g="0" b="0"/>
+      </a:effectRef>
+      <a:fontRef idx="minor">
+        <a:schemeClr val="lt1"/>
+      </a:fontRef>
+    </dgm:style>
+  </dgm:styleLbl>
+  <dgm:styleLbl name="fgImgPlace1">
+    <dgm:scene3d>
+      <a:camera prst="orthographicFront"/>
+      <a:lightRig rig="threePt" dir="t"/>
+    </dgm:scene3d>
+    <dgm:sp3d/>
+    <dgm:txPr/>
+    <dgm:style>
+      <a:lnRef idx="2">
+        <a:scrgbClr r="0" g="0" b="0"/>
+      </a:lnRef>
+      <a:fillRef idx="1">
+        <a:scrgbClr r="0" g="0" b="0"/>
+      </a:fillRef>
+      <a:effectRef idx="0">
+        <a:scrgbClr r="0" g="0" b="0"/>
+      </a:effectRef>
+      <a:fontRef idx="minor"/>
+    </dgm:style>
+  </dgm:styleLbl>
+  <dgm:styleLbl name="alignImgPlace1">
+    <dgm:scene3d>
+      <a:camera prst="orthographicFront"/>
+      <a:lightRig rig="threePt" dir="t"/>
+    </dgm:scene3d>
+    <dgm:sp3d/>
+    <dgm:txPr/>
+    <dgm:style>
+      <a:lnRef idx="2">
+        <a:scrgbClr r="0" g="0" b="0"/>
+      </a:lnRef>
+      <a:fillRef idx="1">
+        <a:scrgbClr r="0" g="0" b="0"/>
+      </a:fillRef>
+      <a:effectRef idx="0">
+        <a:scrgbClr r="0" g="0" b="0"/>
+      </a:effectRef>
+      <a:fontRef idx="minor"/>
+    </dgm:style>
+  </dgm:styleLbl>
+  <dgm:styleLbl name="bgImgPlace1">
+    <dgm:scene3d>
+      <a:camera prst="orthographicFront"/>
+      <a:lightRig rig="threePt" dir="t"/>
+    </dgm:scene3d>
+    <dgm:sp3d/>
+    <dgm:txPr/>
+    <dgm:style>
+      <a:lnRef idx="2">
+        <a:scrgbClr r="0" g="0" b="0"/>
+      </a:lnRef>
+      <a:fillRef idx="1">
+        <a:scrgbClr r="0" g="0" b="0"/>
+      </a:fillRef>
+      <a:effectRef idx="0">
+        <a:scrgbClr r="0" g="0" b="0"/>
+      </a:effectRef>
+      <a:fontRef idx="minor"/>
+    </dgm:style>
+  </dgm:styleLbl>
+  <dgm:styleLbl name="sibTrans2D1">
+    <dgm:scene3d>
+      <a:camera prst="orthographicFront"/>
+      <a:lightRig rig="threePt" dir="t"/>
+    </dgm:scene3d>
+    <dgm:sp3d/>
+    <dgm:txPr/>
+    <dgm:style>
+      <a:lnRef idx="0">
+        <a:scrgbClr r="0" g="0" b="0"/>
+      </a:lnRef>
+      <a:fillRef idx="1">
+        <a:scrgbClr r="0" g="0" b="0"/>
+      </a:fillRef>
+      <a:effectRef idx="0">
+        <a:scrgbClr r="0" g="0" b="0"/>
+      </a:effectRef>
+      <a:fontRef idx="minor">
+        <a:schemeClr val="lt1"/>
+      </a:fontRef>
+    </dgm:style>
+  </dgm:styleLbl>
+  <dgm:styleLbl name="fgSibTrans2D1">
+    <dgm:scene3d>
+      <a:camera prst="orthographicFront"/>
+      <a:lightRig rig="threePt" dir="t"/>
+    </dgm:scene3d>
+    <dgm:sp3d/>
+    <dgm:txPr/>
+    <dgm:style>
+      <a:lnRef idx="0">
+        <a:scrgbClr r="0" g="0" b="0"/>
+      </a:lnRef>
+      <a:fillRef idx="1">
+        <a:scrgbClr r="0" g="0" b="0"/>
+      </a:fillRef>
+      <a:effectRef idx="0">
+        <a:scrgbClr r="0" g="0" b="0"/>
+      </a:effectRef>
+      <a:fontRef idx="minor">
+        <a:schemeClr val="lt1"/>
+      </a:fontRef>
+    </dgm:style>
+  </dgm:styleLbl>
+  <dgm:styleLbl name="bgSibTrans2D1">
+    <dgm:scene3d>
+      <a:camera prst="orthographicFront"/>
+      <a:lightRig rig="threePt" dir="t"/>
+    </dgm:scene3d>
+    <dgm:sp3d/>
+    <dgm:txPr/>
+    <dgm:style>
+      <a:lnRef idx="0">
+        <a:scrgbClr r="0" g="0" b="0"/>
+      </a:lnRef>
+      <a:fillRef idx="1">
+        <a:scrgbClr r="0" g="0" b="0"/>
+      </a:fillRef>
+      <a:effectRef idx="0">
+        <a:scrgbClr r="0" g="0" b="0"/>
+      </a:effectRef>
+      <a:fontRef idx="minor">
+        <a:schemeClr val="lt1"/>
+      </a:fontRef>
+    </dgm:style>
+  </dgm:styleLbl>
+  <dgm:styleLbl name="sibTrans1D1">
+    <dgm:scene3d>
+      <a:camera prst="orthographicFront"/>
+      <a:lightRig rig="threePt" dir="t"/>
+    </dgm:scene3d>
+    <dgm:sp3d/>
+    <dgm:txPr/>
+    <dgm:style>
+      <a:lnRef idx="1">
+        <a:scrgbClr r="0" g="0" b="0"/>
+      </a:lnRef>
+      <a:fillRef idx="0">
+        <a:scrgbClr r="0" g="0" b="0"/>
+      </a:fillRef>
+      <a:effectRef idx="0">
+        <a:scrgbClr r="0" g="0" b="0"/>
+      </a:effectRef>
+      <a:fontRef idx="minor"/>
+    </dgm:style>
+  </dgm:styleLbl>
+  <dgm:styleLbl name="callout">
+    <dgm:scene3d>
+      <a:camera prst="orthographicFront"/>
+      <a:lightRig rig="threePt" dir="t"/>
+    </dgm:scene3d>
+    <dgm:sp3d/>
+    <dgm:txPr/>
+    <dgm:style>
+      <a:lnRef idx="2">
+        <a:scrgbClr r="0" g="0" b="0"/>
+      </a:lnRef>
+      <a:fillRef idx="1">
+        <a:scrgbClr r="0" g="0" b="0"/>
+      </a:fillRef>
+      <a:effectRef idx="0">
+        <a:scrgbClr r="0" g="0" b="0"/>
+      </a:effectRef>
+      <a:fontRef idx="minor"/>
+    </dgm:style>
+  </dgm:styleLbl>
+  <dgm:styleLbl name="asst0">
+    <dgm:scene3d>
+      <a:camera prst="orthographicFront"/>
+      <a:lightRig rig="threePt" dir="t"/>
+    </dgm:scene3d>
+    <dgm:sp3d/>
+    <dgm:txPr/>
+    <dgm:style>
+      <a:lnRef idx="2">
+        <a:scrgbClr r="0" g="0" b="0"/>
+      </a:lnRef>
+      <a:fillRef idx="1">
+        <a:scrgbClr r="0" g="0" b="0"/>
+      </a:fillRef>
+      <a:effectRef idx="0">
+        <a:scrgbClr r="0" g="0" b="0"/>
+      </a:effectRef>
+      <a:fontRef idx="minor">
+        <a:schemeClr val="lt1"/>
+      </a:fontRef>
+    </dgm:style>
+  </dgm:styleLbl>
+  <dgm:styleLbl name="asst1">
+    <dgm:scene3d>
+      <a:camera prst="orthographicFront"/>
+      <a:lightRig rig="threePt" dir="t"/>
+    </dgm:scene3d>
+    <dgm:sp3d/>
+    <dgm:txPr/>
+    <dgm:style>
+      <a:lnRef idx="2">
+        <a:scrgbClr r="0" g="0" b="0"/>
+      </a:lnRef>
+      <a:fillRef idx="1">
+        <a:scrgbClr r="0" g="0" b="0"/>
+      </a:fillRef>
+      <a:effectRef idx="0">
+        <a:scrgbClr r="0" g="0" b="0"/>
+      </a:effectRef>
+      <a:fontRef idx="minor">
+        <a:schemeClr val="lt1"/>
+      </a:fontRef>
+    </dgm:style>
+  </dgm:styleLbl>
+  <dgm:styleLbl name="asst2">
+    <dgm:scene3d>
+      <a:camera prst="orthographicFront"/>
+      <a:lightRig rig="threePt" dir="t"/>
+    </dgm:scene3d>
+    <dgm:sp3d/>
+    <dgm:txPr/>
+    <dgm:style>
+      <a:lnRef idx="2">
+        <a:scrgbClr r="0" g="0" b="0"/>
+      </a:lnRef>
+      <a:fillRef idx="1">
+        <a:scrgbClr r="0" g="0" b="0"/>
+      </a:fillRef>
+      <a:effectRef idx="0">
+        <a:scrgbClr r="0" g="0" b="0"/>
+      </a:effectRef>
+      <a:fontRef idx="minor">
+        <a:schemeClr val="lt1"/>
+      </a:fontRef>
+    </dgm:style>
+  </dgm:styleLbl>
+  <dgm:styleLbl name="asst3">
+    <dgm:scene3d>
+      <a:camera prst="orthographicFront"/>
+      <a:lightRig rig="threePt" dir="t"/>
+    </dgm:scene3d>
+    <dgm:sp3d/>
+    <dgm:txPr/>
+    <dgm:style>
+      <a:lnRef idx="2">
+        <a:scrgbClr r="0" g="0" b="0"/>
+      </a:lnRef>
+      <a:fillRef idx="1">
+        <a:scrgbClr r="0" g="0" b="0"/>
+      </a:fillRef>
+      <a:effectRef idx="0">
+        <a:scrgbClr r="0" g="0" b="0"/>
+      </a:effectRef>
+      <a:fontRef idx="minor">
+        <a:schemeClr val="lt1"/>
+      </a:fontRef>
+    </dgm:style>
+  </dgm:styleLbl>
+  <dgm:styleLbl name="asst4">
+    <dgm:scene3d>
+      <a:camera prst="orthographicFront"/>
+      <a:lightRig rig="threePt" dir="t"/>
+    </dgm:scene3d>
+    <dgm:sp3d/>
+    <dgm:txPr/>
+    <dgm:style>
+      <a:lnRef idx="2">
+        <a:scrgbClr r="0" g="0" b="0"/>
+      </a:lnRef>
+      <a:fillRef idx="1">
+        <a:scrgbClr r="0" g="0" b="0"/>
+      </a:fillRef>
+      <a:effectRef idx="0">
+        <a:scrgbClr r="0" g="0" b="0"/>
+      </a:effectRef>
+      <a:fontRef idx="minor">
+        <a:schemeClr val="lt1"/>
+      </a:fontRef>
+    </dgm:style>
+  </dgm:styleLbl>
+  <dgm:styleLbl name="parChTrans2D1">
+    <dgm:scene3d>
+      <a:camera prst="orthographicFront"/>
+      <a:lightRig rig="threePt" dir="t"/>
+    </dgm:scene3d>
+    <dgm:sp3d/>
+    <dgm:txPr/>
+    <dgm:style>
+      <a:lnRef idx="2">
+        <a:scrgbClr r="0" g="0" b="0"/>
+      </a:lnRef>
+      <a:fillRef idx="1">
+        <a:scrgbClr r="0" g="0" b="0"/>
+      </a:fillRef>
+      <a:effectRef idx="0">
+        <a:scrgbClr r="0" g="0" b="0"/>
+      </a:effectRef>
+      <a:fontRef idx="minor">
+        <a:schemeClr val="lt1"/>
+      </a:fontRef>
+    </dgm:style>
+  </dgm:styleLbl>
+  <dgm:styleLbl name="parChTrans2D2">
+    <dgm:scene3d>
+      <a:camera prst="orthographicFront"/>
+      <a:lightRig rig="threePt" dir="t"/>
+    </dgm:scene3d>
+    <dgm:sp3d/>
+    <dgm:txPr/>
+    <dgm:style>
+      <a:lnRef idx="2">
+        <a:scrgbClr r="0" g="0" b="0"/>
+      </a:lnRef>
+      <a:fillRef idx="1">
+        <a:scrgbClr r="0" g="0" b="0"/>
+      </a:fillRef>
+      <a:effectRef idx="0">
+        <a:scrgbClr r="0" g="0" b="0"/>
+      </a:effectRef>
+      <a:fontRef idx="minor">
+        <a:schemeClr val="lt1"/>
+      </a:fontRef>
+    </dgm:style>
+  </dgm:styleLbl>
+  <dgm:styleLbl name="parChTrans2D3">
+    <dgm:scene3d>
+      <a:camera prst="orthographicFront"/>
+      <a:lightRig rig="threePt" dir="t"/>
+    </dgm:scene3d>
+    <dgm:sp3d/>
+    <dgm:txPr/>
+    <dgm:style>
+      <a:lnRef idx="2">
+        <a:scrgbClr r="0" g="0" b="0"/>
+      </a:lnRef>
+      <a:fillRef idx="1">
+        <a:scrgbClr r="0" g="0" b="0"/>
+      </a:fillRef>
+      <a:effectRef idx="0">
+        <a:scrgbClr r="0" g="0" b="0"/>
+      </a:effectRef>
+      <a:fontRef idx="minor">
+        <a:schemeClr val="lt1"/>
+      </a:fontRef>
+    </dgm:style>
+  </dgm:styleLbl>
+  <dgm:styleLbl name="parChTrans2D4">
+    <dgm:scene3d>
+      <a:camera prst="orthographicFront"/>
+      <a:lightRig rig="threePt" dir="t"/>
+    </dgm:scene3d>
+    <dgm:sp3d/>
+    <dgm:txPr/>
+    <dgm:style>
+      <a:lnRef idx="2">
+        <a:scrgbClr r="0" g="0" b="0"/>
+      </a:lnRef>
+      <a:fillRef idx="1">
+        <a:scrgbClr r="0" g="0" b="0"/>
+      </a:fillRef>
+      <a:effectRef idx="0">
+        <a:scrgbClr r="0" g="0" b="0"/>
+      </a:effectRef>
+      <a:fontRef idx="minor">
+        <a:schemeClr val="lt1"/>
+      </a:fontRef>
+    </dgm:style>
+  </dgm:styleLbl>
+  <dgm:styleLbl name="parChTrans1D1">
+    <dgm:scene3d>
+      <a:camera prst="orthographicFront"/>
+      <a:lightRig rig="threePt" dir="t"/>
+    </dgm:scene3d>
+    <dgm:sp3d/>
+    <dgm:txPr/>
+    <dgm:style>
+      <a:lnRef idx="2">
+        <a:scrgbClr r="0" g="0" b="0"/>
+      </a:lnRef>
+      <a:fillRef idx="0">
+        <a:scrgbClr r="0" g="0" b="0"/>
+      </a:fillRef>
+      <a:effectRef idx="0">
+        <a:scrgbClr r="0" g="0" b="0"/>
+      </a:effectRef>
+      <a:fontRef idx="minor"/>
+    </dgm:style>
+  </dgm:styleLbl>
+  <dgm:styleLbl name="parChTrans1D2">
+    <dgm:scene3d>
+      <a:camera prst="orthographicFront"/>
+      <a:lightRig rig="threePt" dir="t"/>
+    </dgm:scene3d>
+    <dgm:sp3d/>
+    <dgm:txPr/>
+    <dgm:style>
+      <a:lnRef idx="2">
+        <a:scrgbClr r="0" g="0" b="0"/>
+      </a:lnRef>
+      <a:fillRef idx="0">
+        <a:scrgbClr r="0" g="0" b="0"/>
+      </a:fillRef>
+      <a:effectRef idx="0">
+        <a:scrgbClr r="0" g="0" b="0"/>
+      </a:effectRef>
+      <a:fontRef idx="minor"/>
+    </dgm:style>
+  </dgm:styleLbl>
+  <dgm:styleLbl name="parChTrans1D3">
+    <dgm:scene3d>
+      <a:camera prst="orthographicFront"/>
+      <a:lightRig rig="threePt" dir="t"/>
+    </dgm:scene3d>
+    <dgm:sp3d/>
+    <dgm:txPr/>
+    <dgm:style>
+      <a:lnRef idx="2">
+        <a:scrgbClr r="0" g="0" b="0"/>
+      </a:lnRef>
+      <a:fillRef idx="0">
+        <a:scrgbClr r="0" g="0" b="0"/>
+      </a:fillRef>
+      <a:effectRef idx="0">
+        <a:scrgbClr r="0" g="0" b="0"/>
+      </a:effectRef>
+      <a:fontRef idx="minor"/>
+    </dgm:style>
+  </dgm:styleLbl>
+  <dgm:styleLbl name="parChTrans1D4">
+    <dgm:scene3d>
+      <a:camera prst="orthographicFront"/>
+      <a:lightRig rig="threePt" dir="t"/>
+    </dgm:scene3d>
+    <dgm:sp3d/>
+    <dgm:txPr/>
+    <dgm:style>
+      <a:lnRef idx="2">
+        <a:scrgbClr r="0" g="0" b="0"/>
+      </a:lnRef>
+      <a:fillRef idx="0">
+        <a:scrgbClr r="0" g="0" b="0"/>
+      </a:fillRef>
+      <a:effectRef idx="0">
+        <a:scrgbClr r="0" g="0" b="0"/>
+      </a:effectRef>
+      <a:fontRef idx="minor"/>
+    </dgm:style>
+  </dgm:styleLbl>
+  <dgm:styleLbl name="fgAcc1">
+    <dgm:scene3d>
+      <a:camera prst="orthographicFront"/>
+      <a:lightRig rig="threePt" dir="t"/>
+    </dgm:scene3d>
+    <dgm:sp3d/>
+    <dgm:txPr/>
+    <dgm:style>
+      <a:lnRef idx="2">
+        <a:scrgbClr r="0" g="0" b="0"/>
+      </a:lnRef>
+      <a:fillRef idx="1">
+        <a:scrgbClr r="0" g="0" b="0"/>
+      </a:fillRef>
+      <a:effectRef idx="0">
+        <a:scrgbClr r="0" g="0" b="0"/>
+      </a:effectRef>
+      <a:fontRef idx="minor"/>
+    </dgm:style>
+  </dgm:styleLbl>
+  <dgm:styleLbl name="conFgAcc1">
+    <dgm:scene3d>
+      <a:camera prst="orthographicFront"/>
+      <a:lightRig rig="threePt" dir="t"/>
+    </dgm:scene3d>
+    <dgm:sp3d/>
+    <dgm:txPr/>
+    <dgm:style>
+      <a:lnRef idx="2">
+        <a:scrgbClr r="0" g="0" b="0"/>
+      </a:lnRef>
+      <a:fillRef idx="1">
+        <a:scrgbClr r="0" g="0" b="0"/>
+      </a:fillRef>
+      <a:effectRef idx="0">
+        <a:scrgbClr r="0" g="0" b="0"/>
+      </a:effectRef>
+      <a:fontRef idx="minor"/>
+    </dgm:style>
+  </dgm:styleLbl>
+  <dgm:styleLbl name="alignAcc1">
+    <dgm:scene3d>
+      <a:camera prst="orthographicFront"/>
+      <a:lightRig rig="threePt" dir="t"/>
+    </dgm:scene3d>
+    <dgm:sp3d/>
+    <dgm:txPr/>
+    <dgm:style>
+      <a:lnRef idx="2">
+        <a:scrgbClr r="0" g="0" b="0"/>
+      </a:lnRef>
+      <a:fillRef idx="1">
+        <a:scrgbClr r="0" g="0" b="0"/>
+      </a:fillRef>
+      <a:effectRef idx="0">
+        <a:scrgbClr r="0" g="0" b="0"/>
+      </a:effectRef>
+      <a:fontRef idx="minor"/>
+    </dgm:style>
+  </dgm:styleLbl>
+  <dgm:styleLbl name="trAlignAcc1">
+    <dgm:scene3d>
+      <a:camera prst="orthographicFront"/>
+      <a:lightRig rig="threePt" dir="t"/>
+    </dgm:scene3d>
+    <dgm:sp3d/>
+    <dgm:txPr/>
+    <dgm:style>
+      <a:lnRef idx="1">
+        <a:scrgbClr r="0" g="0" b="0"/>
+      </a:lnRef>
+      <a:fillRef idx="1">
+        <a:scrgbClr r="0" g="0" b="0"/>
+      </a:fillRef>
+      <a:effectRef idx="0">
+        <a:scrgbClr r="0" g="0" b="0"/>
+      </a:effectRef>
+      <a:fontRef idx="minor"/>
+    </dgm:style>
+  </dgm:styleLbl>
+  <dgm:styleLbl name="bgAcc1">
+    <dgm:scene3d>
+      <a:camera prst="orthographicFront"/>
+      <a:lightRig rig="threePt" dir="t"/>
+    </dgm:scene3d>
+    <dgm:sp3d/>
+    <dgm:txPr/>
+    <dgm:style>
+      <a:lnRef idx="2">
+        <a:scrgbClr r="0" g="0" b="0"/>
+      </a:lnRef>
+      <a:fillRef idx="1">
+        <a:scrgbClr r="0" g="0" b="0"/>
+      </a:fillRef>
+      <a:effectRef idx="0">
+        <a:scrgbClr r="0" g="0" b="0"/>
+      </a:effectRef>
+      <a:fontRef idx="minor"/>
+    </dgm:style>
+  </dgm:styleLbl>
+  <dgm:styleLbl name="solidFgAcc1">
+    <dgm:scene3d>
+      <a:camera prst="orthographicFront"/>
+      <a:lightRig rig="threePt" dir="t"/>
+    </dgm:scene3d>
+    <dgm:sp3d/>
+    <dgm:txPr/>
+    <dgm:style>
+      <a:lnRef idx="2">
+        <a:scrgbClr r="0" g="0" b="0"/>
+      </a:lnRef>
+      <a:fillRef idx="1">
+        <a:scrgbClr r="0" g="0" b="0"/>
+      </a:fillRef>
+      <a:effectRef idx="0">
+        <a:scrgbClr r="0" g="0" b="0"/>
+      </a:effectRef>
+      <a:fontRef idx="minor"/>
+    </dgm:style>
+  </dgm:styleLbl>
+  <dgm:styleLbl name="solidAlignAcc1">
+    <dgm:scene3d>
+      <a:camera prst="orthographicFront"/>
+      <a:lightRig rig="threePt" dir="t"/>
+    </dgm:scene3d>
+    <dgm:sp3d/>
+    <dgm:txPr/>
+    <dgm:style>
+      <a:lnRef idx="2">
+        <a:scrgbClr r="0" g="0" b="0"/>
+      </a:lnRef>
+      <a:fillRef idx="1">
+        <a:scrgbClr r="0" g="0" b="0"/>
+      </a:fillRef>
+      <a:effectRef idx="0">
+        <a:scrgbClr r="0" g="0" b="0"/>
+      </a:effectRef>
+      <a:fontRef idx="minor"/>
+    </dgm:style>
+  </dgm:styleLbl>
+  <dgm:styleLbl name="solidBgAcc1">
+    <dgm:scene3d>
+      <a:camera prst="orthographicFront"/>
+      <a:lightRig rig="threePt" dir="t"/>
+    </dgm:scene3d>
+    <dgm:sp3d/>
+    <dgm:txPr/>
+    <dgm:style>
+      <a:lnRef idx="2">
+        <a:scrgbClr r="0" g="0" b="0"/>
+      </a:lnRef>
+      <a:fillRef idx="1">
+        <a:scrgbClr r="0" g="0" b="0"/>
+      </a:fillRef>
+      <a:effectRef idx="0">
+        <a:scrgbClr r="0" g="0" b="0"/>
+      </a:effectRef>
+      <a:fontRef idx="minor"/>
+    </dgm:style>
+  </dgm:styleLbl>
+  <dgm:styleLbl name="fgAccFollowNode1">
+    <dgm:scene3d>
+      <a:camera prst="orthographicFront"/>
+      <a:lightRig rig="threePt" dir="t"/>
+    </dgm:scene3d>
+    <dgm:sp3d/>
+    <dgm:txPr/>
+    <dgm:style>
+      <a:lnRef idx="2">
+        <a:scrgbClr r="0" g="0" b="0"/>
+      </a:lnRef>
+      <a:fillRef idx="1">
+        <a:scrgbClr r="0" g="0" b="0"/>
+      </a:fillRef>
+      <a:effectRef idx="0">
+        <a:scrgbClr r="0" g="0" b="0"/>
+      </a:effectRef>
+      <a:fontRef idx="minor"/>
+    </dgm:style>
+  </dgm:styleLbl>
+  <dgm:styleLbl name="alignAccFollowNode1">
+    <dgm:scene3d>
+      <a:camera prst="orthographicFront"/>
+      <a:lightRig rig="threePt" dir="t"/>
+    </dgm:scene3d>
+    <dgm:sp3d/>
+    <dgm:txPr/>
+    <dgm:style>
+      <a:lnRef idx="2">
+        <a:scrgbClr r="0" g="0" b="0"/>
+      </a:lnRef>
+      <a:fillRef idx="1">
+        <a:scrgbClr r="0" g="0" b="0"/>
+      </a:fillRef>
+      <a:effectRef idx="0">
+        <a:scrgbClr r="0" g="0" b="0"/>
+      </a:effectRef>
+      <a:fontRef idx="minor"/>
+    </dgm:style>
+  </dgm:styleLbl>
+  <dgm:styleLbl name="bgAccFollowNode1">
+    <dgm:scene3d>
+      <a:camera prst="orthographicFront"/>
+      <a:lightRig rig="threePt" dir="t"/>
+    </dgm:scene3d>
+    <dgm:sp3d/>
+    <dgm:txPr/>
+    <dgm:style>
+      <a:lnRef idx="2">
+        <a:scrgbClr r="0" g="0" b="0"/>
+      </a:lnRef>
+      <a:fillRef idx="1">
+        <a:scrgbClr r="0" g="0" b="0"/>
+      </a:fillRef>
+      <a:effectRef idx="0">
+        <a:scrgbClr r="0" g="0" b="0"/>
+      </a:effectRef>
+      <a:fontRef idx="minor"/>
+    </dgm:style>
+  </dgm:styleLbl>
+  <dgm:styleLbl name="fgAcc0">
+    <dgm:scene3d>
+      <a:camera prst="orthographicFront"/>
+      <a:lightRig rig="threePt" dir="t"/>
+    </dgm:scene3d>
+    <dgm:sp3d/>
+    <dgm:txPr/>
+    <dgm:style>
+      <a:lnRef idx="2">
+        <a:scrgbClr r="0" g="0" b="0"/>
+      </a:lnRef>
+      <a:fillRef idx="1">
+        <a:scrgbClr r="0" g="0" b="0"/>
+      </a:fillRef>
+      <a:effectRef idx="0">
+        <a:scrgbClr r="0" g="0" b="0"/>
+      </a:effectRef>
+      <a:fontRef idx="minor"/>
+    </dgm:style>
+  </dgm:styleLbl>
+  <dgm:styleLbl name="fgAcc2">
+    <dgm:scene3d>
+      <a:camera prst="orthographicFront"/>
+      <a:lightRig rig="threePt" dir="t"/>
+    </dgm:scene3d>
+    <dgm:sp3d/>
+    <dgm:txPr/>
+    <dgm:style>
+      <a:lnRef idx="2">
+        <a:scrgbClr r="0" g="0" b="0"/>
+      </a:lnRef>
+      <a:fillRef idx="1">
+        <a:scrgbClr r="0" g="0" b="0"/>
+      </a:fillRef>
+      <a:effectRef idx="0">
+        <a:scrgbClr r="0" g="0" b="0"/>
+      </a:effectRef>
+      <a:fontRef idx="minor"/>
+    </dgm:style>
+  </dgm:styleLbl>
+  <dgm:styleLbl name="fgAcc3">
+    <dgm:scene3d>
+      <a:camera prst="orthographicFront"/>
+      <a:lightRig rig="threePt" dir="t"/>
+    </dgm:scene3d>
+    <dgm:sp3d/>
+    <dgm:txPr/>
+    <dgm:style>
+      <a:lnRef idx="2">
+        <a:scrgbClr r="0" g="0" b="0"/>
+      </a:lnRef>
+      <a:fillRef idx="1">
+        <a:scrgbClr r="0" g="0" b="0"/>
+      </a:fillRef>
+      <a:effectRef idx="0">
+        <a:scrgbClr r="0" g="0" b="0"/>
+      </a:effectRef>
+      <a:fontRef idx="minor"/>
+    </dgm:style>
+  </dgm:styleLbl>
+  <dgm:styleLbl name="fgAcc4">
+    <dgm:scene3d>
+      <a:camera prst="orthographicFront"/>
+      <a:lightRig rig="threePt" dir="t"/>
+    </dgm:scene3d>
+    <dgm:sp3d/>
+    <dgm:txPr/>
+    <dgm:style>
+      <a:lnRef idx="2">
+        <a:scrgbClr r="0" g="0" b="0"/>
+      </a:lnRef>
+      <a:fillRef idx="1">
+        <a:scrgbClr r="0" g="0" b="0"/>
+      </a:fillRef>
+      <a:effectRef idx="0">
+        <a:scrgbClr r="0" g="0" b="0"/>
+      </a:effectRef>
+      <a:fontRef idx="minor"/>
+    </dgm:style>
+  </dgm:styleLbl>
+  <dgm:styleLbl name="bgShp">
+    <dgm:scene3d>
+      <a:camera prst="orthographicFront"/>
+      <a:lightRig rig="threePt" dir="t"/>
+    </dgm:scene3d>
+    <dgm:sp3d/>
+    <dgm:txPr/>
+    <dgm:style>
+      <a:lnRef idx="0">
+        <a:scrgbClr r="0" g="0" b="0"/>
+      </a:lnRef>
+      <a:fillRef idx="1">
+        <a:scrgbClr r="0" g="0" b="0"/>
+      </a:fillRef>
+      <a:effectRef idx="0">
+        <a:scrgbClr r="0" g="0" b="0"/>
+      </a:effectRef>
+      <a:fontRef idx="minor"/>
+    </dgm:style>
+  </dgm:styleLbl>
+  <dgm:styleLbl name="dkBgShp">
+    <dgm:scene3d>
+      <a:camera prst="orthographicFront"/>
+      <a:lightRig rig="threePt" dir="t"/>
+    </dgm:scene3d>
+    <dgm:sp3d/>
+    <dgm:txPr/>
+    <dgm:style>
+      <a:lnRef idx="0">
+        <a:scrgbClr r="0" g="0" b="0"/>
+      </a:lnRef>
+      <a:fillRef idx="1">
+        <a:scrgbClr r="0" g="0" b="0"/>
+      </a:fillRef>
+      <a:effectRef idx="0">
+        <a:scrgbClr r="0" g="0" b="0"/>
+      </a:effectRef>
+      <a:fontRef idx="minor"/>
+    </dgm:style>
+  </dgm:styleLbl>
+  <dgm:styleLbl name="trBgShp">
+    <dgm:scene3d>
+      <a:camera prst="orthographicFront"/>
+      <a:lightRig rig="threePt" dir="t"/>
+    </dgm:scene3d>
+    <dgm:sp3d/>
+    <dgm:txPr/>
+    <dgm:style>
+      <a:lnRef idx="0">
+        <a:scrgbClr r="0" g="0" b="0"/>
+      </a:lnRef>
+      <a:fillRef idx="1">
+        <a:scrgbClr r="0" g="0" b="0"/>
+      </a:fillRef>
+      <a:effectRef idx="0">
+        <a:scrgbClr r="0" g="0" b="0"/>
+      </a:effectRef>
+      <a:fontRef idx="minor"/>
+    </dgm:style>
+  </dgm:styleLbl>
+  <dgm:styleLbl name="fgShp">
+    <dgm:scene3d>
+      <a:camera prst="orthographicFront"/>
+      <a:lightRig rig="threePt" dir="t"/>
+    </dgm:scene3d>
+    <dgm:sp3d/>
+    <dgm:txPr/>
+    <dgm:style>
+      <a:lnRef idx="2">
+        <a:scrgbClr r="0" g="0" b="0"/>
+      </a:lnRef>
+      <a:fillRef idx="1">
+        <a:scrgbClr r="0" g="0" b="0"/>
+      </a:fillRef>
+      <a:effectRef idx="0">
+        <a:scrgbClr r="0" g="0" b="0"/>
+      </a:effectRef>
+      <a:fontRef idx="minor"/>
+    </dgm:style>
+  </dgm:styleLbl>
+  <dgm:styleLbl name="revTx">
+    <dgm:scene3d>
+      <a:camera prst="orthographicFront"/>
+      <a:lightRig rig="threePt" dir="t"/>
+    </dgm:scene3d>
+    <dgm:sp3d/>
+    <dgm:txPr/>
+    <dgm:style>
+      <a:lnRef idx="0">
+        <a:scrgbClr r="0" g="0" b="0"/>
+      </a:lnRef>
+      <a:fillRef idx="0">
+        <a:scrgbClr r="0" g="0" b="0"/>
+      </a:fillRef>
+      <a:effectRef idx="0">
+        <a:scrgbClr r="0" g="0" b="0"/>
+      </a:effectRef>
+      <a:fontRef idx="minor"/>
+    </dgm:style>
+  </dgm:styleLbl>
+</dgm:styleDef>
 </file>
 
 <file path=ppt/notesMasters/notesMaster1.xml><?xml version="1.0" encoding="utf-8"?>
@@ -3498,7 +7265,7 @@
         </p:nvGrpSpPr>
         <p:grpSpPr>
           <a:xfrm>
-            <a:off x="3657600" y="2377440"/>
+            <a:off x="3566160" y="2103120"/>
             <a:ext cx="1828800" cy="1828800"/>
             <a:chOff x="5181600" y="2683669"/>
             <a:chExt cx="1188720" cy="1185862"/>
@@ -3585,14 +7352,14 @@
       </p:grpSp>
       <p:sp>
         <p:nvSpPr>
-          <p:cNvPr id="12" name="Rectangle 11"/>
+          <p:cNvPr id="13" name="Rectangle 12"/>
           <p:cNvSpPr/>
           <p:nvPr/>
         </p:nvSpPr>
         <p:spPr>
           <a:xfrm>
-            <a:off x="3977640" y="4754880"/>
-            <a:ext cx="1188720" cy="1005840"/>
+            <a:off x="2926080" y="411480"/>
+            <a:ext cx="3474720" cy="548640"/>
           </a:xfrm>
           <a:prstGeom prst="rect">
             <a:avLst/>
@@ -3637,73 +7404,6 @@
                 <a:ea typeface="Tahoma" pitchFamily="34" charset="0"/>
                 <a:cs typeface="Tahoma" pitchFamily="34" charset="0"/>
               </a:rPr>
-              <a:t>PMIC</a:t>
-            </a:r>
-            <a:endParaRPr lang="en-US" dirty="0">
-              <a:solidFill>
-                <a:schemeClr val="tx1"/>
-              </a:solidFill>
-              <a:latin typeface="Tahoma" pitchFamily="34" charset="0"/>
-              <a:ea typeface="Tahoma" pitchFamily="34" charset="0"/>
-              <a:cs typeface="Tahoma" pitchFamily="34" charset="0"/>
-            </a:endParaRPr>
-          </a:p>
-        </p:txBody>
-      </p:sp>
-      <p:sp>
-        <p:nvSpPr>
-          <p:cNvPr id="13" name="Rectangle 12"/>
-          <p:cNvSpPr/>
-          <p:nvPr/>
-        </p:nvSpPr>
-        <p:spPr>
-          <a:xfrm>
-            <a:off x="3017520" y="685800"/>
-            <a:ext cx="3108960" cy="548640"/>
-          </a:xfrm>
-          <a:prstGeom prst="rect">
-            <a:avLst/>
-          </a:prstGeom>
-          <a:noFill/>
-          <a:ln w="38100" cap="sq">
-            <a:solidFill>
-              <a:schemeClr val="tx1"/>
-            </a:solidFill>
-            <a:miter lim="800000"/>
-          </a:ln>
-        </p:spPr>
-        <p:style>
-          <a:lnRef idx="2">
-            <a:schemeClr val="accent1">
-              <a:shade val="50000"/>
-            </a:schemeClr>
-          </a:lnRef>
-          <a:fillRef idx="1">
-            <a:schemeClr val="accent1"/>
-          </a:fillRef>
-          <a:effectRef idx="0">
-            <a:schemeClr val="accent1"/>
-          </a:effectRef>
-          <a:fontRef idx="minor">
-            <a:schemeClr val="lt1"/>
-          </a:fontRef>
-        </p:style>
-        <p:txBody>
-          <a:bodyPr rtlCol="0" anchor="ctr">
-            <a:noAutofit/>
-          </a:bodyPr>
-          <a:lstStyle/>
-          <a:p>
-            <a:pPr algn="ctr"/>
-            <a:r>
-              <a:rPr lang="en-US" dirty="0" smtClean="0">
-                <a:solidFill>
-                  <a:schemeClr val="tx1"/>
-                </a:solidFill>
-                <a:latin typeface="Tahoma" pitchFamily="34" charset="0"/>
-                <a:ea typeface="Tahoma" pitchFamily="34" charset="0"/>
-                <a:cs typeface="Tahoma" pitchFamily="34" charset="0"/>
-              </a:rPr>
               <a:t>South Bridge</a:t>
             </a:r>
             <a:endParaRPr lang="en-US" dirty="0">
@@ -3725,7 +7425,7 @@
         </p:nvCxnSpPr>
         <p:spPr>
           <a:xfrm rot="5400000">
-            <a:off x="4000500" y="1805940"/>
+            <a:off x="3909060" y="1531620"/>
             <a:ext cx="1143000" cy="1588"/>
           </a:xfrm>
           <a:prstGeom prst="straightConnector1">
@@ -3762,7 +7462,7 @@
         </p:nvCxnSpPr>
         <p:spPr>
           <a:xfrm rot="5400000">
-            <a:off x="4365069" y="1805543"/>
+            <a:off x="4273629" y="1531223"/>
             <a:ext cx="1143794" cy="1588"/>
           </a:xfrm>
           <a:prstGeom prst="straightConnector1">
@@ -3799,7 +7499,7 @@
         </p:nvCxnSpPr>
         <p:spPr>
           <a:xfrm rot="5400000">
-            <a:off x="3626326" y="1812766"/>
+            <a:off x="3534886" y="1538446"/>
             <a:ext cx="1158240" cy="1588"/>
           </a:xfrm>
           <a:prstGeom prst="straightConnector1">
@@ -3831,15 +7531,13 @@
       <p:cxnSp>
         <p:nvCxnSpPr>
           <p:cNvPr id="18" name="Straight Arrow Connector 17"/>
-          <p:cNvCxnSpPr>
-            <a:endCxn id="12" idx="0"/>
-          </p:cNvCxnSpPr>
+          <p:cNvCxnSpPr/>
           <p:nvPr/>
         </p:nvCxnSpPr>
         <p:spPr>
           <a:xfrm rot="5400000">
-            <a:off x="4298080" y="4480956"/>
-            <a:ext cx="547845" cy="3"/>
+            <a:off x="4274820" y="4137660"/>
+            <a:ext cx="411480" cy="1588"/>
           </a:xfrm>
           <a:prstGeom prst="straightConnector1">
             <a:avLst/>
@@ -3869,51 +7567,13 @@
       </p:cxnSp>
       <p:sp>
         <p:nvSpPr>
-          <p:cNvPr id="22" name="Rectangle 21"/>
-          <p:cNvSpPr/>
-          <p:nvPr/>
-        </p:nvSpPr>
-        <p:spPr>
-          <a:xfrm rot="16200000">
-            <a:off x="4105932" y="4351473"/>
-            <a:ext cx="598241" cy="307777"/>
-          </a:xfrm>
-          <a:prstGeom prst="rect">
-            <a:avLst/>
-          </a:prstGeom>
-        </p:spPr>
-        <p:txBody>
-          <a:bodyPr wrap="none">
-            <a:spAutoFit/>
-          </a:bodyPr>
-          <a:lstStyle/>
-          <a:p>
-            <a:pPr algn="ctr"/>
-            <a:r>
-              <a:rPr lang="en-US" sz="1400" dirty="0" smtClean="0">
-                <a:latin typeface="Tahoma" pitchFamily="34" charset="0"/>
-                <a:ea typeface="Tahoma" pitchFamily="34" charset="0"/>
-                <a:cs typeface="Tahoma" pitchFamily="34" charset="0"/>
-              </a:rPr>
-              <a:t>GPIO</a:t>
-            </a:r>
-            <a:endParaRPr lang="en-US" sz="1400" dirty="0">
-              <a:latin typeface="Tahoma" pitchFamily="34" charset="0"/>
-              <a:ea typeface="Tahoma" pitchFamily="34" charset="0"/>
-              <a:cs typeface="Tahoma" pitchFamily="34" charset="0"/>
-            </a:endParaRPr>
-          </a:p>
-        </p:txBody>
-      </p:sp>
-      <p:sp>
-        <p:nvSpPr>
           <p:cNvPr id="23" name="Rectangle 22"/>
           <p:cNvSpPr/>
           <p:nvPr/>
         </p:nvSpPr>
         <p:spPr>
           <a:xfrm rot="16200000">
-            <a:off x="4559051" y="1647007"/>
+            <a:off x="4467611" y="1372687"/>
             <a:ext cx="425116" cy="307777"/>
           </a:xfrm>
           <a:prstGeom prst="rect">
@@ -3967,7 +7627,7 @@
         </p:nvSpPr>
         <p:spPr>
           <a:xfrm rot="16200000">
-            <a:off x="4180467" y="1647007"/>
+            <a:off x="4089027" y="1372687"/>
             <a:ext cx="450764" cy="307777"/>
           </a:xfrm>
           <a:prstGeom prst="rect">
@@ -4005,7 +7665,7 @@
         </p:nvSpPr>
         <p:spPr>
           <a:xfrm rot="16200000">
-            <a:off x="3740968" y="1647007"/>
+            <a:off x="3649528" y="1372687"/>
             <a:ext cx="598241" cy="307777"/>
           </a:xfrm>
           <a:prstGeom prst="rect">
@@ -4043,7 +7703,7 @@
         </p:nvGrpSpPr>
         <p:grpSpPr>
           <a:xfrm>
-            <a:off x="914400" y="3931920"/>
+            <a:off x="822960" y="3703320"/>
             <a:ext cx="1188720" cy="548640"/>
             <a:chOff x="914400" y="4069080"/>
             <a:chExt cx="1188720" cy="548640"/>
@@ -4140,7 +7800,7 @@
         </p:nvSpPr>
         <p:spPr>
           <a:xfrm>
-            <a:off x="914400" y="2103120"/>
+            <a:off x="822960" y="1783080"/>
             <a:ext cx="1188720" cy="548640"/>
           </a:xfrm>
           <a:prstGeom prst="rect">
@@ -4207,7 +7867,7 @@
         </p:nvSpPr>
         <p:spPr>
           <a:xfrm>
-            <a:off x="2735744" y="3341132"/>
+            <a:off x="2644304" y="3066812"/>
             <a:ext cx="506870" cy="307777"/>
           </a:xfrm>
           <a:prstGeom prst="rect">
@@ -4245,7 +7905,7 @@
         </p:nvCxnSpPr>
         <p:spPr>
           <a:xfrm rot="10800000">
-            <a:off x="2103120" y="3291840"/>
+            <a:off x="2011680" y="3017520"/>
             <a:ext cx="1554480" cy="1588"/>
           </a:xfrm>
           <a:prstGeom prst="straightConnector1">
@@ -4282,7 +7942,7 @@
         </p:nvSpPr>
         <p:spPr>
           <a:xfrm>
-            <a:off x="2763797" y="2971800"/>
+            <a:off x="2672357" y="2697480"/>
             <a:ext cx="450764" cy="307777"/>
           </a:xfrm>
           <a:prstGeom prst="rect">
@@ -4322,12 +7982,12 @@
         </p:nvCxnSpPr>
         <p:spPr>
           <a:xfrm>
-            <a:off x="2103120" y="2377440"/>
-            <a:ext cx="1554480" cy="548640"/>
+            <a:off x="2011680" y="2057400"/>
+            <a:ext cx="1554480" cy="594360"/>
           </a:xfrm>
           <a:prstGeom prst="bentConnector3">
             <a:avLst>
-              <a:gd name="adj1" fmla="val 19608"/>
+              <a:gd name="adj1" fmla="val 19976"/>
             </a:avLst>
           </a:prstGeom>
           <a:ln w="38100">
@@ -4361,12 +8021,12 @@
         </p:nvCxnSpPr>
         <p:spPr>
           <a:xfrm flipV="1">
-            <a:off x="2103120" y="3657600"/>
-            <a:ext cx="1554480" cy="548640"/>
+            <a:off x="2011680" y="3383280"/>
+            <a:ext cx="1554480" cy="594360"/>
           </a:xfrm>
           <a:prstGeom prst="bentConnector3">
             <a:avLst>
-              <a:gd name="adj1" fmla="val 21078"/>
+              <a:gd name="adj1" fmla="val 20741"/>
             </a:avLst>
           </a:prstGeom>
           <a:ln w="38100">
@@ -4400,7 +8060,7 @@
         </p:nvSpPr>
         <p:spPr>
           <a:xfrm>
-            <a:off x="5679803" y="2606040"/>
+            <a:off x="5532120" y="2331720"/>
             <a:ext cx="724878" cy="307777"/>
           </a:xfrm>
           <a:prstGeom prst="rect">
@@ -4438,7 +8098,7 @@
         </p:nvSpPr>
         <p:spPr>
           <a:xfrm>
-            <a:off x="5734432" y="3337560"/>
+            <a:off x="5532120" y="3063240"/>
             <a:ext cx="598241" cy="307777"/>
           </a:xfrm>
           <a:prstGeom prst="rect">
@@ -4476,7 +8136,7 @@
         </p:nvCxnSpPr>
         <p:spPr>
           <a:xfrm rot="10800000">
-            <a:off x="5486400" y="3656012"/>
+            <a:off x="5394960" y="3381692"/>
             <a:ext cx="960120" cy="1588"/>
           </a:xfrm>
           <a:prstGeom prst="straightConnector1">
@@ -4513,7 +8173,7 @@
         </p:nvGrpSpPr>
         <p:grpSpPr>
           <a:xfrm>
-            <a:off x="914400" y="3017520"/>
+            <a:off x="822960" y="2743200"/>
             <a:ext cx="1188720" cy="548640"/>
             <a:chOff x="914400" y="3154680"/>
             <a:chExt cx="1188720" cy="548640"/>
@@ -4610,7 +8270,7 @@
         </p:nvSpPr>
         <p:spPr>
           <a:xfrm>
-            <a:off x="2705288" y="2606040"/>
+            <a:off x="2613848" y="2331720"/>
             <a:ext cx="567784" cy="307777"/>
           </a:xfrm>
           <a:prstGeom prst="rect">
@@ -4642,82 +8302,848 @@
       </p:sp>
       <p:grpSp>
         <p:nvGrpSpPr>
-          <p:cNvPr id="85" name="Group 84"/>
+          <p:cNvPr id="181" name="Group 180"/>
           <p:cNvGrpSpPr/>
           <p:nvPr/>
         </p:nvGrpSpPr>
         <p:grpSpPr>
           <a:xfrm>
-            <a:off x="1051560" y="5074920"/>
-            <a:ext cx="914400" cy="182880"/>
-            <a:chOff x="3657600" y="5989320"/>
-            <a:chExt cx="1828800" cy="365760"/>
+            <a:off x="822960" y="4709160"/>
+            <a:ext cx="1188720" cy="548640"/>
+            <a:chOff x="914400" y="4892040"/>
+            <a:chExt cx="1188720" cy="548640"/>
           </a:xfrm>
         </p:grpSpPr>
+        <p:grpSp>
+          <p:nvGrpSpPr>
+            <p:cNvPr id="85" name="Group 84"/>
+            <p:cNvGrpSpPr/>
+            <p:nvPr/>
+          </p:nvGrpSpPr>
+          <p:grpSpPr>
+            <a:xfrm>
+              <a:off x="1051560" y="5074920"/>
+              <a:ext cx="914400" cy="182880"/>
+              <a:chOff x="3657600" y="5989320"/>
+              <a:chExt cx="1828800" cy="365760"/>
+            </a:xfrm>
+          </p:grpSpPr>
+          <p:sp>
+            <p:nvSpPr>
+              <p:cNvPr id="49" name="Arc 48"/>
+              <p:cNvSpPr/>
+              <p:nvPr/>
+            </p:nvSpPr>
+            <p:spPr>
+              <a:xfrm>
+                <a:off x="4389120" y="5989320"/>
+                <a:ext cx="365760" cy="365760"/>
+              </a:xfrm>
+              <a:prstGeom prst="arc">
+                <a:avLst>
+                  <a:gd name="adj1" fmla="val 13514966"/>
+                  <a:gd name="adj2" fmla="val 8082609"/>
+                </a:avLst>
+              </a:prstGeom>
+              <a:ln w="28575">
+                <a:solidFill>
+                  <a:schemeClr val="tx1"/>
+                </a:solidFill>
+              </a:ln>
+            </p:spPr>
+            <p:style>
+              <a:lnRef idx="1">
+                <a:schemeClr val="accent1"/>
+              </a:lnRef>
+              <a:fillRef idx="0">
+                <a:schemeClr val="accent1"/>
+              </a:fillRef>
+              <a:effectRef idx="0">
+                <a:schemeClr val="accent1"/>
+              </a:effectRef>
+              <a:fontRef idx="minor">
+                <a:schemeClr val="tx1"/>
+              </a:fontRef>
+            </p:style>
+            <p:txBody>
+              <a:bodyPr rtlCol="0" anchor="ctr"/>
+              <a:lstStyle/>
+              <a:p>
+                <a:pPr algn="ctr"/>
+                <a:endParaRPr lang="en-US"/>
+              </a:p>
+            </p:txBody>
+          </p:sp>
+          <p:sp>
+            <p:nvSpPr>
+              <p:cNvPr id="50" name="Oval 49"/>
+              <p:cNvSpPr/>
+              <p:nvPr/>
+            </p:nvSpPr>
+            <p:spPr>
+              <a:xfrm>
+                <a:off x="3657600" y="5989320"/>
+                <a:ext cx="365760" cy="365760"/>
+              </a:xfrm>
+              <a:prstGeom prst="ellipse">
+                <a:avLst/>
+              </a:prstGeom>
+              <a:noFill/>
+              <a:ln w="28575" cap="sq">
+                <a:solidFill>
+                  <a:schemeClr val="tx1"/>
+                </a:solidFill>
+                <a:miter lim="800000"/>
+              </a:ln>
+            </p:spPr>
+            <p:style>
+              <a:lnRef idx="2">
+                <a:schemeClr val="accent1">
+                  <a:shade val="50000"/>
+                </a:schemeClr>
+              </a:lnRef>
+              <a:fillRef idx="1">
+                <a:schemeClr val="accent1"/>
+              </a:fillRef>
+              <a:effectRef idx="0">
+                <a:schemeClr val="accent1"/>
+              </a:effectRef>
+              <a:fontRef idx="minor">
+                <a:schemeClr val="lt1"/>
+              </a:fontRef>
+            </p:style>
+            <p:txBody>
+              <a:bodyPr rtlCol="0" anchor="ctr">
+                <a:noAutofit/>
+              </a:bodyPr>
+              <a:lstStyle/>
+              <a:p>
+                <a:pPr algn="ctr"/>
+                <a:endParaRPr lang="en-US" dirty="0" smtClean="0">
+                  <a:solidFill>
+                    <a:schemeClr val="tx1"/>
+                  </a:solidFill>
+                </a:endParaRPr>
+              </a:p>
+            </p:txBody>
+          </p:sp>
+          <p:sp>
+            <p:nvSpPr>
+              <p:cNvPr id="51" name="Oval 50"/>
+              <p:cNvSpPr/>
+              <p:nvPr/>
+            </p:nvSpPr>
+            <p:spPr>
+              <a:xfrm>
+                <a:off x="5120640" y="5989320"/>
+                <a:ext cx="365760" cy="365760"/>
+              </a:xfrm>
+              <a:prstGeom prst="ellipse">
+                <a:avLst/>
+              </a:prstGeom>
+              <a:noFill/>
+              <a:ln w="28575" cap="sq">
+                <a:solidFill>
+                  <a:schemeClr val="tx1"/>
+                </a:solidFill>
+                <a:miter lim="800000"/>
+              </a:ln>
+            </p:spPr>
+            <p:style>
+              <a:lnRef idx="2">
+                <a:schemeClr val="accent1">
+                  <a:shade val="50000"/>
+                </a:schemeClr>
+              </a:lnRef>
+              <a:fillRef idx="1">
+                <a:schemeClr val="accent1"/>
+              </a:fillRef>
+              <a:effectRef idx="0">
+                <a:schemeClr val="accent1"/>
+              </a:effectRef>
+              <a:fontRef idx="minor">
+                <a:schemeClr val="lt1"/>
+              </a:fontRef>
+            </p:style>
+            <p:txBody>
+              <a:bodyPr rtlCol="0" anchor="ctr">
+                <a:noAutofit/>
+              </a:bodyPr>
+              <a:lstStyle/>
+              <a:p>
+                <a:pPr algn="ctr"/>
+                <a:endParaRPr lang="en-US" dirty="0" smtClean="0">
+                  <a:solidFill>
+                    <a:schemeClr val="tx1"/>
+                  </a:solidFill>
+                  <a:latin typeface="Tahoma" pitchFamily="34" charset="0"/>
+                  <a:ea typeface="Tahoma" pitchFamily="34" charset="0"/>
+                  <a:cs typeface="Tahoma" pitchFamily="34" charset="0"/>
+                </a:endParaRPr>
+              </a:p>
+            </p:txBody>
+          </p:sp>
+          <p:cxnSp>
+            <p:nvCxnSpPr>
+              <p:cNvPr id="53" name="Straight Connector 52"/>
+              <p:cNvCxnSpPr>
+                <a:stCxn id="50" idx="6"/>
+                <a:endCxn id="56" idx="2"/>
+              </p:cNvCxnSpPr>
+              <p:nvPr/>
+            </p:nvCxnSpPr>
+            <p:spPr>
+              <a:xfrm>
+                <a:off x="4023360" y="6172200"/>
+                <a:ext cx="457200" cy="0"/>
+              </a:xfrm>
+              <a:prstGeom prst="line">
+                <a:avLst/>
+              </a:prstGeom>
+              <a:ln w="28575">
+                <a:solidFill>
+                  <a:schemeClr val="tx1"/>
+                </a:solidFill>
+              </a:ln>
+            </p:spPr>
+            <p:style>
+              <a:lnRef idx="1">
+                <a:schemeClr val="accent1"/>
+              </a:lnRef>
+              <a:fillRef idx="0">
+                <a:schemeClr val="accent1"/>
+              </a:fillRef>
+              <a:effectRef idx="0">
+                <a:schemeClr val="accent1"/>
+              </a:effectRef>
+              <a:fontRef idx="minor">
+                <a:schemeClr val="tx1"/>
+              </a:fontRef>
+            </p:style>
+          </p:cxnSp>
+          <p:cxnSp>
+            <p:nvCxnSpPr>
+              <p:cNvPr id="54" name="Straight Connector 53"/>
+              <p:cNvCxnSpPr>
+                <a:endCxn id="51" idx="2"/>
+              </p:cNvCxnSpPr>
+              <p:nvPr/>
+            </p:nvCxnSpPr>
+            <p:spPr>
+              <a:xfrm>
+                <a:off x="4754880" y="6172200"/>
+                <a:ext cx="365760" cy="0"/>
+              </a:xfrm>
+              <a:prstGeom prst="line">
+                <a:avLst/>
+              </a:prstGeom>
+              <a:ln w="28575">
+                <a:solidFill>
+                  <a:schemeClr val="tx1"/>
+                </a:solidFill>
+              </a:ln>
+            </p:spPr>
+            <p:style>
+              <a:lnRef idx="1">
+                <a:schemeClr val="accent1"/>
+              </a:lnRef>
+              <a:fillRef idx="0">
+                <a:schemeClr val="accent1"/>
+              </a:fillRef>
+              <a:effectRef idx="0">
+                <a:schemeClr val="accent1"/>
+              </a:effectRef>
+              <a:fontRef idx="minor">
+                <a:schemeClr val="tx1"/>
+              </a:fontRef>
+            </p:style>
+          </p:cxnSp>
+          <p:sp>
+            <p:nvSpPr>
+              <p:cNvPr id="56" name="Oval 55"/>
+              <p:cNvSpPr/>
+              <p:nvPr/>
+            </p:nvSpPr>
+            <p:spPr>
+              <a:xfrm>
+                <a:off x="4480560" y="6080760"/>
+                <a:ext cx="182880" cy="182880"/>
+              </a:xfrm>
+              <a:prstGeom prst="ellipse">
+                <a:avLst/>
+              </a:prstGeom>
+              <a:solidFill>
+                <a:schemeClr val="tx1"/>
+              </a:solidFill>
+              <a:ln w="28575" cap="sq">
+                <a:solidFill>
+                  <a:schemeClr val="tx1"/>
+                </a:solidFill>
+                <a:miter lim="800000"/>
+              </a:ln>
+            </p:spPr>
+            <p:style>
+              <a:lnRef idx="2">
+                <a:schemeClr val="accent1">
+                  <a:shade val="50000"/>
+                </a:schemeClr>
+              </a:lnRef>
+              <a:fillRef idx="1">
+                <a:schemeClr val="accent1"/>
+              </a:fillRef>
+              <a:effectRef idx="0">
+                <a:schemeClr val="accent1"/>
+              </a:effectRef>
+              <a:fontRef idx="minor">
+                <a:schemeClr val="lt1"/>
+              </a:fontRef>
+            </p:style>
+            <p:txBody>
+              <a:bodyPr rtlCol="0" anchor="ctr">
+                <a:noAutofit/>
+              </a:bodyPr>
+              <a:lstStyle/>
+              <a:p>
+                <a:pPr algn="ctr"/>
+                <a:endParaRPr lang="en-US" dirty="0" smtClean="0">
+                  <a:solidFill>
+                    <a:schemeClr val="tx1"/>
+                  </a:solidFill>
+                </a:endParaRPr>
+              </a:p>
+            </p:txBody>
+          </p:sp>
+          <p:cxnSp>
+            <p:nvCxnSpPr>
+              <p:cNvPr id="65" name="Straight Connector 64"/>
+              <p:cNvCxnSpPr/>
+              <p:nvPr/>
+            </p:nvCxnSpPr>
+            <p:spPr>
+              <a:xfrm>
+                <a:off x="3749040" y="6172200"/>
+                <a:ext cx="182880" cy="0"/>
+              </a:xfrm>
+              <a:prstGeom prst="line">
+                <a:avLst/>
+              </a:prstGeom>
+              <a:ln w="28575">
+                <a:solidFill>
+                  <a:schemeClr val="tx1"/>
+                </a:solidFill>
+              </a:ln>
+            </p:spPr>
+            <p:style>
+              <a:lnRef idx="1">
+                <a:schemeClr val="accent1"/>
+              </a:lnRef>
+              <a:fillRef idx="0">
+                <a:schemeClr val="accent1"/>
+              </a:fillRef>
+              <a:effectRef idx="0">
+                <a:schemeClr val="accent1"/>
+              </a:effectRef>
+              <a:fontRef idx="minor">
+                <a:schemeClr val="tx1"/>
+              </a:fontRef>
+            </p:style>
+          </p:cxnSp>
+          <p:cxnSp>
+            <p:nvCxnSpPr>
+              <p:cNvPr id="68" name="Straight Connector 67"/>
+              <p:cNvCxnSpPr/>
+              <p:nvPr/>
+            </p:nvCxnSpPr>
+            <p:spPr>
+              <a:xfrm>
+                <a:off x="5212080" y="6172200"/>
+                <a:ext cx="182880" cy="0"/>
+              </a:xfrm>
+              <a:prstGeom prst="line">
+                <a:avLst/>
+              </a:prstGeom>
+              <a:ln w="28575">
+                <a:solidFill>
+                  <a:schemeClr val="tx1"/>
+                </a:solidFill>
+              </a:ln>
+            </p:spPr>
+            <p:style>
+              <a:lnRef idx="1">
+                <a:schemeClr val="accent1"/>
+              </a:lnRef>
+              <a:fillRef idx="0">
+                <a:schemeClr val="accent1"/>
+              </a:fillRef>
+              <a:effectRef idx="0">
+                <a:schemeClr val="accent1"/>
+              </a:effectRef>
+              <a:fontRef idx="minor">
+                <a:schemeClr val="tx1"/>
+              </a:fontRef>
+            </p:style>
+          </p:cxnSp>
+          <p:cxnSp>
+            <p:nvCxnSpPr>
+              <p:cNvPr id="71" name="Straight Connector 70"/>
+              <p:cNvCxnSpPr/>
+              <p:nvPr/>
+            </p:nvCxnSpPr>
+            <p:spPr>
+              <a:xfrm rot="5400000" flipH="1" flipV="1">
+                <a:off x="3749040" y="6172200"/>
+                <a:ext cx="182880" cy="0"/>
+              </a:xfrm>
+              <a:prstGeom prst="line">
+                <a:avLst/>
+              </a:prstGeom>
+              <a:ln w="28575">
+                <a:solidFill>
+                  <a:schemeClr val="tx1"/>
+                </a:solidFill>
+              </a:ln>
+            </p:spPr>
+            <p:style>
+              <a:lnRef idx="1">
+                <a:schemeClr val="accent1"/>
+              </a:lnRef>
+              <a:fillRef idx="0">
+                <a:schemeClr val="accent1"/>
+              </a:fillRef>
+              <a:effectRef idx="0">
+                <a:schemeClr val="accent1"/>
+              </a:effectRef>
+              <a:fontRef idx="minor">
+                <a:schemeClr val="tx1"/>
+              </a:fontRef>
+            </p:style>
+          </p:cxnSp>
+        </p:grpSp>
         <p:sp>
           <p:nvSpPr>
-            <p:cNvPr id="49" name="Arc 48"/>
+            <p:cNvPr id="88" name="Rectangle 87"/>
             <p:cNvSpPr/>
             <p:nvPr/>
           </p:nvSpPr>
           <p:spPr>
             <a:xfrm>
-              <a:off x="4389120" y="5989320"/>
-              <a:ext cx="365760" cy="365760"/>
+              <a:off x="914400" y="4892040"/>
+              <a:ext cx="1188720" cy="548640"/>
             </a:xfrm>
-            <a:prstGeom prst="arc">
-              <a:avLst>
-                <a:gd name="adj1" fmla="val 13514966"/>
-                <a:gd name="adj2" fmla="val 8082609"/>
-              </a:avLst>
+            <a:prstGeom prst="rect">
+              <a:avLst/>
             </a:prstGeom>
-            <a:ln w="28575">
+            <a:noFill/>
+            <a:ln w="38100" cap="sq">
               <a:solidFill>
                 <a:schemeClr val="tx1"/>
               </a:solidFill>
+              <a:miter lim="800000"/>
             </a:ln>
           </p:spPr>
           <p:style>
-            <a:lnRef idx="1">
-              <a:schemeClr val="accent1"/>
+            <a:lnRef idx="2">
+              <a:schemeClr val="accent1">
+                <a:shade val="50000"/>
+              </a:schemeClr>
             </a:lnRef>
-            <a:fillRef idx="0">
+            <a:fillRef idx="1">
               <a:schemeClr val="accent1"/>
             </a:fillRef>
             <a:effectRef idx="0">
               <a:schemeClr val="accent1"/>
             </a:effectRef>
             <a:fontRef idx="minor">
-              <a:schemeClr val="tx1"/>
+              <a:schemeClr val="lt1"/>
             </a:fontRef>
           </p:style>
           <p:txBody>
-            <a:bodyPr rtlCol="0" anchor="ctr"/>
+            <a:bodyPr rtlCol="0" anchor="ctr">
+              <a:noAutofit/>
+            </a:bodyPr>
             <a:lstStyle/>
             <a:p>
               <a:pPr algn="ctr"/>
-              <a:endParaRPr lang="en-US"/>
+              <a:endParaRPr lang="en-US" dirty="0">
+                <a:solidFill>
+                  <a:schemeClr val="tx1"/>
+                </a:solidFill>
+                <a:latin typeface="Tahoma" pitchFamily="34" charset="0"/>
+                <a:ea typeface="Tahoma" pitchFamily="34" charset="0"/>
+                <a:cs typeface="Tahoma" pitchFamily="34" charset="0"/>
+              </a:endParaRPr>
+            </a:p>
+          </p:txBody>
+        </p:sp>
+      </p:grpSp>
+      <p:cxnSp>
+        <p:nvCxnSpPr>
+          <p:cNvPr id="105" name="Straight Arrow Connector 104"/>
+          <p:cNvCxnSpPr/>
+          <p:nvPr/>
+        </p:nvCxnSpPr>
+        <p:spPr>
+          <a:xfrm rot="10800000">
+            <a:off x="5394960" y="2651760"/>
+            <a:ext cx="960120" cy="1588"/>
+          </a:xfrm>
+          <a:prstGeom prst="straightConnector1">
+            <a:avLst/>
+          </a:prstGeom>
+          <a:ln w="38100">
+            <a:solidFill>
+              <a:schemeClr val="tx1"/>
+            </a:solidFill>
+            <a:headEnd type="none" w="lg" len="med"/>
+            <a:tailEnd type="triangle" w="lg" len="med"/>
+          </a:ln>
+        </p:spPr>
+        <p:style>
+          <a:lnRef idx="1">
+            <a:schemeClr val="accent1"/>
+          </a:lnRef>
+          <a:fillRef idx="0">
+            <a:schemeClr val="accent1"/>
+          </a:fillRef>
+          <a:effectRef idx="0">
+            <a:schemeClr val="accent1"/>
+          </a:effectRef>
+          <a:fontRef idx="minor">
+            <a:schemeClr val="tx1"/>
+          </a:fontRef>
+        </p:style>
+      </p:cxnSp>
+      <p:sp>
+        <p:nvSpPr>
+          <p:cNvPr id="118" name="Rectangle 117"/>
+          <p:cNvSpPr/>
+          <p:nvPr/>
+        </p:nvSpPr>
+        <p:spPr>
+          <a:xfrm>
+            <a:off x="6355080" y="2377440"/>
+            <a:ext cx="2103120" cy="548640"/>
+          </a:xfrm>
+          <a:prstGeom prst="rect">
+            <a:avLst/>
+          </a:prstGeom>
+          <a:noFill/>
+          <a:ln w="38100" cap="sq">
+            <a:solidFill>
+              <a:schemeClr val="tx1"/>
+            </a:solidFill>
+            <a:miter lim="800000"/>
+          </a:ln>
+        </p:spPr>
+        <p:style>
+          <a:lnRef idx="2">
+            <a:schemeClr val="accent1">
+              <a:shade val="50000"/>
+            </a:schemeClr>
+          </a:lnRef>
+          <a:fillRef idx="1">
+            <a:schemeClr val="accent1"/>
+          </a:fillRef>
+          <a:effectRef idx="0">
+            <a:schemeClr val="accent1"/>
+          </a:effectRef>
+          <a:fontRef idx="minor">
+            <a:schemeClr val="lt1"/>
+          </a:fontRef>
+        </p:style>
+        <p:txBody>
+          <a:bodyPr rtlCol="0" anchor="ctr">
+            <a:noAutofit/>
+          </a:bodyPr>
+          <a:lstStyle/>
+          <a:p>
+            <a:pPr algn="ctr"/>
+            <a:r>
+              <a:rPr lang="en-US" dirty="0" smtClean="0">
+                <a:solidFill>
+                  <a:schemeClr val="tx1"/>
+                </a:solidFill>
+                <a:latin typeface="Tahoma" pitchFamily="34" charset="0"/>
+                <a:ea typeface="Tahoma" pitchFamily="34" charset="0"/>
+                <a:cs typeface="Tahoma" pitchFamily="34" charset="0"/>
+              </a:rPr>
+              <a:t>Current Senses</a:t>
+            </a:r>
+          </a:p>
+        </p:txBody>
+      </p:sp>
+      <p:sp>
+        <p:nvSpPr>
+          <p:cNvPr id="119" name="Rectangle 118"/>
+          <p:cNvSpPr/>
+          <p:nvPr/>
+        </p:nvSpPr>
+        <p:spPr>
+          <a:xfrm>
+            <a:off x="6355080" y="3108960"/>
+            <a:ext cx="2103120" cy="548640"/>
+          </a:xfrm>
+          <a:prstGeom prst="rect">
+            <a:avLst/>
+          </a:prstGeom>
+          <a:noFill/>
+          <a:ln w="38100" cap="sq">
+            <a:solidFill>
+              <a:schemeClr val="tx1"/>
+            </a:solidFill>
+            <a:miter lim="800000"/>
+          </a:ln>
+        </p:spPr>
+        <p:style>
+          <a:lnRef idx="2">
+            <a:schemeClr val="accent1">
+              <a:shade val="50000"/>
+            </a:schemeClr>
+          </a:lnRef>
+          <a:fillRef idx="1">
+            <a:schemeClr val="accent1"/>
+          </a:fillRef>
+          <a:effectRef idx="0">
+            <a:schemeClr val="accent1"/>
+          </a:effectRef>
+          <a:fontRef idx="minor">
+            <a:schemeClr val="lt1"/>
+          </a:fontRef>
+        </p:style>
+        <p:txBody>
+          <a:bodyPr rtlCol="0" anchor="ctr">
+            <a:noAutofit/>
+          </a:bodyPr>
+          <a:lstStyle/>
+          <a:p>
+            <a:pPr algn="ctr"/>
+            <a:r>
+              <a:rPr lang="en-US" dirty="0" smtClean="0">
+                <a:solidFill>
+                  <a:schemeClr val="tx1"/>
+                </a:solidFill>
+                <a:latin typeface="Tahoma" pitchFamily="34" charset="0"/>
+                <a:ea typeface="Tahoma" pitchFamily="34" charset="0"/>
+                <a:cs typeface="Tahoma" pitchFamily="34" charset="0"/>
+              </a:rPr>
+              <a:t>BUCK, LDOs</a:t>
+            </a:r>
+            <a:endParaRPr lang="en-US" dirty="0" smtClean="0">
+              <a:solidFill>
+                <a:schemeClr val="tx1"/>
+              </a:solidFill>
+              <a:latin typeface="Tahoma" pitchFamily="34" charset="0"/>
+              <a:ea typeface="Tahoma" pitchFamily="34" charset="0"/>
+              <a:cs typeface="Tahoma" pitchFamily="34" charset="0"/>
+            </a:endParaRPr>
+          </a:p>
+        </p:txBody>
+      </p:sp>
+      <p:cxnSp>
+        <p:nvCxnSpPr>
+          <p:cNvPr id="125" name="Shape 124"/>
+          <p:cNvCxnSpPr>
+            <a:endCxn id="119" idx="2"/>
+          </p:cNvCxnSpPr>
+          <p:nvPr/>
+        </p:nvCxnSpPr>
+        <p:spPr>
+          <a:xfrm flipV="1">
+            <a:off x="5120640" y="3657600"/>
+            <a:ext cx="2286000" cy="1280160"/>
+          </a:xfrm>
+          <a:prstGeom prst="bentConnector2">
+            <a:avLst/>
+          </a:prstGeom>
+          <a:ln w="38100">
+            <a:solidFill>
+              <a:schemeClr val="tx1"/>
+            </a:solidFill>
+            <a:tailEnd type="triangle" w="lg" len="med"/>
+          </a:ln>
+        </p:spPr>
+        <p:style>
+          <a:lnRef idx="1">
+            <a:schemeClr val="accent1"/>
+          </a:lnRef>
+          <a:fillRef idx="0">
+            <a:schemeClr val="accent1"/>
+          </a:fillRef>
+          <a:effectRef idx="0">
+            <a:schemeClr val="accent1"/>
+          </a:effectRef>
+          <a:fontRef idx="minor">
+            <a:schemeClr val="tx1"/>
+          </a:fontRef>
+        </p:style>
+      </p:cxnSp>
+      <p:sp>
+        <p:nvSpPr>
+          <p:cNvPr id="126" name="Rectangle 125"/>
+          <p:cNvSpPr/>
+          <p:nvPr/>
+        </p:nvSpPr>
+        <p:spPr>
+          <a:xfrm>
+            <a:off x="5646700" y="4663440"/>
+            <a:ext cx="1074140" cy="307777"/>
+          </a:xfrm>
+          <a:prstGeom prst="rect">
+            <a:avLst/>
+          </a:prstGeom>
+        </p:spPr>
+        <p:txBody>
+          <a:bodyPr wrap="none">
+            <a:spAutoFit/>
+          </a:bodyPr>
+          <a:lstStyle/>
+          <a:p>
+            <a:pPr algn="r"/>
+            <a:r>
+              <a:rPr lang="en-US" sz="1400" dirty="0" smtClean="0">
+                <a:latin typeface="Tahoma" pitchFamily="34" charset="0"/>
+                <a:ea typeface="Tahoma" pitchFamily="34" charset="0"/>
+                <a:cs typeface="Tahoma" pitchFamily="34" charset="0"/>
+              </a:rPr>
+              <a:t>Power Path</a:t>
+            </a:r>
+            <a:endParaRPr lang="en-US" sz="1400" dirty="0">
+              <a:latin typeface="Tahoma" pitchFamily="34" charset="0"/>
+              <a:ea typeface="Tahoma" pitchFamily="34" charset="0"/>
+              <a:cs typeface="Tahoma" pitchFamily="34" charset="0"/>
+            </a:endParaRPr>
+          </a:p>
+        </p:txBody>
+      </p:sp>
+      <p:cxnSp>
+        <p:nvCxnSpPr>
+          <p:cNvPr id="137" name="Straight Arrow Connector 136"/>
+          <p:cNvCxnSpPr/>
+          <p:nvPr/>
+        </p:nvCxnSpPr>
+        <p:spPr>
+          <a:xfrm rot="5400000">
+            <a:off x="4847114" y="1325086"/>
+            <a:ext cx="731520" cy="1588"/>
+          </a:xfrm>
+          <a:prstGeom prst="straightConnector1">
+            <a:avLst/>
+          </a:prstGeom>
+          <a:ln w="38100" cap="sq">
+            <a:solidFill>
+              <a:schemeClr val="tx1"/>
+            </a:solidFill>
+            <a:headEnd type="triangle" w="lg" len="med"/>
+            <a:tailEnd type="none" w="lg" len="med"/>
+          </a:ln>
+        </p:spPr>
+        <p:style>
+          <a:lnRef idx="1">
+            <a:schemeClr val="accent1"/>
+          </a:lnRef>
+          <a:fillRef idx="0">
+            <a:schemeClr val="accent1"/>
+          </a:fillRef>
+          <a:effectRef idx="0">
+            <a:schemeClr val="accent1"/>
+          </a:effectRef>
+          <a:fontRef idx="minor">
+            <a:schemeClr val="tx1"/>
+          </a:fontRef>
+        </p:style>
+      </p:cxnSp>
+      <p:grpSp>
+        <p:nvGrpSpPr>
+          <p:cNvPr id="233" name="Group 232"/>
+          <p:cNvGrpSpPr>
+            <a:grpSpLocks noChangeAspect="1"/>
+          </p:cNvGrpSpPr>
+          <p:nvPr/>
+        </p:nvGrpSpPr>
+        <p:grpSpPr>
+          <a:xfrm>
+            <a:off x="822960" y="5549765"/>
+            <a:ext cx="1188720" cy="860560"/>
+            <a:chOff x="914400" y="5692739"/>
+            <a:chExt cx="1188720" cy="860560"/>
+          </a:xfrm>
+        </p:grpSpPr>
+        <p:sp>
+          <p:nvSpPr>
+            <p:cNvPr id="141" name="Rectangle 140"/>
+            <p:cNvSpPr/>
+            <p:nvPr/>
+          </p:nvSpPr>
+          <p:spPr>
+            <a:xfrm>
+              <a:off x="914400" y="5897880"/>
+              <a:ext cx="1188720" cy="548640"/>
+            </a:xfrm>
+            <a:prstGeom prst="rect">
+              <a:avLst/>
+            </a:prstGeom>
+            <a:noFill/>
+            <a:ln w="38100" cap="sq">
+              <a:solidFill>
+                <a:schemeClr val="tx1"/>
+              </a:solidFill>
+              <a:miter lim="800000"/>
+            </a:ln>
+          </p:spPr>
+          <p:style>
+            <a:lnRef idx="2">
+              <a:schemeClr val="accent1">
+                <a:shade val="50000"/>
+              </a:schemeClr>
+            </a:lnRef>
+            <a:fillRef idx="1">
+              <a:schemeClr val="accent1"/>
+            </a:fillRef>
+            <a:effectRef idx="0">
+              <a:schemeClr val="accent1"/>
+            </a:effectRef>
+            <a:fontRef idx="minor">
+              <a:schemeClr val="lt1"/>
+            </a:fontRef>
+          </p:style>
+          <p:txBody>
+            <a:bodyPr rtlCol="0" anchor="ctr">
+              <a:noAutofit/>
+            </a:bodyPr>
+            <a:lstStyle/>
+            <a:p>
+              <a:pPr algn="ctr"/>
+              <a:endParaRPr lang="en-US" dirty="0">
+                <a:solidFill>
+                  <a:schemeClr val="tx1"/>
+                </a:solidFill>
+                <a:latin typeface="Tahoma" pitchFamily="34" charset="0"/>
+                <a:ea typeface="Tahoma" pitchFamily="34" charset="0"/>
+                <a:cs typeface="Tahoma" pitchFamily="34" charset="0"/>
+              </a:endParaRPr>
             </a:p>
           </p:txBody>
         </p:sp>
         <p:sp>
           <p:nvSpPr>
-            <p:cNvPr id="50" name="Oval 49"/>
+            <p:cNvPr id="146" name="Rectangle 145"/>
             <p:cNvSpPr/>
             <p:nvPr/>
           </p:nvSpPr>
           <p:spPr>
-            <a:xfrm>
-              <a:off x="3657600" y="5989320"/>
-              <a:ext cx="365760" cy="365760"/>
+            <a:xfrm rot="2121328">
+              <a:off x="1430023" y="5998189"/>
+              <a:ext cx="90696" cy="555110"/>
             </a:xfrm>
-            <a:prstGeom prst="ellipse">
+            <a:prstGeom prst="rect">
               <a:avLst/>
             </a:prstGeom>
-            <a:noFill/>
-            <a:ln w="28575" cap="sq">
+            <a:solidFill>
+              <a:schemeClr val="bg1"/>
+            </a:solidFill>
+            <a:ln w="38100" cap="sq">
               <a:solidFill>
-                <a:schemeClr val="tx1"/>
+                <a:schemeClr val="bg1"/>
               </a:solidFill>
               <a:miter lim="800000"/>
             </a:ln>
@@ -4755,155 +9181,24 @@
         </p:sp>
         <p:sp>
           <p:nvSpPr>
-            <p:cNvPr id="51" name="Oval 50"/>
+            <p:cNvPr id="142" name="Rectangle 141"/>
             <p:cNvSpPr/>
             <p:nvPr/>
           </p:nvSpPr>
           <p:spPr>
-            <a:xfrm>
-              <a:off x="5120640" y="5989320"/>
-              <a:ext cx="365760" cy="365760"/>
+            <a:xfrm rot="2121328">
+              <a:off x="1468078" y="5692739"/>
+              <a:ext cx="90696" cy="555110"/>
             </a:xfrm>
-            <a:prstGeom prst="ellipse">
-              <a:avLst/>
-            </a:prstGeom>
-            <a:noFill/>
-            <a:ln w="28575" cap="sq">
-              <a:solidFill>
-                <a:schemeClr val="tx1"/>
-              </a:solidFill>
-              <a:miter lim="800000"/>
-            </a:ln>
-          </p:spPr>
-          <p:style>
-            <a:lnRef idx="2">
-              <a:schemeClr val="accent1">
-                <a:shade val="50000"/>
-              </a:schemeClr>
-            </a:lnRef>
-            <a:fillRef idx="1">
-              <a:schemeClr val="accent1"/>
-            </a:fillRef>
-            <a:effectRef idx="0">
-              <a:schemeClr val="accent1"/>
-            </a:effectRef>
-            <a:fontRef idx="minor">
-              <a:schemeClr val="lt1"/>
-            </a:fontRef>
-          </p:style>
-          <p:txBody>
-            <a:bodyPr rtlCol="0" anchor="ctr">
-              <a:noAutofit/>
-            </a:bodyPr>
-            <a:lstStyle/>
-            <a:p>
-              <a:pPr algn="ctr"/>
-              <a:endParaRPr lang="en-US" dirty="0" smtClean="0">
-                <a:solidFill>
-                  <a:schemeClr val="tx1"/>
-                </a:solidFill>
-                <a:latin typeface="Tahoma" pitchFamily="34" charset="0"/>
-                <a:ea typeface="Tahoma" pitchFamily="34" charset="0"/>
-                <a:cs typeface="Tahoma" pitchFamily="34" charset="0"/>
-              </a:endParaRPr>
-            </a:p>
-          </p:txBody>
-        </p:sp>
-        <p:cxnSp>
-          <p:nvCxnSpPr>
-            <p:cNvPr id="53" name="Straight Connector 52"/>
-            <p:cNvCxnSpPr>
-              <a:stCxn id="50" idx="6"/>
-              <a:endCxn id="56" idx="2"/>
-            </p:cNvCxnSpPr>
-            <p:nvPr/>
-          </p:nvCxnSpPr>
-          <p:spPr>
-            <a:xfrm>
-              <a:off x="4023360" y="6172200"/>
-              <a:ext cx="457200" cy="0"/>
-            </a:xfrm>
-            <a:prstGeom prst="line">
-              <a:avLst/>
-            </a:prstGeom>
-            <a:ln w="28575">
-              <a:solidFill>
-                <a:schemeClr val="tx1"/>
-              </a:solidFill>
-            </a:ln>
-          </p:spPr>
-          <p:style>
-            <a:lnRef idx="1">
-              <a:schemeClr val="accent1"/>
-            </a:lnRef>
-            <a:fillRef idx="0">
-              <a:schemeClr val="accent1"/>
-            </a:fillRef>
-            <a:effectRef idx="0">
-              <a:schemeClr val="accent1"/>
-            </a:effectRef>
-            <a:fontRef idx="minor">
-              <a:schemeClr val="tx1"/>
-            </a:fontRef>
-          </p:style>
-        </p:cxnSp>
-        <p:cxnSp>
-          <p:nvCxnSpPr>
-            <p:cNvPr id="54" name="Straight Connector 53"/>
-            <p:cNvCxnSpPr>
-              <a:endCxn id="51" idx="2"/>
-            </p:cNvCxnSpPr>
-            <p:nvPr/>
-          </p:nvCxnSpPr>
-          <p:spPr>
-            <a:xfrm>
-              <a:off x="4754880" y="6172200"/>
-              <a:ext cx="365760" cy="0"/>
-            </a:xfrm>
-            <a:prstGeom prst="line">
-              <a:avLst/>
-            </a:prstGeom>
-            <a:ln w="28575">
-              <a:solidFill>
-                <a:schemeClr val="tx1"/>
-              </a:solidFill>
-            </a:ln>
-          </p:spPr>
-          <p:style>
-            <a:lnRef idx="1">
-              <a:schemeClr val="accent1"/>
-            </a:lnRef>
-            <a:fillRef idx="0">
-              <a:schemeClr val="accent1"/>
-            </a:fillRef>
-            <a:effectRef idx="0">
-              <a:schemeClr val="accent1"/>
-            </a:effectRef>
-            <a:fontRef idx="minor">
-              <a:schemeClr val="tx1"/>
-            </a:fontRef>
-          </p:style>
-        </p:cxnSp>
-        <p:sp>
-          <p:nvSpPr>
-            <p:cNvPr id="56" name="Oval 55"/>
-            <p:cNvSpPr/>
-            <p:nvPr/>
-          </p:nvSpPr>
-          <p:spPr>
-            <a:xfrm>
-              <a:off x="4480560" y="6080760"/>
-              <a:ext cx="182880" cy="182880"/>
-            </a:xfrm>
-            <a:prstGeom prst="ellipse">
+            <a:prstGeom prst="rect">
               <a:avLst/>
             </a:prstGeom>
             <a:solidFill>
-              <a:schemeClr val="tx1"/>
+              <a:schemeClr val="bg1"/>
             </a:solidFill>
-            <a:ln w="28575" cap="sq">
+            <a:ln w="38100" cap="sq">
               <a:solidFill>
-                <a:schemeClr val="tx1"/>
+                <a:schemeClr val="bg1"/>
               </a:solidFill>
               <a:miter lim="800000"/>
             </a:ln>
@@ -4939,178 +9234,196 @@
             </a:p>
           </p:txBody>
         </p:sp>
-        <p:cxnSp>
-          <p:nvCxnSpPr>
-            <p:cNvPr id="65" name="Straight Connector 64"/>
-            <p:cNvCxnSpPr/>
+        <p:pic>
+          <p:nvPicPr>
+            <p:cNvPr id="1032" name="Picture 8" descr="D:\projects\Marmote\PowerBoard\Misc\Battery.png"/>
+            <p:cNvPicPr>
+              <a:picLocks noChangeAspect="1" noChangeArrowheads="1"/>
+            </p:cNvPicPr>
             <p:nvPr/>
-          </p:nvCxnSpPr>
+          </p:nvPicPr>
+          <p:blipFill>
+            <a:blip r:embed="rId6" cstate="print"/>
+            <a:stretch>
+              <a:fillRect/>
+            </a:stretch>
+          </p:blipFill>
+          <p:spPr bwMode="auto">
+            <a:xfrm rot="5400000">
+              <a:off x="1153612" y="5857692"/>
+              <a:ext cx="654416" cy="629920"/>
+            </a:xfrm>
+            <a:prstGeom prst="rect">
+              <a:avLst/>
+            </a:prstGeom>
+            <a:noFill/>
+            <a:ln w="0">
+              <a:solidFill>
+                <a:schemeClr val="bg1"/>
+              </a:solidFill>
+            </a:ln>
+          </p:spPr>
+        </p:pic>
+      </p:grpSp>
+      <p:cxnSp>
+        <p:nvCxnSpPr>
+          <p:cNvPr id="149" name="Straight Arrow Connector 148"/>
+          <p:cNvCxnSpPr/>
+          <p:nvPr/>
+        </p:nvCxnSpPr>
+        <p:spPr>
+          <a:xfrm rot="10800000">
+            <a:off x="2011680" y="4983480"/>
+            <a:ext cx="1828800" cy="1588"/>
+          </a:xfrm>
+          <a:prstGeom prst="straightConnector1">
+            <a:avLst/>
+          </a:prstGeom>
+          <a:ln w="38100">
+            <a:solidFill>
+              <a:schemeClr val="tx1"/>
+            </a:solidFill>
+            <a:headEnd type="triangle" w="lg" len="med"/>
+            <a:tailEnd type="none" w="lg" len="med"/>
+          </a:ln>
+        </p:spPr>
+        <p:style>
+          <a:lnRef idx="1">
+            <a:schemeClr val="accent1"/>
+          </a:lnRef>
+          <a:fillRef idx="0">
+            <a:schemeClr val="accent1"/>
+          </a:fillRef>
+          <a:effectRef idx="0">
+            <a:schemeClr val="accent1"/>
+          </a:effectRef>
+          <a:fontRef idx="minor">
+            <a:schemeClr val="tx1"/>
+          </a:fontRef>
+        </p:style>
+      </p:cxnSp>
+      <p:grpSp>
+        <p:nvGrpSpPr>
+          <p:cNvPr id="171" name="Group 170"/>
+          <p:cNvGrpSpPr/>
+          <p:nvPr/>
+        </p:nvGrpSpPr>
+        <p:grpSpPr>
+          <a:xfrm>
+            <a:off x="3840480" y="4343400"/>
+            <a:ext cx="1280160" cy="1280160"/>
+            <a:chOff x="4114800" y="4937760"/>
+            <a:chExt cx="914400" cy="914400"/>
+          </a:xfrm>
+        </p:grpSpPr>
+        <p:sp>
+          <p:nvSpPr>
+            <p:cNvPr id="12" name="Rectangle 11"/>
+            <p:cNvSpPr/>
+            <p:nvPr/>
+          </p:nvSpPr>
           <p:spPr>
             <a:xfrm>
-              <a:off x="3749040" y="6172200"/>
-              <a:ext cx="182880" cy="0"/>
+              <a:off x="4114800" y="4937760"/>
+              <a:ext cx="914400" cy="914400"/>
             </a:xfrm>
-            <a:prstGeom prst="line">
+            <a:prstGeom prst="rect">
               <a:avLst/>
             </a:prstGeom>
-            <a:ln w="28575">
+            <a:noFill/>
+            <a:ln w="38100" cap="sq">
               <a:solidFill>
                 <a:schemeClr val="tx1"/>
               </a:solidFill>
+              <a:miter lim="800000"/>
             </a:ln>
           </p:spPr>
           <p:style>
-            <a:lnRef idx="1">
-              <a:schemeClr val="accent1"/>
+            <a:lnRef idx="2">
+              <a:schemeClr val="accent1">
+                <a:shade val="50000"/>
+              </a:schemeClr>
             </a:lnRef>
-            <a:fillRef idx="0">
+            <a:fillRef idx="1">
               <a:schemeClr val="accent1"/>
             </a:fillRef>
             <a:effectRef idx="0">
               <a:schemeClr val="accent1"/>
             </a:effectRef>
             <a:fontRef idx="minor">
-              <a:schemeClr val="tx1"/>
+              <a:schemeClr val="lt1"/>
             </a:fontRef>
           </p:style>
-        </p:cxnSp>
-        <p:cxnSp>
-          <p:nvCxnSpPr>
-            <p:cNvPr id="68" name="Straight Connector 67"/>
-            <p:cNvCxnSpPr/>
+          <p:txBody>
+            <a:bodyPr rtlCol="0" anchor="ctr">
+              <a:noAutofit/>
+            </a:bodyPr>
+            <a:lstStyle/>
+            <a:p>
+              <a:pPr algn="ctr"/>
+              <a:r>
+                <a:rPr lang="en-US" dirty="0" smtClean="0">
+                  <a:solidFill>
+                    <a:schemeClr val="tx1"/>
+                  </a:solidFill>
+                  <a:latin typeface="Tahoma" pitchFamily="34" charset="0"/>
+                  <a:ea typeface="Tahoma" pitchFamily="34" charset="0"/>
+                  <a:cs typeface="Tahoma" pitchFamily="34" charset="0"/>
+                </a:rPr>
+                <a:t>PMIC</a:t>
+              </a:r>
+              <a:endParaRPr lang="en-US" dirty="0">
+                <a:solidFill>
+                  <a:schemeClr val="tx1"/>
+                </a:solidFill>
+                <a:latin typeface="Tahoma" pitchFamily="34" charset="0"/>
+                <a:ea typeface="Tahoma" pitchFamily="34" charset="0"/>
+                <a:cs typeface="Tahoma" pitchFamily="34" charset="0"/>
+              </a:endParaRPr>
+            </a:p>
+          </p:txBody>
+        </p:sp>
+        <p:pic>
+          <p:nvPicPr>
+            <p:cNvPr id="1033" name="Picture 9" descr="D:\projects\Marmote\PowerBoard\Misc\LLTC.png"/>
+            <p:cNvPicPr>
+              <a:picLocks noChangeAspect="1" noChangeArrowheads="1"/>
+            </p:cNvPicPr>
             <p:nvPr/>
-          </p:nvCxnSpPr>
-          <p:spPr>
+          </p:nvPicPr>
+          <p:blipFill>
+            <a:blip r:embed="rId7" cstate="print">
+              <a:grayscl/>
+            </a:blip>
+            <a:srcRect/>
+            <a:stretch>
+              <a:fillRect/>
+            </a:stretch>
+          </p:blipFill>
+          <p:spPr bwMode="auto">
             <a:xfrm>
-              <a:off x="5212080" y="6172200"/>
-              <a:ext cx="182880" cy="0"/>
+              <a:off x="4170997" y="4983480"/>
+              <a:ext cx="802005" cy="802005"/>
             </a:xfrm>
-            <a:prstGeom prst="line">
+            <a:prstGeom prst="rect">
               <a:avLst/>
             </a:prstGeom>
-            <a:ln w="28575">
-              <a:solidFill>
-                <a:schemeClr val="tx1"/>
-              </a:solidFill>
-            </a:ln>
+            <a:noFill/>
           </p:spPr>
-          <p:style>
-            <a:lnRef idx="1">
-              <a:schemeClr val="accent1"/>
-            </a:lnRef>
-            <a:fillRef idx="0">
-              <a:schemeClr val="accent1"/>
-            </a:fillRef>
-            <a:effectRef idx="0">
-              <a:schemeClr val="accent1"/>
-            </a:effectRef>
-            <a:fontRef idx="minor">
-              <a:schemeClr val="tx1"/>
-            </a:fontRef>
-          </p:style>
-        </p:cxnSp>
-        <p:cxnSp>
-          <p:nvCxnSpPr>
-            <p:cNvPr id="71" name="Straight Connector 70"/>
-            <p:cNvCxnSpPr/>
-            <p:nvPr/>
-          </p:nvCxnSpPr>
-          <p:spPr>
-            <a:xfrm rot="5400000" flipH="1" flipV="1">
-              <a:off x="3749040" y="6172200"/>
-              <a:ext cx="182880" cy="0"/>
-            </a:xfrm>
-            <a:prstGeom prst="line">
-              <a:avLst/>
-            </a:prstGeom>
-            <a:ln w="28575">
-              <a:solidFill>
-                <a:schemeClr val="tx1"/>
-              </a:solidFill>
-            </a:ln>
-          </p:spPr>
-          <p:style>
-            <a:lnRef idx="1">
-              <a:schemeClr val="accent1"/>
-            </a:lnRef>
-            <a:fillRef idx="0">
-              <a:schemeClr val="accent1"/>
-            </a:fillRef>
-            <a:effectRef idx="0">
-              <a:schemeClr val="accent1"/>
-            </a:effectRef>
-            <a:fontRef idx="minor">
-              <a:schemeClr val="tx1"/>
-            </a:fontRef>
-          </p:style>
-        </p:cxnSp>
+        </p:pic>
       </p:grpSp>
-      <p:sp>
-        <p:nvSpPr>
-          <p:cNvPr id="88" name="Rectangle 87"/>
-          <p:cNvSpPr/>
-          <p:nvPr/>
-        </p:nvSpPr>
-        <p:spPr>
-          <a:xfrm>
-            <a:off x="914400" y="4892040"/>
-            <a:ext cx="1188720" cy="548640"/>
-          </a:xfrm>
-          <a:prstGeom prst="rect">
-            <a:avLst/>
-          </a:prstGeom>
-          <a:noFill/>
-          <a:ln w="38100" cap="sq">
-            <a:solidFill>
-              <a:schemeClr val="tx1"/>
-            </a:solidFill>
-            <a:miter lim="800000"/>
-          </a:ln>
-        </p:spPr>
-        <p:style>
-          <a:lnRef idx="2">
-            <a:schemeClr val="accent1">
-              <a:shade val="50000"/>
-            </a:schemeClr>
-          </a:lnRef>
-          <a:fillRef idx="1">
-            <a:schemeClr val="accent1"/>
-          </a:fillRef>
-          <a:effectRef idx="0">
-            <a:schemeClr val="accent1"/>
-          </a:effectRef>
-          <a:fontRef idx="minor">
-            <a:schemeClr val="lt1"/>
-          </a:fontRef>
-        </p:style>
-        <p:txBody>
-          <a:bodyPr rtlCol="0" anchor="ctr">
-            <a:noAutofit/>
-          </a:bodyPr>
-          <a:lstStyle/>
-          <a:p>
-            <a:pPr algn="ctr"/>
-            <a:endParaRPr lang="en-US" dirty="0">
-              <a:solidFill>
-                <a:schemeClr val="tx1"/>
-              </a:solidFill>
-              <a:latin typeface="Tahoma" pitchFamily="34" charset="0"/>
-              <a:ea typeface="Tahoma" pitchFamily="34" charset="0"/>
-              <a:cs typeface="Tahoma" pitchFamily="34" charset="0"/>
-            </a:endParaRPr>
-          </a:p>
-        </p:txBody>
-      </p:sp>
       <p:cxnSp>
         <p:nvCxnSpPr>
-          <p:cNvPr id="105" name="Straight Arrow Connector 104"/>
-          <p:cNvCxnSpPr/>
+          <p:cNvPr id="172" name="Straight Arrow Connector 171"/>
+          <p:cNvCxnSpPr>
+            <a:endCxn id="118" idx="2"/>
+          </p:cNvCxnSpPr>
           <p:nvPr/>
         </p:nvCxnSpPr>
         <p:spPr>
-          <a:xfrm rot="10800000">
-            <a:off x="5486400" y="2926080"/>
-            <a:ext cx="960120" cy="1588"/>
+          <a:xfrm rot="5400000" flipH="1" flipV="1">
+            <a:off x="7292340" y="3040380"/>
+            <a:ext cx="228600" cy="1588"/>
           </a:xfrm>
           <a:prstGeom prst="straightConnector1">
             <a:avLst/>
@@ -5138,37 +9451,346 @@
           </a:fontRef>
         </p:style>
       </p:cxnSp>
-      <p:pic>
-        <p:nvPicPr>
-          <p:cNvPr id="1032" name="Picture 8" descr="D:\projects\Marmote\PowerBoard\Misc\Battery.png"/>
-          <p:cNvPicPr>
-            <a:picLocks noChangeAspect="1" noChangeArrowheads="1"/>
-          </p:cNvPicPr>
+      <p:cxnSp>
+        <p:nvCxnSpPr>
+          <p:cNvPr id="200" name="Straight Arrow Connector 199"/>
+          <p:cNvCxnSpPr/>
           <p:nvPr/>
-        </p:nvPicPr>
-        <p:blipFill>
-          <a:blip r:embed="rId6" cstate="print"/>
-          <a:srcRect/>
-          <a:stretch>
-            <a:fillRect/>
-          </a:stretch>
-        </p:blipFill>
-        <p:spPr bwMode="auto">
+        </p:nvCxnSpPr>
+        <p:spPr>
+          <a:xfrm rot="10800000">
+            <a:off x="2331720" y="4617720"/>
+            <a:ext cx="1508760" cy="1588"/>
+          </a:xfrm>
+          <a:prstGeom prst="straightConnector1">
+            <a:avLst/>
+          </a:prstGeom>
+          <a:ln w="38100" cap="sq">
+            <a:solidFill>
+              <a:schemeClr val="tx1"/>
+            </a:solidFill>
+            <a:headEnd type="triangle" w="lg" len="med"/>
+            <a:tailEnd type="none" w="lg" len="med"/>
+          </a:ln>
+        </p:spPr>
+        <p:style>
+          <a:lnRef idx="1">
+            <a:schemeClr val="accent1"/>
+          </a:lnRef>
+          <a:fillRef idx="0">
+            <a:schemeClr val="accent1"/>
+          </a:fillRef>
+          <a:effectRef idx="0">
+            <a:schemeClr val="accent1"/>
+          </a:effectRef>
+          <a:fontRef idx="minor">
+            <a:schemeClr val="tx1"/>
+          </a:fontRef>
+        </p:style>
+      </p:cxnSp>
+      <p:cxnSp>
+        <p:nvCxnSpPr>
+          <p:cNvPr id="204" name="Straight Connector 203"/>
+          <p:cNvCxnSpPr/>
+          <p:nvPr/>
+        </p:nvCxnSpPr>
+        <p:spPr>
+          <a:xfrm rot="5400000" flipH="1" flipV="1">
+            <a:off x="2011680" y="4297680"/>
+            <a:ext cx="640080" cy="0"/>
+          </a:xfrm>
+          <a:prstGeom prst="line">
+            <a:avLst/>
+          </a:prstGeom>
+          <a:ln w="38100" cap="sq">
+            <a:solidFill>
+              <a:schemeClr val="tx1"/>
+            </a:solidFill>
+            <a:headEnd type="none" w="lg" len="med"/>
+            <a:tailEnd type="oval" w="med" len="med"/>
+          </a:ln>
+        </p:spPr>
+        <p:style>
+          <a:lnRef idx="1">
+            <a:schemeClr val="accent1"/>
+          </a:lnRef>
+          <a:fillRef idx="0">
+            <a:schemeClr val="accent1"/>
+          </a:fillRef>
+          <a:effectRef idx="0">
+            <a:schemeClr val="accent1"/>
+          </a:effectRef>
+          <a:fontRef idx="minor">
+            <a:schemeClr val="tx1"/>
+          </a:fontRef>
+        </p:style>
+      </p:cxnSp>
+      <p:sp>
+        <p:nvSpPr>
+          <p:cNvPr id="215" name="Rectangle 214"/>
+          <p:cNvSpPr/>
+          <p:nvPr/>
+        </p:nvSpPr>
+        <p:spPr>
           <a:xfrm>
-            <a:off x="1143000" y="5623560"/>
-            <a:ext cx="741680" cy="741680"/>
+            <a:off x="5763533" y="1371600"/>
+            <a:ext cx="1094467" cy="307777"/>
           </a:xfrm>
           <a:prstGeom prst="rect">
             <a:avLst/>
           </a:prstGeom>
-          <a:noFill/>
+        </p:spPr>
+        <p:txBody>
+          <a:bodyPr wrap="none">
+            <a:spAutoFit/>
+          </a:bodyPr>
+          <a:lstStyle/>
+          <a:p>
+            <a:pPr algn="r"/>
+            <a:r>
+              <a:rPr lang="en-US" sz="1400" dirty="0" smtClean="0">
+                <a:latin typeface="Tahoma" pitchFamily="34" charset="0"/>
+                <a:ea typeface="Tahoma" pitchFamily="34" charset="0"/>
+                <a:cs typeface="Tahoma" pitchFamily="34" charset="0"/>
+              </a:rPr>
+              <a:t>Power Rails</a:t>
+            </a:r>
+            <a:endParaRPr lang="en-US" sz="1400" dirty="0">
+              <a:latin typeface="Tahoma" pitchFamily="34" charset="0"/>
+              <a:ea typeface="Tahoma" pitchFamily="34" charset="0"/>
+              <a:cs typeface="Tahoma" pitchFamily="34" charset="0"/>
+            </a:endParaRPr>
+          </a:p>
+        </p:txBody>
+      </p:sp>
+      <p:cxnSp>
+        <p:nvCxnSpPr>
+          <p:cNvPr id="219" name="Straight Arrow Connector 218"/>
+          <p:cNvCxnSpPr>
+            <a:stCxn id="118" idx="0"/>
+          </p:cNvCxnSpPr>
+          <p:nvPr/>
+        </p:nvCxnSpPr>
+        <p:spPr>
+          <a:xfrm rot="5400000" flipH="1" flipV="1">
+            <a:off x="7063740" y="2034540"/>
+            <a:ext cx="685800" cy="1588"/>
+          </a:xfrm>
+          <a:prstGeom prst="straightConnector1">
+            <a:avLst/>
+          </a:prstGeom>
           <a:ln w="38100">
             <a:solidFill>
               <a:schemeClr val="tx1"/>
             </a:solidFill>
+            <a:headEnd type="none" w="lg" len="med"/>
+            <a:tailEnd type="none" w="lg" len="med"/>
           </a:ln>
         </p:spPr>
-      </p:pic>
+        <p:style>
+          <a:lnRef idx="1">
+            <a:schemeClr val="accent1"/>
+          </a:lnRef>
+          <a:fillRef idx="0">
+            <a:schemeClr val="accent1"/>
+          </a:fillRef>
+          <a:effectRef idx="0">
+            <a:schemeClr val="accent1"/>
+          </a:effectRef>
+          <a:fontRef idx="minor">
+            <a:schemeClr val="tx1"/>
+          </a:fontRef>
+        </p:style>
+      </p:cxnSp>
+      <p:cxnSp>
+        <p:nvCxnSpPr>
+          <p:cNvPr id="220" name="Straight Arrow Connector 219"/>
+          <p:cNvCxnSpPr/>
+          <p:nvPr/>
+        </p:nvCxnSpPr>
+        <p:spPr>
+          <a:xfrm rot="10800000">
+            <a:off x="5212080" y="1691640"/>
+            <a:ext cx="2194560" cy="1588"/>
+          </a:xfrm>
+          <a:prstGeom prst="straightConnector1">
+            <a:avLst/>
+          </a:prstGeom>
+          <a:ln w="38100" cap="sq">
+            <a:solidFill>
+              <a:schemeClr val="tx1"/>
+            </a:solidFill>
+            <a:headEnd type="none" w="lg" len="med"/>
+            <a:tailEnd type="none" w="lg" len="med"/>
+          </a:ln>
+        </p:spPr>
+        <p:style>
+          <a:lnRef idx="1">
+            <a:schemeClr val="accent1"/>
+          </a:lnRef>
+          <a:fillRef idx="0">
+            <a:schemeClr val="accent1"/>
+          </a:fillRef>
+          <a:effectRef idx="0">
+            <a:schemeClr val="accent1"/>
+          </a:effectRef>
+          <a:fontRef idx="minor">
+            <a:schemeClr val="tx1"/>
+          </a:fontRef>
+        </p:style>
+      </p:cxnSp>
+      <p:cxnSp>
+        <p:nvCxnSpPr>
+          <p:cNvPr id="235" name="Straight Arrow Connector 234"/>
+          <p:cNvCxnSpPr/>
+          <p:nvPr/>
+        </p:nvCxnSpPr>
+        <p:spPr>
+          <a:xfrm rot="10800000">
+            <a:off x="2331720" y="5350828"/>
+            <a:ext cx="1508760" cy="1588"/>
+          </a:xfrm>
+          <a:prstGeom prst="straightConnector1">
+            <a:avLst/>
+          </a:prstGeom>
+          <a:ln w="38100" cap="sq">
+            <a:solidFill>
+              <a:schemeClr val="tx1"/>
+            </a:solidFill>
+            <a:headEnd type="triangle" w="lg" len="med"/>
+            <a:tailEnd type="none" w="lg" len="med"/>
+          </a:ln>
+        </p:spPr>
+        <p:style>
+          <a:lnRef idx="1">
+            <a:schemeClr val="accent1"/>
+          </a:lnRef>
+          <a:fillRef idx="0">
+            <a:schemeClr val="accent1"/>
+          </a:fillRef>
+          <a:effectRef idx="0">
+            <a:schemeClr val="accent1"/>
+          </a:effectRef>
+          <a:fontRef idx="minor">
+            <a:schemeClr val="tx1"/>
+          </a:fontRef>
+        </p:style>
+      </p:cxnSp>
+      <p:cxnSp>
+        <p:nvCxnSpPr>
+          <p:cNvPr id="239" name="Straight Arrow Connector 238"/>
+          <p:cNvCxnSpPr/>
+          <p:nvPr/>
+        </p:nvCxnSpPr>
+        <p:spPr>
+          <a:xfrm rot="5400000" flipH="1" flipV="1">
+            <a:off x="1989614" y="5691346"/>
+            <a:ext cx="685800" cy="1588"/>
+          </a:xfrm>
+          <a:prstGeom prst="straightConnector1">
+            <a:avLst/>
+          </a:prstGeom>
+          <a:ln w="38100">
+            <a:solidFill>
+              <a:schemeClr val="tx1"/>
+            </a:solidFill>
+            <a:headEnd type="none" w="lg" len="med"/>
+            <a:tailEnd type="none" w="lg" len="med"/>
+          </a:ln>
+        </p:spPr>
+        <p:style>
+          <a:lnRef idx="1">
+            <a:schemeClr val="accent1"/>
+          </a:lnRef>
+          <a:fillRef idx="0">
+            <a:schemeClr val="accent1"/>
+          </a:fillRef>
+          <a:effectRef idx="0">
+            <a:schemeClr val="accent1"/>
+          </a:effectRef>
+          <a:fontRef idx="minor">
+            <a:schemeClr val="tx1"/>
+          </a:fontRef>
+        </p:style>
+      </p:cxnSp>
+      <p:cxnSp>
+        <p:nvCxnSpPr>
+          <p:cNvPr id="241" name="Straight Arrow Connector 240"/>
+          <p:cNvCxnSpPr/>
+          <p:nvPr/>
+        </p:nvCxnSpPr>
+        <p:spPr>
+          <a:xfrm>
+            <a:off x="2011680" y="6033452"/>
+            <a:ext cx="320040" cy="1588"/>
+          </a:xfrm>
+          <a:prstGeom prst="straightConnector1">
+            <a:avLst/>
+          </a:prstGeom>
+          <a:ln w="38100" cap="sq">
+            <a:solidFill>
+              <a:schemeClr val="tx1"/>
+            </a:solidFill>
+            <a:headEnd type="none" w="lg" len="med"/>
+            <a:tailEnd type="none" w="lg" len="med"/>
+          </a:ln>
+        </p:spPr>
+        <p:style>
+          <a:lnRef idx="1">
+            <a:schemeClr val="accent1"/>
+          </a:lnRef>
+          <a:fillRef idx="0">
+            <a:schemeClr val="accent1"/>
+          </a:fillRef>
+          <a:effectRef idx="0">
+            <a:schemeClr val="accent1"/>
+          </a:effectRef>
+          <a:fontRef idx="minor">
+            <a:schemeClr val="tx1"/>
+          </a:fontRef>
+        </p:style>
+      </p:cxnSp>
+    </p:spTree>
+  </p:cSld>
+  <p:clrMapOvr>
+    <a:masterClrMapping/>
+  </p:clrMapOvr>
+</p:sld>
+</file>
+
+<file path=ppt/slides/slide2.xml><?xml version="1.0" encoding="utf-8"?>
+<p:sld xmlns:a="http://schemas.openxmlformats.org/drawingml/2006/main" xmlns:r="http://schemas.openxmlformats.org/officeDocument/2006/relationships" xmlns:p="http://schemas.openxmlformats.org/presentationml/2006/main">
+  <p:cSld>
+    <p:spTree>
+      <p:nvGrpSpPr>
+        <p:cNvPr id="1" name=""/>
+        <p:cNvGrpSpPr/>
+        <p:nvPr/>
+      </p:nvGrpSpPr>
+      <p:grpSpPr>
+        <a:xfrm>
+          <a:off x="0" y="0"/>
+          <a:ext cx="0" cy="0"/>
+          <a:chOff x="0" y="0"/>
+          <a:chExt cx="0" cy="0"/>
+        </a:xfrm>
+      </p:grpSpPr>
+      <p:graphicFrame>
+        <p:nvGraphicFramePr>
+          <p:cNvPr id="4" name="Diagram 3"/>
+          <p:cNvGraphicFramePr/>
+          <p:nvPr/>
+        </p:nvGraphicFramePr>
+        <p:xfrm>
+          <a:off x="2880360" y="2274570"/>
+          <a:ext cx="3383280" cy="2308860"/>
+        </p:xfrm>
+        <a:graphic>
+          <a:graphicData uri="http://schemas.openxmlformats.org/drawingml/2006/diagram">
+            <dgm:relIds xmlns:dgm="http://schemas.openxmlformats.org/drawingml/2006/diagram" xmlns:r="http://schemas.openxmlformats.org/officeDocument/2006/relationships" r:dm="rId2" r:lo="rId3" r:qs="rId4" r:cs="rId5"/>
+          </a:graphicData>
+        </a:graphic>
+      </p:graphicFrame>
     </p:spTree>
   </p:cSld>
   <p:clrMapOvr>
@@ -5495,6 +10117,33 @@
         </a:fontRef>
       </a:style>
     </a:spDef>
+    <a:lnDef>
+      <a:spPr>
+        <a:ln w="38100" cap="sq">
+          <a:solidFill>
+            <a:schemeClr val="tx1"/>
+          </a:solidFill>
+          <a:headEnd type="none" w="lg" len="med"/>
+          <a:tailEnd type="none" w="lg" len="med"/>
+        </a:ln>
+      </a:spPr>
+      <a:bodyPr/>
+      <a:lstStyle/>
+      <a:style>
+        <a:lnRef idx="1">
+          <a:schemeClr val="accent1"/>
+        </a:lnRef>
+        <a:fillRef idx="0">
+          <a:schemeClr val="accent1"/>
+        </a:fillRef>
+        <a:effectRef idx="0">
+          <a:schemeClr val="accent1"/>
+        </a:effectRef>
+        <a:fontRef idx="minor">
+          <a:schemeClr val="tx1"/>
+        </a:fontRef>
+      </a:style>
+    </a:lnDef>
   </a:objectDefaults>
   <a:extraClrSchemeLst/>
 </a:theme>

--- a/trunk/hardware/PowerBoard/Misc/BlockDiagram.pptx
+++ b/trunk/hardware/PowerBoard/Misc/BlockDiagram.pptx
@@ -1276,6 +1276,13 @@
         </dgm:presLayoutVars>
       </dgm:prSet>
       <dgm:spPr/>
+      <dgm:t>
+        <a:bodyPr/>
+        <a:lstStyle/>
+        <a:p>
+          <a:endParaRPr lang="en-US"/>
+        </a:p>
+      </dgm:t>
     </dgm:pt>
     <dgm:pt modelId="{CF30C37E-0609-4379-AC1B-3609DAF56A6B}" type="pres">
       <dgm:prSet presAssocID="{1A13F127-3FCD-4EA9-8E72-0D378A0CD30B}" presName="root" presStyleCnt="0"/>
@@ -1288,10 +1295,24 @@
     <dgm:pt modelId="{9108A091-2672-4B4A-8EC9-7BBCD1558DAF}" type="pres">
       <dgm:prSet presAssocID="{1A13F127-3FCD-4EA9-8E72-0D378A0CD30B}" presName="rootText" presStyleLbl="node1" presStyleIdx="0" presStyleCnt="3"/>
       <dgm:spPr/>
+      <dgm:t>
+        <a:bodyPr/>
+        <a:lstStyle/>
+        <a:p>
+          <a:endParaRPr lang="en-US"/>
+        </a:p>
+      </dgm:t>
     </dgm:pt>
     <dgm:pt modelId="{5276D5FB-882E-4BC3-BD19-F4F82706B0E3}" type="pres">
       <dgm:prSet presAssocID="{1A13F127-3FCD-4EA9-8E72-0D378A0CD30B}" presName="rootConnector" presStyleLbl="node1" presStyleIdx="0" presStyleCnt="3"/>
       <dgm:spPr/>
+      <dgm:t>
+        <a:bodyPr/>
+        <a:lstStyle/>
+        <a:p>
+          <a:endParaRPr lang="en-US"/>
+        </a:p>
+      </dgm:t>
     </dgm:pt>
     <dgm:pt modelId="{46E19D99-9F19-4D77-AB42-C5B2EB178A00}" type="pres">
       <dgm:prSet presAssocID="{1A13F127-3FCD-4EA9-8E72-0D378A0CD30B}" presName="childShape" presStyleCnt="0"/>
@@ -1300,6 +1321,13 @@
     <dgm:pt modelId="{D59245B4-7650-49F7-8810-877C15E6D76B}" type="pres">
       <dgm:prSet presAssocID="{19CC21F7-C00A-4852-84CC-6120A969BB78}" presName="Name13" presStyleLbl="parChTrans1D2" presStyleIdx="0" presStyleCnt="6"/>
       <dgm:spPr/>
+      <dgm:t>
+        <a:bodyPr/>
+        <a:lstStyle/>
+        <a:p>
+          <a:endParaRPr lang="en-US"/>
+        </a:p>
+      </dgm:t>
     </dgm:pt>
     <dgm:pt modelId="{1CB56DC1-9241-43A2-A4CC-1878E9CBC42C}" type="pres">
       <dgm:prSet presAssocID="{52463ED4-1741-47B1-A0C6-70DDE405A0F1}" presName="childText" presStyleLbl="bgAcc1" presStyleIdx="0" presStyleCnt="6">
@@ -1308,6 +1336,13 @@
         </dgm:presLayoutVars>
       </dgm:prSet>
       <dgm:spPr/>
+      <dgm:t>
+        <a:bodyPr/>
+        <a:lstStyle/>
+        <a:p>
+          <a:endParaRPr lang="en-US"/>
+        </a:p>
+      </dgm:t>
     </dgm:pt>
     <dgm:pt modelId="{A5F3043F-3AE7-4389-AB4A-C0A6FFA6A6F9}" type="pres">
       <dgm:prSet presAssocID="{184DBD5F-D07D-4F65-ACAE-77D6FCD45332}" presName="root" presStyleCnt="0"/>
@@ -1320,10 +1355,24 @@
     <dgm:pt modelId="{BA964914-75D2-4B0C-B728-3154E50AF5FD}" type="pres">
       <dgm:prSet presAssocID="{184DBD5F-D07D-4F65-ACAE-77D6FCD45332}" presName="rootText" presStyleLbl="node1" presStyleIdx="1" presStyleCnt="3"/>
       <dgm:spPr/>
+      <dgm:t>
+        <a:bodyPr/>
+        <a:lstStyle/>
+        <a:p>
+          <a:endParaRPr lang="en-US"/>
+        </a:p>
+      </dgm:t>
     </dgm:pt>
     <dgm:pt modelId="{06E93A5F-FB84-4FEE-84C8-8856C5C0DAFF}" type="pres">
       <dgm:prSet presAssocID="{184DBD5F-D07D-4F65-ACAE-77D6FCD45332}" presName="rootConnector" presStyleLbl="node1" presStyleIdx="1" presStyleCnt="3"/>
       <dgm:spPr/>
+      <dgm:t>
+        <a:bodyPr/>
+        <a:lstStyle/>
+        <a:p>
+          <a:endParaRPr lang="en-US"/>
+        </a:p>
+      </dgm:t>
     </dgm:pt>
     <dgm:pt modelId="{84128106-13F2-427D-8BD2-68FC24DC8831}" type="pres">
       <dgm:prSet presAssocID="{184DBD5F-D07D-4F65-ACAE-77D6FCD45332}" presName="childShape" presStyleCnt="0"/>
@@ -1332,6 +1381,13 @@
     <dgm:pt modelId="{9D511374-7D7B-4EC8-ADF3-F61D1EE76F2F}" type="pres">
       <dgm:prSet presAssocID="{8C5E4515-7897-4B59-BA3C-6B204E4B0B21}" presName="Name13" presStyleLbl="parChTrans1D2" presStyleIdx="1" presStyleCnt="6"/>
       <dgm:spPr/>
+      <dgm:t>
+        <a:bodyPr/>
+        <a:lstStyle/>
+        <a:p>
+          <a:endParaRPr lang="en-US"/>
+        </a:p>
+      </dgm:t>
     </dgm:pt>
     <dgm:pt modelId="{DC495A99-3CC3-4C44-9CD4-E19127F63245}" type="pres">
       <dgm:prSet presAssocID="{69C617FC-B3A4-43B0-AA97-C2C55FFFDDE2}" presName="childText" presStyleLbl="bgAcc1" presStyleIdx="1" presStyleCnt="6">
@@ -1340,10 +1396,24 @@
         </dgm:presLayoutVars>
       </dgm:prSet>
       <dgm:spPr/>
+      <dgm:t>
+        <a:bodyPr/>
+        <a:lstStyle/>
+        <a:p>
+          <a:endParaRPr lang="en-US"/>
+        </a:p>
+      </dgm:t>
     </dgm:pt>
     <dgm:pt modelId="{B22AED20-DDE9-4F27-98ED-852D664DEE50}" type="pres">
       <dgm:prSet presAssocID="{95668334-1052-40BD-9BC9-ACE06B7C38EE}" presName="Name13" presStyleLbl="parChTrans1D2" presStyleIdx="2" presStyleCnt="6"/>
       <dgm:spPr/>
+      <dgm:t>
+        <a:bodyPr/>
+        <a:lstStyle/>
+        <a:p>
+          <a:endParaRPr lang="en-US"/>
+        </a:p>
+      </dgm:t>
     </dgm:pt>
     <dgm:pt modelId="{222E0677-6280-4BEE-9943-9B6567E1B4A1}" type="pres">
       <dgm:prSet presAssocID="{EE2F25D5-EE39-4923-9E95-DF55A2ED0CFF}" presName="childText" presStyleLbl="bgAcc1" presStyleIdx="2" presStyleCnt="6">
@@ -1352,10 +1422,24 @@
         </dgm:presLayoutVars>
       </dgm:prSet>
       <dgm:spPr/>
+      <dgm:t>
+        <a:bodyPr/>
+        <a:lstStyle/>
+        <a:p>
+          <a:endParaRPr lang="en-US"/>
+        </a:p>
+      </dgm:t>
     </dgm:pt>
     <dgm:pt modelId="{F7D85594-4DA5-4940-BCB2-EDEAB36F297A}" type="pres">
       <dgm:prSet presAssocID="{D45CF7C2-193C-447D-87E7-9237551A695E}" presName="Name13" presStyleLbl="parChTrans1D2" presStyleIdx="3" presStyleCnt="6"/>
       <dgm:spPr/>
+      <dgm:t>
+        <a:bodyPr/>
+        <a:lstStyle/>
+        <a:p>
+          <a:endParaRPr lang="en-US"/>
+        </a:p>
+      </dgm:t>
     </dgm:pt>
     <dgm:pt modelId="{14BE7BAD-7DEF-4568-B44D-40A60342DD0A}" type="pres">
       <dgm:prSet presAssocID="{D5FAD0EC-14BB-437C-9156-6FFEC5F68BE9}" presName="childText" presStyleLbl="bgAcc1" presStyleIdx="3" presStyleCnt="6">
@@ -1364,6 +1448,13 @@
         </dgm:presLayoutVars>
       </dgm:prSet>
       <dgm:spPr/>
+      <dgm:t>
+        <a:bodyPr/>
+        <a:lstStyle/>
+        <a:p>
+          <a:endParaRPr lang="en-US"/>
+        </a:p>
+      </dgm:t>
     </dgm:pt>
     <dgm:pt modelId="{5AE8661B-EBD1-4E1B-99E6-E8084BA2B4A0}" type="pres">
       <dgm:prSet presAssocID="{4B3D22EF-9FB2-49EC-B452-7A67D3E513D0}" presName="root" presStyleCnt="0"/>
@@ -1376,10 +1467,24 @@
     <dgm:pt modelId="{9EE9022C-A1A4-4896-812C-BF67B355D3FC}" type="pres">
       <dgm:prSet presAssocID="{4B3D22EF-9FB2-49EC-B452-7A67D3E513D0}" presName="rootText" presStyleLbl="node1" presStyleIdx="2" presStyleCnt="3"/>
       <dgm:spPr/>
+      <dgm:t>
+        <a:bodyPr/>
+        <a:lstStyle/>
+        <a:p>
+          <a:endParaRPr lang="en-US"/>
+        </a:p>
+      </dgm:t>
     </dgm:pt>
     <dgm:pt modelId="{084B09F3-2CAB-4B90-B51B-ABD8E3716314}" type="pres">
       <dgm:prSet presAssocID="{4B3D22EF-9FB2-49EC-B452-7A67D3E513D0}" presName="rootConnector" presStyleLbl="node1" presStyleIdx="2" presStyleCnt="3"/>
       <dgm:spPr/>
+      <dgm:t>
+        <a:bodyPr/>
+        <a:lstStyle/>
+        <a:p>
+          <a:endParaRPr lang="en-US"/>
+        </a:p>
+      </dgm:t>
     </dgm:pt>
     <dgm:pt modelId="{7D254E27-EFCB-45C4-A2C8-B621A70DACFB}" type="pres">
       <dgm:prSet presAssocID="{4B3D22EF-9FB2-49EC-B452-7A67D3E513D0}" presName="childShape" presStyleCnt="0"/>
@@ -1388,6 +1493,13 @@
     <dgm:pt modelId="{A4DF48BC-C80A-40AA-8875-46B7EC62C64E}" type="pres">
       <dgm:prSet presAssocID="{B6AADEFF-7F66-4768-BEA5-52E2CFC1F4D8}" presName="Name13" presStyleLbl="parChTrans1D2" presStyleIdx="4" presStyleCnt="6"/>
       <dgm:spPr/>
+      <dgm:t>
+        <a:bodyPr/>
+        <a:lstStyle/>
+        <a:p>
+          <a:endParaRPr lang="en-US"/>
+        </a:p>
+      </dgm:t>
     </dgm:pt>
     <dgm:pt modelId="{8B2E1D33-2D90-409B-91CE-DB815A9F16CD}" type="pres">
       <dgm:prSet presAssocID="{191FDAFE-3DB2-49D8-8E5A-D0D7D7EFB174}" presName="childText" presStyleLbl="bgAcc1" presStyleIdx="4" presStyleCnt="6">
@@ -1396,10 +1508,24 @@
         </dgm:presLayoutVars>
       </dgm:prSet>
       <dgm:spPr/>
+      <dgm:t>
+        <a:bodyPr/>
+        <a:lstStyle/>
+        <a:p>
+          <a:endParaRPr lang="en-US"/>
+        </a:p>
+      </dgm:t>
     </dgm:pt>
     <dgm:pt modelId="{7CA3DDAE-BF88-4855-AC2F-E7A514981FE1}" type="pres">
       <dgm:prSet presAssocID="{CE7A1C9F-F000-4BE9-8339-B5791C429FBD}" presName="Name13" presStyleLbl="parChTrans1D2" presStyleIdx="5" presStyleCnt="6"/>
       <dgm:spPr/>
+      <dgm:t>
+        <a:bodyPr/>
+        <a:lstStyle/>
+        <a:p>
+          <a:endParaRPr lang="en-US"/>
+        </a:p>
+      </dgm:t>
     </dgm:pt>
     <dgm:pt modelId="{950149A1-B038-49CC-8E04-F0059BEBE2CB}" type="pres">
       <dgm:prSet presAssocID="{E2216977-CA69-42CE-BA4E-659FB9DBFA81}" presName="childText" presStyleLbl="bgAcc1" presStyleIdx="5" presStyleCnt="6">
@@ -1408,6 +1534,13 @@
         </dgm:presLayoutVars>
       </dgm:prSet>
       <dgm:spPr/>
+      <dgm:t>
+        <a:bodyPr/>
+        <a:lstStyle/>
+        <a:p>
+          <a:endParaRPr lang="en-US"/>
+        </a:p>
+      </dgm:t>
     </dgm:pt>
   </dgm:ptLst>
   <dgm:cxnLst>
@@ -1416,8 +1549,8 @@
     <dgm:cxn modelId="{25B52FB6-7BA1-4D6F-9E09-4DA6D987EEEA}" srcId="{184DBD5F-D07D-4F65-ACAE-77D6FCD45332}" destId="{EE2F25D5-EE39-4923-9E95-DF55A2ED0CFF}" srcOrd="1" destOrd="0" parTransId="{95668334-1052-40BD-9BC9-ACE06B7C38EE}" sibTransId="{56FB40FA-1769-4EAB-ABD7-CBBA82EAD074}"/>
     <dgm:cxn modelId="{7F0020E9-B5C7-44E9-8850-1F446A5CAD19}" srcId="{CF92D740-E519-4C80-BD09-681CDCE4884C}" destId="{4B3D22EF-9FB2-49EC-B452-7A67D3E513D0}" srcOrd="2" destOrd="0" parTransId="{D5DCCF61-0F45-47ED-AD92-4ECDCDB71DD5}" sibTransId="{E7AE43D9-6909-45B0-B374-6AE5D9254D97}"/>
     <dgm:cxn modelId="{AC022202-5120-4DB9-9D5E-65A5ED2556C5}" type="presOf" srcId="{95668334-1052-40BD-9BC9-ACE06B7C38EE}" destId="{B22AED20-DDE9-4F27-98ED-852D664DEE50}" srcOrd="0" destOrd="0" presId="urn:microsoft.com/office/officeart/2005/8/layout/hierarchy3"/>
+    <dgm:cxn modelId="{9A836009-34E3-4A4D-BA23-1537511798EC}" type="presOf" srcId="{191FDAFE-3DB2-49D8-8E5A-D0D7D7EFB174}" destId="{8B2E1D33-2D90-409B-91CE-DB815A9F16CD}" srcOrd="0" destOrd="0" presId="urn:microsoft.com/office/officeart/2005/8/layout/hierarchy3"/>
     <dgm:cxn modelId="{0CC97DB0-69EA-43A8-98A5-2BB401733E98}" type="presOf" srcId="{1A13F127-3FCD-4EA9-8E72-0D378A0CD30B}" destId="{9108A091-2672-4B4A-8EC9-7BBCD1558DAF}" srcOrd="0" destOrd="0" presId="urn:microsoft.com/office/officeart/2005/8/layout/hierarchy3"/>
-    <dgm:cxn modelId="{9A836009-34E3-4A4D-BA23-1537511798EC}" type="presOf" srcId="{191FDAFE-3DB2-49D8-8E5A-D0D7D7EFB174}" destId="{8B2E1D33-2D90-409B-91CE-DB815A9F16CD}" srcOrd="0" destOrd="0" presId="urn:microsoft.com/office/officeart/2005/8/layout/hierarchy3"/>
     <dgm:cxn modelId="{2CE03943-B1C7-46A7-AA4E-0F10FC0111D2}" type="presOf" srcId="{B6AADEFF-7F66-4768-BEA5-52E2CFC1F4D8}" destId="{A4DF48BC-C80A-40AA-8875-46B7EC62C64E}" srcOrd="0" destOrd="0" presId="urn:microsoft.com/office/officeart/2005/8/layout/hierarchy3"/>
     <dgm:cxn modelId="{1237377A-11A6-4374-8A96-10F7395D0139}" type="presOf" srcId="{8C5E4515-7897-4B59-BA3C-6B204E4B0B21}" destId="{9D511374-7D7B-4EC8-ADF3-F61D1EE76F2F}" srcOrd="0" destOrd="0" presId="urn:microsoft.com/office/officeart/2005/8/layout/hierarchy3"/>
     <dgm:cxn modelId="{EEB139A4-82D1-47FF-B43F-2744C9EB1D68}" type="presOf" srcId="{19CC21F7-C00A-4852-84CC-6120A969BB78}" destId="{D59245B4-7650-49F7-8810-877C15E6D76B}" srcOrd="0" destOrd="0" presId="urn:microsoft.com/office/officeart/2005/8/layout/hierarchy3"/>
@@ -1485,1068 +1618,6 @@
       <dsp:cNvGrpSpPr/>
     </dsp:nvGrpSpPr>
     <dsp:grpSpPr/>
-    <dsp:sp modelId="{9108A091-2672-4B4A-8EC9-7BBCD1558DAF}">
-      <dsp:nvSpPr>
-        <dsp:cNvPr id="0" name=""/>
-        <dsp:cNvSpPr/>
-      </dsp:nvSpPr>
-      <dsp:spPr>
-        <a:xfrm>
-          <a:off x="412" y="6811"/>
-          <a:ext cx="966415" cy="483207"/>
-        </a:xfrm>
-        <a:prstGeom prst="roundRect">
-          <a:avLst>
-            <a:gd name="adj" fmla="val 10000"/>
-          </a:avLst>
-        </a:prstGeom>
-        <a:solidFill>
-          <a:schemeClr val="lt1">
-            <a:hueOff val="0"/>
-            <a:satOff val="0"/>
-            <a:lumOff val="0"/>
-            <a:alphaOff val="0"/>
-          </a:schemeClr>
-        </a:solidFill>
-        <a:ln w="25400" cap="flat" cmpd="sng" algn="ctr">
-          <a:solidFill>
-            <a:schemeClr val="dk1">
-              <a:shade val="80000"/>
-              <a:hueOff val="0"/>
-              <a:satOff val="0"/>
-              <a:lumOff val="0"/>
-              <a:alphaOff val="0"/>
-            </a:schemeClr>
-          </a:solidFill>
-          <a:prstDash val="solid"/>
-        </a:ln>
-        <a:effectLst/>
-      </dsp:spPr>
-      <dsp:style>
-        <a:lnRef idx="2">
-          <a:scrgbClr r="0" g="0" b="0"/>
-        </a:lnRef>
-        <a:fillRef idx="1">
-          <a:scrgbClr r="0" g="0" b="0"/>
-        </a:fillRef>
-        <a:effectRef idx="0">
-          <a:scrgbClr r="0" g="0" b="0"/>
-        </a:effectRef>
-        <a:fontRef idx="minor">
-          <a:schemeClr val="lt1"/>
-        </a:fontRef>
-      </dsp:style>
-      <dsp:txBody>
-        <a:bodyPr spcFirstLastPara="0" vert="horz" wrap="square" lIns="26670" tIns="17780" rIns="26670" bIns="17780" numCol="1" spcCol="1270" anchor="ctr" anchorCtr="0">
-          <a:noAutofit/>
-        </a:bodyPr>
-        <a:lstStyle/>
-        <a:p>
-          <a:pPr lvl="0" algn="ctr" defTabSz="622300">
-            <a:lnSpc>
-              <a:spcPct val="90000"/>
-            </a:lnSpc>
-            <a:spcBef>
-              <a:spcPct val="0"/>
-            </a:spcBef>
-            <a:spcAft>
-              <a:spcPct val="35000"/>
-            </a:spcAft>
-          </a:pPr>
-          <a:r>
-            <a:rPr lang="en-US" sz="1400" kern="1200" dirty="0" smtClean="0"/>
-            <a:t>Digital (STM)</a:t>
-          </a:r>
-          <a:endParaRPr lang="en-US" sz="1400" kern="1200" dirty="0"/>
-        </a:p>
-      </dsp:txBody>
-      <dsp:txXfrm>
-        <a:off x="412" y="6811"/>
-        <a:ext cx="966415" cy="483207"/>
-      </dsp:txXfrm>
-    </dsp:sp>
-    <dsp:sp modelId="{D59245B4-7650-49F7-8810-877C15E6D76B}">
-      <dsp:nvSpPr>
-        <dsp:cNvPr id="0" name=""/>
-        <dsp:cNvSpPr/>
-      </dsp:nvSpPr>
-      <dsp:spPr>
-        <a:xfrm>
-          <a:off x="97054" y="490019"/>
-          <a:ext cx="96641" cy="362405"/>
-        </a:xfrm>
-        <a:custGeom>
-          <a:avLst/>
-          <a:gdLst/>
-          <a:ahLst/>
-          <a:cxnLst/>
-          <a:rect l="0" t="0" r="0" b="0"/>
-          <a:pathLst>
-            <a:path>
-              <a:moveTo>
-                <a:pt x="0" y="0"/>
-              </a:moveTo>
-              <a:lnTo>
-                <a:pt x="0" y="362405"/>
-              </a:lnTo>
-              <a:lnTo>
-                <a:pt x="96641" y="362405"/>
-              </a:lnTo>
-            </a:path>
-          </a:pathLst>
-        </a:custGeom>
-        <a:noFill/>
-        <a:ln w="25400" cap="flat" cmpd="sng" algn="ctr">
-          <a:solidFill>
-            <a:schemeClr val="dk1">
-              <a:shade val="60000"/>
-              <a:hueOff val="0"/>
-              <a:satOff val="0"/>
-              <a:lumOff val="0"/>
-              <a:alphaOff val="0"/>
-            </a:schemeClr>
-          </a:solidFill>
-          <a:prstDash val="solid"/>
-        </a:ln>
-        <a:effectLst/>
-      </dsp:spPr>
-      <dsp:style>
-        <a:lnRef idx="2">
-          <a:scrgbClr r="0" g="0" b="0"/>
-        </a:lnRef>
-        <a:fillRef idx="0">
-          <a:scrgbClr r="0" g="0" b="0"/>
-        </a:fillRef>
-        <a:effectRef idx="0">
-          <a:scrgbClr r="0" g="0" b="0"/>
-        </a:effectRef>
-        <a:fontRef idx="minor"/>
-      </dsp:style>
-    </dsp:sp>
-    <dsp:sp modelId="{1CB56DC1-9241-43A2-A4CC-1878E9CBC42C}">
-      <dsp:nvSpPr>
-        <dsp:cNvPr id="0" name=""/>
-        <dsp:cNvSpPr/>
-      </dsp:nvSpPr>
-      <dsp:spPr>
-        <a:xfrm>
-          <a:off x="193696" y="610821"/>
-          <a:ext cx="773132" cy="483207"/>
-        </a:xfrm>
-        <a:prstGeom prst="roundRect">
-          <a:avLst>
-            <a:gd name="adj" fmla="val 10000"/>
-          </a:avLst>
-        </a:prstGeom>
-        <a:solidFill>
-          <a:schemeClr val="dk1">
-            <a:alpha val="90000"/>
-            <a:tint val="40000"/>
-            <a:hueOff val="0"/>
-            <a:satOff val="0"/>
-            <a:lumOff val="0"/>
-            <a:alphaOff val="0"/>
-          </a:schemeClr>
-        </a:solidFill>
-        <a:ln w="25400" cap="flat" cmpd="sng" algn="ctr">
-          <a:solidFill>
-            <a:schemeClr val="dk1">
-              <a:hueOff val="0"/>
-              <a:satOff val="0"/>
-              <a:lumOff val="0"/>
-              <a:alphaOff val="0"/>
-            </a:schemeClr>
-          </a:solidFill>
-          <a:prstDash val="solid"/>
-        </a:ln>
-        <a:effectLst/>
-      </dsp:spPr>
-      <dsp:style>
-        <a:lnRef idx="2">
-          <a:scrgbClr r="0" g="0" b="0"/>
-        </a:lnRef>
-        <a:fillRef idx="1">
-          <a:scrgbClr r="0" g="0" b="0"/>
-        </a:fillRef>
-        <a:effectRef idx="0">
-          <a:scrgbClr r="0" g="0" b="0"/>
-        </a:effectRef>
-        <a:fontRef idx="minor"/>
-      </dsp:style>
-      <dsp:txBody>
-        <a:bodyPr spcFirstLastPara="0" vert="horz" wrap="square" lIns="26670" tIns="17780" rIns="26670" bIns="17780" numCol="1" spcCol="1270" anchor="ctr" anchorCtr="0">
-          <a:noAutofit/>
-        </a:bodyPr>
-        <a:lstStyle/>
-        <a:p>
-          <a:pPr lvl="0" algn="ctr" defTabSz="622300">
-            <a:lnSpc>
-              <a:spcPct val="90000"/>
-            </a:lnSpc>
-            <a:spcBef>
-              <a:spcPct val="0"/>
-            </a:spcBef>
-            <a:spcAft>
-              <a:spcPct val="35000"/>
-            </a:spcAft>
-          </a:pPr>
-          <a:r>
-            <a:rPr lang="en-US" sz="1400" kern="1200" dirty="0" smtClean="0"/>
-            <a:t>3.3V</a:t>
-          </a:r>
-          <a:endParaRPr lang="en-US" sz="1400" kern="1200" dirty="0"/>
-        </a:p>
-      </dsp:txBody>
-      <dsp:txXfrm>
-        <a:off x="193696" y="610821"/>
-        <a:ext cx="773132" cy="483207"/>
-      </dsp:txXfrm>
-    </dsp:sp>
-    <dsp:sp modelId="{BA964914-75D2-4B0C-B728-3154E50AF5FD}">
-      <dsp:nvSpPr>
-        <dsp:cNvPr id="0" name=""/>
-        <dsp:cNvSpPr/>
-      </dsp:nvSpPr>
-      <dsp:spPr>
-        <a:xfrm>
-          <a:off x="1208432" y="6811"/>
-          <a:ext cx="966415" cy="483207"/>
-        </a:xfrm>
-        <a:prstGeom prst="roundRect">
-          <a:avLst>
-            <a:gd name="adj" fmla="val 10000"/>
-          </a:avLst>
-        </a:prstGeom>
-        <a:solidFill>
-          <a:schemeClr val="lt1">
-            <a:hueOff val="0"/>
-            <a:satOff val="0"/>
-            <a:lumOff val="0"/>
-            <a:alphaOff val="0"/>
-          </a:schemeClr>
-        </a:solidFill>
-        <a:ln w="25400" cap="flat" cmpd="sng" algn="ctr">
-          <a:solidFill>
-            <a:schemeClr val="dk1">
-              <a:shade val="80000"/>
-              <a:hueOff val="0"/>
-              <a:satOff val="0"/>
-              <a:lumOff val="0"/>
-              <a:alphaOff val="0"/>
-            </a:schemeClr>
-          </a:solidFill>
-          <a:prstDash val="solid"/>
-        </a:ln>
-        <a:effectLst/>
-      </dsp:spPr>
-      <dsp:style>
-        <a:lnRef idx="2">
-          <a:scrgbClr r="0" g="0" b="0"/>
-        </a:lnRef>
-        <a:fillRef idx="1">
-          <a:scrgbClr r="0" g="0" b="0"/>
-        </a:fillRef>
-        <a:effectRef idx="0">
-          <a:scrgbClr r="0" g="0" b="0"/>
-        </a:effectRef>
-        <a:fontRef idx="minor">
-          <a:schemeClr val="lt1"/>
-        </a:fontRef>
-      </dsp:style>
-      <dsp:txBody>
-        <a:bodyPr spcFirstLastPara="0" vert="horz" wrap="square" lIns="26670" tIns="17780" rIns="26670" bIns="17780" numCol="1" spcCol="1270" anchor="ctr" anchorCtr="0">
-          <a:noAutofit/>
-        </a:bodyPr>
-        <a:lstStyle/>
-        <a:p>
-          <a:pPr lvl="0" algn="ctr" defTabSz="622300">
-            <a:lnSpc>
-              <a:spcPct val="90000"/>
-            </a:lnSpc>
-            <a:spcBef>
-              <a:spcPct val="0"/>
-            </a:spcBef>
-            <a:spcAft>
-              <a:spcPct val="35000"/>
-            </a:spcAft>
-          </a:pPr>
-          <a:r>
-            <a:rPr lang="en-US" sz="1400" kern="1200" dirty="0" smtClean="0"/>
-            <a:t>Digital</a:t>
-          </a:r>
-          <a:endParaRPr lang="en-US" sz="1400" kern="1200" dirty="0"/>
-        </a:p>
-      </dsp:txBody>
-      <dsp:txXfrm>
-        <a:off x="1208432" y="6811"/>
-        <a:ext cx="966415" cy="483207"/>
-      </dsp:txXfrm>
-    </dsp:sp>
-    <dsp:sp modelId="{9D511374-7D7B-4EC8-ADF3-F61D1EE76F2F}">
-      <dsp:nvSpPr>
-        <dsp:cNvPr id="0" name=""/>
-        <dsp:cNvSpPr/>
-      </dsp:nvSpPr>
-      <dsp:spPr>
-        <a:xfrm>
-          <a:off x="1305073" y="490019"/>
-          <a:ext cx="96641" cy="362405"/>
-        </a:xfrm>
-        <a:custGeom>
-          <a:avLst/>
-          <a:gdLst/>
-          <a:ahLst/>
-          <a:cxnLst/>
-          <a:rect l="0" t="0" r="0" b="0"/>
-          <a:pathLst>
-            <a:path>
-              <a:moveTo>
-                <a:pt x="0" y="0"/>
-              </a:moveTo>
-              <a:lnTo>
-                <a:pt x="0" y="362405"/>
-              </a:lnTo>
-              <a:lnTo>
-                <a:pt x="96641" y="362405"/>
-              </a:lnTo>
-            </a:path>
-          </a:pathLst>
-        </a:custGeom>
-        <a:noFill/>
-        <a:ln w="25400" cap="flat" cmpd="sng" algn="ctr">
-          <a:solidFill>
-            <a:schemeClr val="dk1">
-              <a:shade val="60000"/>
-              <a:hueOff val="0"/>
-              <a:satOff val="0"/>
-              <a:lumOff val="0"/>
-              <a:alphaOff val="0"/>
-            </a:schemeClr>
-          </a:solidFill>
-          <a:prstDash val="solid"/>
-        </a:ln>
-        <a:effectLst/>
-      </dsp:spPr>
-      <dsp:style>
-        <a:lnRef idx="2">
-          <a:scrgbClr r="0" g="0" b="0"/>
-        </a:lnRef>
-        <a:fillRef idx="0">
-          <a:scrgbClr r="0" g="0" b="0"/>
-        </a:fillRef>
-        <a:effectRef idx="0">
-          <a:scrgbClr r="0" g="0" b="0"/>
-        </a:effectRef>
-        <a:fontRef idx="minor"/>
-      </dsp:style>
-    </dsp:sp>
-    <dsp:sp modelId="{DC495A99-3CC3-4C44-9CD4-E19127F63245}">
-      <dsp:nvSpPr>
-        <dsp:cNvPr id="0" name=""/>
-        <dsp:cNvSpPr/>
-      </dsp:nvSpPr>
-      <dsp:spPr>
-        <a:xfrm>
-          <a:off x="1401715" y="610821"/>
-          <a:ext cx="773132" cy="483207"/>
-        </a:xfrm>
-        <a:prstGeom prst="roundRect">
-          <a:avLst>
-            <a:gd name="adj" fmla="val 10000"/>
-          </a:avLst>
-        </a:prstGeom>
-        <a:solidFill>
-          <a:schemeClr val="dk1">
-            <a:alpha val="90000"/>
-            <a:tint val="40000"/>
-            <a:hueOff val="0"/>
-            <a:satOff val="0"/>
-            <a:lumOff val="0"/>
-            <a:alphaOff val="0"/>
-          </a:schemeClr>
-        </a:solidFill>
-        <a:ln w="25400" cap="flat" cmpd="sng" algn="ctr">
-          <a:solidFill>
-            <a:schemeClr val="dk1">
-              <a:hueOff val="0"/>
-              <a:satOff val="0"/>
-              <a:lumOff val="0"/>
-              <a:alphaOff val="0"/>
-            </a:schemeClr>
-          </a:solidFill>
-          <a:prstDash val="solid"/>
-        </a:ln>
-        <a:effectLst/>
-      </dsp:spPr>
-      <dsp:style>
-        <a:lnRef idx="2">
-          <a:scrgbClr r="0" g="0" b="0"/>
-        </a:lnRef>
-        <a:fillRef idx="1">
-          <a:scrgbClr r="0" g="0" b="0"/>
-        </a:fillRef>
-        <a:effectRef idx="0">
-          <a:scrgbClr r="0" g="0" b="0"/>
-        </a:effectRef>
-        <a:fontRef idx="minor"/>
-      </dsp:style>
-      <dsp:txBody>
-        <a:bodyPr spcFirstLastPara="0" vert="horz" wrap="square" lIns="26670" tIns="17780" rIns="26670" bIns="17780" numCol="1" spcCol="1270" anchor="ctr" anchorCtr="0">
-          <a:noAutofit/>
-        </a:bodyPr>
-        <a:lstStyle/>
-        <a:p>
-          <a:pPr lvl="0" algn="ctr" defTabSz="622300">
-            <a:lnSpc>
-              <a:spcPct val="90000"/>
-            </a:lnSpc>
-            <a:spcBef>
-              <a:spcPct val="0"/>
-            </a:spcBef>
-            <a:spcAft>
-              <a:spcPct val="35000"/>
-            </a:spcAft>
-          </a:pPr>
-          <a:r>
-            <a:rPr lang="en-US" sz="1400" kern="1200" smtClean="0"/>
-            <a:t>2.8V-5.5V</a:t>
-          </a:r>
-          <a:endParaRPr lang="en-US" sz="1400" kern="1200" dirty="0"/>
-        </a:p>
-      </dsp:txBody>
-      <dsp:txXfrm>
-        <a:off x="1401715" y="610821"/>
-        <a:ext cx="773132" cy="483207"/>
-      </dsp:txXfrm>
-    </dsp:sp>
-    <dsp:sp modelId="{B22AED20-DDE9-4F27-98ED-852D664DEE50}">
-      <dsp:nvSpPr>
-        <dsp:cNvPr id="0" name=""/>
-        <dsp:cNvSpPr/>
-      </dsp:nvSpPr>
-      <dsp:spPr>
-        <a:xfrm>
-          <a:off x="1305073" y="490019"/>
-          <a:ext cx="96641" cy="966415"/>
-        </a:xfrm>
-        <a:custGeom>
-          <a:avLst/>
-          <a:gdLst/>
-          <a:ahLst/>
-          <a:cxnLst/>
-          <a:rect l="0" t="0" r="0" b="0"/>
-          <a:pathLst>
-            <a:path>
-              <a:moveTo>
-                <a:pt x="0" y="0"/>
-              </a:moveTo>
-              <a:lnTo>
-                <a:pt x="0" y="966415"/>
-              </a:lnTo>
-              <a:lnTo>
-                <a:pt x="96641" y="966415"/>
-              </a:lnTo>
-            </a:path>
-          </a:pathLst>
-        </a:custGeom>
-        <a:noFill/>
-        <a:ln w="25400" cap="flat" cmpd="sng" algn="ctr">
-          <a:solidFill>
-            <a:schemeClr val="dk1">
-              <a:shade val="60000"/>
-              <a:hueOff val="0"/>
-              <a:satOff val="0"/>
-              <a:lumOff val="0"/>
-              <a:alphaOff val="0"/>
-            </a:schemeClr>
-          </a:solidFill>
-          <a:prstDash val="solid"/>
-        </a:ln>
-        <a:effectLst/>
-      </dsp:spPr>
-      <dsp:style>
-        <a:lnRef idx="2">
-          <a:scrgbClr r="0" g="0" b="0"/>
-        </a:lnRef>
-        <a:fillRef idx="0">
-          <a:scrgbClr r="0" g="0" b="0"/>
-        </a:fillRef>
-        <a:effectRef idx="0">
-          <a:scrgbClr r="0" g="0" b="0"/>
-        </a:effectRef>
-        <a:fontRef idx="minor"/>
-      </dsp:style>
-    </dsp:sp>
-    <dsp:sp modelId="{222E0677-6280-4BEE-9943-9B6567E1B4A1}">
-      <dsp:nvSpPr>
-        <dsp:cNvPr id="0" name=""/>
-        <dsp:cNvSpPr/>
-      </dsp:nvSpPr>
-      <dsp:spPr>
-        <a:xfrm>
-          <a:off x="1401715" y="1214830"/>
-          <a:ext cx="773132" cy="483207"/>
-        </a:xfrm>
-        <a:prstGeom prst="roundRect">
-          <a:avLst>
-            <a:gd name="adj" fmla="val 10000"/>
-          </a:avLst>
-        </a:prstGeom>
-        <a:solidFill>
-          <a:schemeClr val="dk1">
-            <a:alpha val="90000"/>
-            <a:tint val="40000"/>
-            <a:hueOff val="0"/>
-            <a:satOff val="0"/>
-            <a:lumOff val="0"/>
-            <a:alphaOff val="0"/>
-          </a:schemeClr>
-        </a:solidFill>
-        <a:ln w="25400" cap="flat" cmpd="sng" algn="ctr">
-          <a:solidFill>
-            <a:schemeClr val="dk1">
-              <a:hueOff val="0"/>
-              <a:satOff val="0"/>
-              <a:lumOff val="0"/>
-              <a:alphaOff val="0"/>
-            </a:schemeClr>
-          </a:solidFill>
-          <a:prstDash val="solid"/>
-        </a:ln>
-        <a:effectLst/>
-      </dsp:spPr>
-      <dsp:style>
-        <a:lnRef idx="2">
-          <a:scrgbClr r="0" g="0" b="0"/>
-        </a:lnRef>
-        <a:fillRef idx="1">
-          <a:scrgbClr r="0" g="0" b="0"/>
-        </a:fillRef>
-        <a:effectRef idx="0">
-          <a:scrgbClr r="0" g="0" b="0"/>
-        </a:effectRef>
-        <a:fontRef idx="minor"/>
-      </dsp:style>
-      <dsp:txBody>
-        <a:bodyPr spcFirstLastPara="0" vert="horz" wrap="square" lIns="26670" tIns="17780" rIns="26670" bIns="17780" numCol="1" spcCol="1270" anchor="ctr" anchorCtr="0">
-          <a:noAutofit/>
-        </a:bodyPr>
-        <a:lstStyle/>
-        <a:p>
-          <a:pPr lvl="0" algn="ctr" defTabSz="622300">
-            <a:lnSpc>
-              <a:spcPct val="90000"/>
-            </a:lnSpc>
-            <a:spcBef>
-              <a:spcPct val="0"/>
-            </a:spcBef>
-            <a:spcAft>
-              <a:spcPct val="35000"/>
-            </a:spcAft>
-          </a:pPr>
-          <a:r>
-            <a:rPr lang="en-US" sz="1400" kern="1200" dirty="0" smtClean="0"/>
-            <a:t>3.3V</a:t>
-          </a:r>
-          <a:endParaRPr lang="en-US" sz="1400" kern="1200" dirty="0"/>
-        </a:p>
-      </dsp:txBody>
-      <dsp:txXfrm>
-        <a:off x="1401715" y="1214830"/>
-        <a:ext cx="773132" cy="483207"/>
-      </dsp:txXfrm>
-    </dsp:sp>
-    <dsp:sp modelId="{F7D85594-4DA5-4940-BCB2-EDEAB36F297A}">
-      <dsp:nvSpPr>
-        <dsp:cNvPr id="0" name=""/>
-        <dsp:cNvSpPr/>
-      </dsp:nvSpPr>
-      <dsp:spPr>
-        <a:xfrm>
-          <a:off x="1305073" y="490019"/>
-          <a:ext cx="96641" cy="1570425"/>
-        </a:xfrm>
-        <a:custGeom>
-          <a:avLst/>
-          <a:gdLst/>
-          <a:ahLst/>
-          <a:cxnLst/>
-          <a:rect l="0" t="0" r="0" b="0"/>
-          <a:pathLst>
-            <a:path>
-              <a:moveTo>
-                <a:pt x="0" y="0"/>
-              </a:moveTo>
-              <a:lnTo>
-                <a:pt x="0" y="1570425"/>
-              </a:lnTo>
-              <a:lnTo>
-                <a:pt x="96641" y="1570425"/>
-              </a:lnTo>
-            </a:path>
-          </a:pathLst>
-        </a:custGeom>
-        <a:noFill/>
-        <a:ln w="25400" cap="flat" cmpd="sng" algn="ctr">
-          <a:solidFill>
-            <a:schemeClr val="dk1">
-              <a:shade val="60000"/>
-              <a:hueOff val="0"/>
-              <a:satOff val="0"/>
-              <a:lumOff val="0"/>
-              <a:alphaOff val="0"/>
-            </a:schemeClr>
-          </a:solidFill>
-          <a:prstDash val="solid"/>
-        </a:ln>
-        <a:effectLst/>
-      </dsp:spPr>
-      <dsp:style>
-        <a:lnRef idx="2">
-          <a:scrgbClr r="0" g="0" b="0"/>
-        </a:lnRef>
-        <a:fillRef idx="0">
-          <a:scrgbClr r="0" g="0" b="0"/>
-        </a:fillRef>
-        <a:effectRef idx="0">
-          <a:scrgbClr r="0" g="0" b="0"/>
-        </a:effectRef>
-        <a:fontRef idx="minor"/>
-      </dsp:style>
-    </dsp:sp>
-    <dsp:sp modelId="{14BE7BAD-7DEF-4568-B44D-40A60342DD0A}">
-      <dsp:nvSpPr>
-        <dsp:cNvPr id="0" name=""/>
-        <dsp:cNvSpPr/>
-      </dsp:nvSpPr>
-      <dsp:spPr>
-        <a:xfrm>
-          <a:off x="1401715" y="1818840"/>
-          <a:ext cx="773132" cy="483207"/>
-        </a:xfrm>
-        <a:prstGeom prst="roundRect">
-          <a:avLst>
-            <a:gd name="adj" fmla="val 10000"/>
-          </a:avLst>
-        </a:prstGeom>
-        <a:solidFill>
-          <a:schemeClr val="dk1">
-            <a:alpha val="90000"/>
-            <a:tint val="40000"/>
-            <a:hueOff val="0"/>
-            <a:satOff val="0"/>
-            <a:lumOff val="0"/>
-            <a:alphaOff val="0"/>
-          </a:schemeClr>
-        </a:solidFill>
-        <a:ln w="25400" cap="flat" cmpd="sng" algn="ctr">
-          <a:solidFill>
-            <a:schemeClr val="dk1">
-              <a:hueOff val="0"/>
-              <a:satOff val="0"/>
-              <a:lumOff val="0"/>
-              <a:alphaOff val="0"/>
-            </a:schemeClr>
-          </a:solidFill>
-          <a:prstDash val="solid"/>
-        </a:ln>
-        <a:effectLst/>
-      </dsp:spPr>
-      <dsp:style>
-        <a:lnRef idx="2">
-          <a:scrgbClr r="0" g="0" b="0"/>
-        </a:lnRef>
-        <a:fillRef idx="1">
-          <a:scrgbClr r="0" g="0" b="0"/>
-        </a:fillRef>
-        <a:effectRef idx="0">
-          <a:scrgbClr r="0" g="0" b="0"/>
-        </a:effectRef>
-        <a:fontRef idx="minor"/>
-      </dsp:style>
-      <dsp:txBody>
-        <a:bodyPr spcFirstLastPara="0" vert="horz" wrap="square" lIns="26670" tIns="17780" rIns="26670" bIns="17780" numCol="1" spcCol="1270" anchor="ctr" anchorCtr="0">
-          <a:noAutofit/>
-        </a:bodyPr>
-        <a:lstStyle/>
-        <a:p>
-          <a:pPr lvl="0" algn="ctr" defTabSz="622300">
-            <a:lnSpc>
-              <a:spcPct val="90000"/>
-            </a:lnSpc>
-            <a:spcBef>
-              <a:spcPct val="0"/>
-            </a:spcBef>
-            <a:spcAft>
-              <a:spcPct val="35000"/>
-            </a:spcAft>
-          </a:pPr>
-          <a:r>
-            <a:rPr lang="en-US" sz="1400" kern="1200" dirty="0" smtClean="0"/>
-            <a:t>1.5V</a:t>
-          </a:r>
-          <a:endParaRPr lang="en-US" sz="1400" kern="1200" dirty="0"/>
-        </a:p>
-      </dsp:txBody>
-      <dsp:txXfrm>
-        <a:off x="1401715" y="1818840"/>
-        <a:ext cx="773132" cy="483207"/>
-      </dsp:txXfrm>
-    </dsp:sp>
-    <dsp:sp modelId="{9EE9022C-A1A4-4896-812C-BF67B355D3FC}">
-      <dsp:nvSpPr>
-        <dsp:cNvPr id="0" name=""/>
-        <dsp:cNvSpPr/>
-      </dsp:nvSpPr>
-      <dsp:spPr>
-        <a:xfrm>
-          <a:off x="2416451" y="6811"/>
-          <a:ext cx="966415" cy="483207"/>
-        </a:xfrm>
-        <a:prstGeom prst="roundRect">
-          <a:avLst>
-            <a:gd name="adj" fmla="val 10000"/>
-          </a:avLst>
-        </a:prstGeom>
-        <a:solidFill>
-          <a:schemeClr val="lt1">
-            <a:hueOff val="0"/>
-            <a:satOff val="0"/>
-            <a:lumOff val="0"/>
-            <a:alphaOff val="0"/>
-          </a:schemeClr>
-        </a:solidFill>
-        <a:ln w="25400" cap="flat" cmpd="sng" algn="ctr">
-          <a:solidFill>
-            <a:schemeClr val="dk1">
-              <a:shade val="80000"/>
-              <a:hueOff val="0"/>
-              <a:satOff val="0"/>
-              <a:lumOff val="0"/>
-              <a:alphaOff val="0"/>
-            </a:schemeClr>
-          </a:solidFill>
-          <a:prstDash val="solid"/>
-        </a:ln>
-        <a:effectLst/>
-      </dsp:spPr>
-      <dsp:style>
-        <a:lnRef idx="2">
-          <a:scrgbClr r="0" g="0" b="0"/>
-        </a:lnRef>
-        <a:fillRef idx="1">
-          <a:scrgbClr r="0" g="0" b="0"/>
-        </a:fillRef>
-        <a:effectRef idx="0">
-          <a:scrgbClr r="0" g="0" b="0"/>
-        </a:effectRef>
-        <a:fontRef idx="minor">
-          <a:schemeClr val="lt1"/>
-        </a:fontRef>
-      </dsp:style>
-      <dsp:txBody>
-        <a:bodyPr spcFirstLastPara="0" vert="horz" wrap="square" lIns="26670" tIns="17780" rIns="26670" bIns="17780" numCol="1" spcCol="1270" anchor="ctr" anchorCtr="0">
-          <a:noAutofit/>
-        </a:bodyPr>
-        <a:lstStyle/>
-        <a:p>
-          <a:pPr lvl="0" algn="ctr" defTabSz="622300">
-            <a:lnSpc>
-              <a:spcPct val="90000"/>
-            </a:lnSpc>
-            <a:spcBef>
-              <a:spcPct val="0"/>
-            </a:spcBef>
-            <a:spcAft>
-              <a:spcPct val="35000"/>
-            </a:spcAft>
-          </a:pPr>
-          <a:r>
-            <a:rPr lang="en-US" sz="1400" kern="1200" dirty="0" smtClean="0"/>
-            <a:t>Analog</a:t>
-          </a:r>
-          <a:endParaRPr lang="en-US" sz="1400" kern="1200" dirty="0"/>
-        </a:p>
-      </dsp:txBody>
-      <dsp:txXfrm>
-        <a:off x="2416451" y="6811"/>
-        <a:ext cx="966415" cy="483207"/>
-      </dsp:txXfrm>
-    </dsp:sp>
-    <dsp:sp modelId="{A4DF48BC-C80A-40AA-8875-46B7EC62C64E}">
-      <dsp:nvSpPr>
-        <dsp:cNvPr id="0" name=""/>
-        <dsp:cNvSpPr/>
-      </dsp:nvSpPr>
-      <dsp:spPr>
-        <a:xfrm>
-          <a:off x="2513093" y="490019"/>
-          <a:ext cx="96641" cy="362405"/>
-        </a:xfrm>
-        <a:custGeom>
-          <a:avLst/>
-          <a:gdLst/>
-          <a:ahLst/>
-          <a:cxnLst/>
-          <a:rect l="0" t="0" r="0" b="0"/>
-          <a:pathLst>
-            <a:path>
-              <a:moveTo>
-                <a:pt x="0" y="0"/>
-              </a:moveTo>
-              <a:lnTo>
-                <a:pt x="0" y="362405"/>
-              </a:lnTo>
-              <a:lnTo>
-                <a:pt x="96641" y="362405"/>
-              </a:lnTo>
-            </a:path>
-          </a:pathLst>
-        </a:custGeom>
-        <a:noFill/>
-        <a:ln w="25400" cap="flat" cmpd="sng" algn="ctr">
-          <a:solidFill>
-            <a:schemeClr val="dk1">
-              <a:shade val="60000"/>
-              <a:hueOff val="0"/>
-              <a:satOff val="0"/>
-              <a:lumOff val="0"/>
-              <a:alphaOff val="0"/>
-            </a:schemeClr>
-          </a:solidFill>
-          <a:prstDash val="solid"/>
-        </a:ln>
-        <a:effectLst/>
-      </dsp:spPr>
-      <dsp:style>
-        <a:lnRef idx="2">
-          <a:scrgbClr r="0" g="0" b="0"/>
-        </a:lnRef>
-        <a:fillRef idx="0">
-          <a:scrgbClr r="0" g="0" b="0"/>
-        </a:fillRef>
-        <a:effectRef idx="0">
-          <a:scrgbClr r="0" g="0" b="0"/>
-        </a:effectRef>
-        <a:fontRef idx="minor"/>
-      </dsp:style>
-    </dsp:sp>
-    <dsp:sp modelId="{8B2E1D33-2D90-409B-91CE-DB815A9F16CD}">
-      <dsp:nvSpPr>
-        <dsp:cNvPr id="0" name=""/>
-        <dsp:cNvSpPr/>
-      </dsp:nvSpPr>
-      <dsp:spPr>
-        <a:xfrm>
-          <a:off x="2609734" y="610821"/>
-          <a:ext cx="773132" cy="483207"/>
-        </a:xfrm>
-        <a:prstGeom prst="roundRect">
-          <a:avLst>
-            <a:gd name="adj" fmla="val 10000"/>
-          </a:avLst>
-        </a:prstGeom>
-        <a:solidFill>
-          <a:schemeClr val="dk1">
-            <a:alpha val="90000"/>
-            <a:tint val="40000"/>
-            <a:hueOff val="0"/>
-            <a:satOff val="0"/>
-            <a:lumOff val="0"/>
-            <a:alphaOff val="0"/>
-          </a:schemeClr>
-        </a:solidFill>
-        <a:ln w="25400" cap="flat" cmpd="sng" algn="ctr">
-          <a:solidFill>
-            <a:schemeClr val="dk1">
-              <a:hueOff val="0"/>
-              <a:satOff val="0"/>
-              <a:lumOff val="0"/>
-              <a:alphaOff val="0"/>
-            </a:schemeClr>
-          </a:solidFill>
-          <a:prstDash val="solid"/>
-        </a:ln>
-        <a:effectLst/>
-      </dsp:spPr>
-      <dsp:style>
-        <a:lnRef idx="2">
-          <a:scrgbClr r="0" g="0" b="0"/>
-        </a:lnRef>
-        <a:fillRef idx="1">
-          <a:scrgbClr r="0" g="0" b="0"/>
-        </a:fillRef>
-        <a:effectRef idx="0">
-          <a:scrgbClr r="0" g="0" b="0"/>
-        </a:effectRef>
-        <a:fontRef idx="minor"/>
-      </dsp:style>
-      <dsp:txBody>
-        <a:bodyPr spcFirstLastPara="0" vert="horz" wrap="square" lIns="26670" tIns="17780" rIns="26670" bIns="17780" numCol="1" spcCol="1270" anchor="ctr" anchorCtr="0">
-          <a:noAutofit/>
-        </a:bodyPr>
-        <a:lstStyle/>
-        <a:p>
-          <a:pPr lvl="0" algn="ctr" defTabSz="622300">
-            <a:lnSpc>
-              <a:spcPct val="90000"/>
-            </a:lnSpc>
-            <a:spcBef>
-              <a:spcPct val="0"/>
-            </a:spcBef>
-            <a:spcAft>
-              <a:spcPct val="35000"/>
-            </a:spcAft>
-          </a:pPr>
-          <a:r>
-            <a:rPr lang="en-US" sz="1400" kern="1200" dirty="0" smtClean="0"/>
-            <a:t>3.3V</a:t>
-          </a:r>
-          <a:endParaRPr lang="en-US" sz="1400" kern="1200" dirty="0"/>
-        </a:p>
-      </dsp:txBody>
-      <dsp:txXfrm>
-        <a:off x="2609734" y="610821"/>
-        <a:ext cx="773132" cy="483207"/>
-      </dsp:txXfrm>
-    </dsp:sp>
-    <dsp:sp modelId="{7CA3DDAE-BF88-4855-AC2F-E7A514981FE1}">
-      <dsp:nvSpPr>
-        <dsp:cNvPr id="0" name=""/>
-        <dsp:cNvSpPr/>
-      </dsp:nvSpPr>
-      <dsp:spPr>
-        <a:xfrm>
-          <a:off x="2513093" y="490019"/>
-          <a:ext cx="96641" cy="966415"/>
-        </a:xfrm>
-        <a:custGeom>
-          <a:avLst/>
-          <a:gdLst/>
-          <a:ahLst/>
-          <a:cxnLst/>
-          <a:rect l="0" t="0" r="0" b="0"/>
-          <a:pathLst>
-            <a:path>
-              <a:moveTo>
-                <a:pt x="0" y="0"/>
-              </a:moveTo>
-              <a:lnTo>
-                <a:pt x="0" y="966415"/>
-              </a:lnTo>
-              <a:lnTo>
-                <a:pt x="96641" y="966415"/>
-              </a:lnTo>
-            </a:path>
-          </a:pathLst>
-        </a:custGeom>
-        <a:noFill/>
-        <a:ln w="25400" cap="flat" cmpd="sng" algn="ctr">
-          <a:solidFill>
-            <a:schemeClr val="dk1">
-              <a:shade val="60000"/>
-              <a:hueOff val="0"/>
-              <a:satOff val="0"/>
-              <a:lumOff val="0"/>
-              <a:alphaOff val="0"/>
-            </a:schemeClr>
-          </a:solidFill>
-          <a:prstDash val="solid"/>
-        </a:ln>
-        <a:effectLst/>
-      </dsp:spPr>
-      <dsp:style>
-        <a:lnRef idx="2">
-          <a:scrgbClr r="0" g="0" b="0"/>
-        </a:lnRef>
-        <a:fillRef idx="0">
-          <a:scrgbClr r="0" g="0" b="0"/>
-        </a:fillRef>
-        <a:effectRef idx="0">
-          <a:scrgbClr r="0" g="0" b="0"/>
-        </a:effectRef>
-        <a:fontRef idx="minor"/>
-      </dsp:style>
-    </dsp:sp>
-    <dsp:sp modelId="{950149A1-B038-49CC-8E04-F0059BEBE2CB}">
-      <dsp:nvSpPr>
-        <dsp:cNvPr id="0" name=""/>
-        <dsp:cNvSpPr/>
-      </dsp:nvSpPr>
-      <dsp:spPr>
-        <a:xfrm>
-          <a:off x="2609734" y="1214830"/>
-          <a:ext cx="773132" cy="483207"/>
-        </a:xfrm>
-        <a:prstGeom prst="roundRect">
-          <a:avLst>
-            <a:gd name="adj" fmla="val 10000"/>
-          </a:avLst>
-        </a:prstGeom>
-        <a:solidFill>
-          <a:schemeClr val="dk1">
-            <a:alpha val="90000"/>
-            <a:tint val="40000"/>
-            <a:hueOff val="0"/>
-            <a:satOff val="0"/>
-            <a:lumOff val="0"/>
-            <a:alphaOff val="0"/>
-          </a:schemeClr>
-        </a:solidFill>
-        <a:ln w="25400" cap="flat" cmpd="sng" algn="ctr">
-          <a:solidFill>
-            <a:schemeClr val="dk1">
-              <a:hueOff val="0"/>
-              <a:satOff val="0"/>
-              <a:lumOff val="0"/>
-              <a:alphaOff val="0"/>
-            </a:schemeClr>
-          </a:solidFill>
-          <a:prstDash val="solid"/>
-        </a:ln>
-        <a:effectLst/>
-      </dsp:spPr>
-      <dsp:style>
-        <a:lnRef idx="2">
-          <a:scrgbClr r="0" g="0" b="0"/>
-        </a:lnRef>
-        <a:fillRef idx="1">
-          <a:scrgbClr r="0" g="0" b="0"/>
-        </a:fillRef>
-        <a:effectRef idx="0">
-          <a:scrgbClr r="0" g="0" b="0"/>
-        </a:effectRef>
-        <a:fontRef idx="minor"/>
-      </dsp:style>
-      <dsp:txBody>
-        <a:bodyPr spcFirstLastPara="0" vert="horz" wrap="square" lIns="26670" tIns="17780" rIns="26670" bIns="17780" numCol="1" spcCol="1270" anchor="ctr" anchorCtr="0">
-          <a:noAutofit/>
-        </a:bodyPr>
-        <a:lstStyle/>
-        <a:p>
-          <a:pPr lvl="0" algn="ctr" defTabSz="622300">
-            <a:lnSpc>
-              <a:spcPct val="90000"/>
-            </a:lnSpc>
-            <a:spcBef>
-              <a:spcPct val="0"/>
-            </a:spcBef>
-            <a:spcAft>
-              <a:spcPct val="35000"/>
-            </a:spcAft>
-          </a:pPr>
-          <a:r>
-            <a:rPr lang="en-US" sz="1400" kern="1200" dirty="0" smtClean="0"/>
-            <a:t>1.5V</a:t>
-          </a:r>
-          <a:endParaRPr lang="en-US" sz="1400" kern="1200" dirty="0"/>
-        </a:p>
-      </dsp:txBody>
-      <dsp:txXfrm>
-        <a:off x="2609734" y="1214830"/>
-        <a:ext cx="773132" cy="483207"/>
-      </dsp:txXfrm>
-    </dsp:sp>
   </dsp:spTree>
 </dsp:drawing>
 </file>
@@ -3959,6 +3030,7 @@
           <a:p>
             <a:fld id="{DE3582C7-6B08-4D4A-BF1B-6FA237430C58}" type="datetimeFigureOut">
               <a:rPr lang="en-US" smtClean="0"/>
+              <a:pPr/>
               <a:t>5/26/2011</a:t>
             </a:fld>
             <a:endParaRPr lang="en-US"/>
@@ -4120,6 +3192,7 @@
           <a:p>
             <a:fld id="{227A9B20-736D-4D70-87BC-321223829722}" type="slidenum">
               <a:rPr lang="en-US" smtClean="0"/>
+              <a:pPr/>
               <a:t>‹#›</a:t>
             </a:fld>
             <a:endParaRPr lang="en-US"/>
@@ -4291,6 +3364,7 @@
           <a:p>
             <a:fld id="{227A9B20-736D-4D70-87BC-321223829722}" type="slidenum">
               <a:rPr lang="en-US" smtClean="0"/>
+              <a:pPr/>
               <a:t>1</a:t>
             </a:fld>
             <a:endParaRPr lang="en-US"/>
@@ -7287,15 +6361,19 @@
           </p:blipFill>
           <p:spPr bwMode="auto">
             <a:xfrm>
-              <a:off x="5273604" y="3068164"/>
-              <a:ext cx="1035193" cy="327022"/>
+              <a:off x="5273606" y="3068164"/>
+              <a:ext cx="1035189" cy="327022"/>
             </a:xfrm>
             <a:prstGeom prst="rect">
               <a:avLst/>
             </a:prstGeom>
-            <a:noFill/>
+            <a:solidFill>
+              <a:schemeClr val="bg1"/>
+            </a:solidFill>
             <a:ln w="9525">
-              <a:noFill/>
+              <a:solidFill>
+                <a:schemeClr val="bg1"/>
+              </a:solidFill>
               <a:miter lim="800000"/>
               <a:headEnd/>
               <a:tailEnd/>
@@ -8928,14 +8006,6 @@
               </a:rPr>
               <a:t>BUCK, LDOs</a:t>
             </a:r>
-            <a:endParaRPr lang="en-US" dirty="0" smtClean="0">
-              <a:solidFill>
-                <a:schemeClr val="tx1"/>
-              </a:solidFill>
-              <a:latin typeface="Tahoma" pitchFamily="34" charset="0"/>
-              <a:ea typeface="Tahoma" pitchFamily="34" charset="0"/>
-              <a:cs typeface="Tahoma" pitchFamily="34" charset="0"/>
-            </a:endParaRPr>
           </a:p>
         </p:txBody>
       </p:sp>

--- a/trunk/hardware/PowerBoard/Misc/BlockDiagram.pptx
+++ b/trunk/hardware/PowerBoard/Misc/BlockDiagram.pptx
@@ -1544,34 +1544,34 @@
     </dgm:pt>
   </dgm:ptLst>
   <dgm:cxnLst>
+    <dgm:cxn modelId="{6B1C5618-90D7-4E8E-83BA-2078FAB00A22}" srcId="{4B3D22EF-9FB2-49EC-B452-7A67D3E513D0}" destId="{191FDAFE-3DB2-49D8-8E5A-D0D7D7EFB174}" srcOrd="0" destOrd="0" parTransId="{B6AADEFF-7F66-4768-BEA5-52E2CFC1F4D8}" sibTransId="{3979FF24-E642-45AB-90D8-CE6A8C5723E8}"/>
+    <dgm:cxn modelId="{1237377A-11A6-4374-8A96-10F7395D0139}" type="presOf" srcId="{8C5E4515-7897-4B59-BA3C-6B204E4B0B21}" destId="{9D511374-7D7B-4EC8-ADF3-F61D1EE76F2F}" srcOrd="0" destOrd="0" presId="urn:microsoft.com/office/officeart/2005/8/layout/hierarchy3"/>
+    <dgm:cxn modelId="{C7C868DA-73E0-4BB2-94FB-BBBDA42A717F}" type="presOf" srcId="{EE2F25D5-EE39-4923-9E95-DF55A2ED0CFF}" destId="{222E0677-6280-4BEE-9943-9B6567E1B4A1}" srcOrd="0" destOrd="0" presId="urn:microsoft.com/office/officeart/2005/8/layout/hierarchy3"/>
+    <dgm:cxn modelId="{3C068E3C-2325-400C-8524-A4C227816E58}" srcId="{CF92D740-E519-4C80-BD09-681CDCE4884C}" destId="{1A13F127-3FCD-4EA9-8E72-0D378A0CD30B}" srcOrd="0" destOrd="0" parTransId="{7AF9FA00-5B54-4201-A01F-CAD231CB394A}" sibTransId="{C5342E6E-F8A3-4B2F-82EB-07A2E88446D0}"/>
+    <dgm:cxn modelId="{2C9E6FA2-731B-4A8D-9EB0-319E7D66E1E3}" srcId="{184DBD5F-D07D-4F65-ACAE-77D6FCD45332}" destId="{69C617FC-B3A4-43B0-AA97-C2C55FFFDDE2}" srcOrd="0" destOrd="0" parTransId="{8C5E4515-7897-4B59-BA3C-6B204E4B0B21}" sibTransId="{7B23EE94-EAFD-4E5F-906F-186A8C1267E5}"/>
+    <dgm:cxn modelId="{BA1B77D5-688B-4985-94D6-32B31128DD92}" srcId="{184DBD5F-D07D-4F65-ACAE-77D6FCD45332}" destId="{D5FAD0EC-14BB-437C-9156-6FFEC5F68BE9}" srcOrd="2" destOrd="0" parTransId="{D45CF7C2-193C-447D-87E7-9237551A695E}" sibTransId="{8ED690BD-D1AC-4B56-A9AB-E63BC5677321}"/>
+    <dgm:cxn modelId="{81A4742A-883B-4B2F-A016-1FCCAE9EB0EB}" srcId="{1A13F127-3FCD-4EA9-8E72-0D378A0CD30B}" destId="{52463ED4-1741-47B1-A0C6-70DDE405A0F1}" srcOrd="0" destOrd="0" parTransId="{19CC21F7-C00A-4852-84CC-6120A969BB78}" sibTransId="{B27701D8-B870-484C-8B32-A93747ED2DD9}"/>
+    <dgm:cxn modelId="{90C33AE1-DB38-402E-B48C-9C06209B91B6}" type="presOf" srcId="{184DBD5F-D07D-4F65-ACAE-77D6FCD45332}" destId="{BA964914-75D2-4B0C-B728-3154E50AF5FD}" srcOrd="0" destOrd="0" presId="urn:microsoft.com/office/officeart/2005/8/layout/hierarchy3"/>
+    <dgm:cxn modelId="{AC022202-5120-4DB9-9D5E-65A5ED2556C5}" type="presOf" srcId="{95668334-1052-40BD-9BC9-ACE06B7C38EE}" destId="{B22AED20-DDE9-4F27-98ED-852D664DEE50}" srcOrd="0" destOrd="0" presId="urn:microsoft.com/office/officeart/2005/8/layout/hierarchy3"/>
+    <dgm:cxn modelId="{389F8016-17EB-4258-AF42-693E19254233}" type="presOf" srcId="{52463ED4-1741-47B1-A0C6-70DDE405A0F1}" destId="{1CB56DC1-9241-43A2-A4CC-1878E9CBC42C}" srcOrd="0" destOrd="0" presId="urn:microsoft.com/office/officeart/2005/8/layout/hierarchy3"/>
+    <dgm:cxn modelId="{9B84F2B5-D3B7-4164-ACDC-B35CF2F611EA}" type="presOf" srcId="{69C617FC-B3A4-43B0-AA97-C2C55FFFDDE2}" destId="{DC495A99-3CC3-4C44-9CD4-E19127F63245}" srcOrd="0" destOrd="0" presId="urn:microsoft.com/office/officeart/2005/8/layout/hierarchy3"/>
     <dgm:cxn modelId="{37FCB85C-DE03-4B10-BC41-E62FC3560D86}" type="presOf" srcId="{D45CF7C2-193C-447D-87E7-9237551A695E}" destId="{F7D85594-4DA5-4940-BCB2-EDEAB36F297A}" srcOrd="0" destOrd="0" presId="urn:microsoft.com/office/officeart/2005/8/layout/hierarchy3"/>
+    <dgm:cxn modelId="{1C9CA46D-C73F-4177-A570-AD0CE36FD159}" type="presOf" srcId="{184DBD5F-D07D-4F65-ACAE-77D6FCD45332}" destId="{06E93A5F-FB84-4FEE-84C8-8856C5C0DAFF}" srcOrd="1" destOrd="0" presId="urn:microsoft.com/office/officeart/2005/8/layout/hierarchy3"/>
+    <dgm:cxn modelId="{7F0020E9-B5C7-44E9-8850-1F446A5CAD19}" srcId="{CF92D740-E519-4C80-BD09-681CDCE4884C}" destId="{4B3D22EF-9FB2-49EC-B452-7A67D3E513D0}" srcOrd="2" destOrd="0" parTransId="{D5DCCF61-0F45-47ED-AD92-4ECDCDB71DD5}" sibTransId="{E7AE43D9-6909-45B0-B374-6AE5D9254D97}"/>
+    <dgm:cxn modelId="{0CC97DB0-69EA-43A8-98A5-2BB401733E98}" type="presOf" srcId="{1A13F127-3FCD-4EA9-8E72-0D378A0CD30B}" destId="{9108A091-2672-4B4A-8EC9-7BBCD1558DAF}" srcOrd="0" destOrd="0" presId="urn:microsoft.com/office/officeart/2005/8/layout/hierarchy3"/>
+    <dgm:cxn modelId="{AAE8FAF1-85F4-40B6-AD19-EC635CA47454}" type="presOf" srcId="{1A13F127-3FCD-4EA9-8E72-0D378A0CD30B}" destId="{5276D5FB-882E-4BC3-BD19-F4F82706B0E3}" srcOrd="1" destOrd="0" presId="urn:microsoft.com/office/officeart/2005/8/layout/hierarchy3"/>
+    <dgm:cxn modelId="{4E633D2E-07DC-4AF2-A617-F6BE33098971}" type="presOf" srcId="{CF92D740-E519-4C80-BD09-681CDCE4884C}" destId="{5EB09CE6-07B9-4E20-8F8B-D10BBFEF8A68}" srcOrd="0" destOrd="0" presId="urn:microsoft.com/office/officeart/2005/8/layout/hierarchy3"/>
     <dgm:cxn modelId="{659BC00C-1FB2-4347-A313-79187A08CE6C}" type="presOf" srcId="{E2216977-CA69-42CE-BA4E-659FB9DBFA81}" destId="{950149A1-B038-49CC-8E04-F0059BEBE2CB}" srcOrd="0" destOrd="0" presId="urn:microsoft.com/office/officeart/2005/8/layout/hierarchy3"/>
+    <dgm:cxn modelId="{9A836009-34E3-4A4D-BA23-1537511798EC}" type="presOf" srcId="{191FDAFE-3DB2-49D8-8E5A-D0D7D7EFB174}" destId="{8B2E1D33-2D90-409B-91CE-DB815A9F16CD}" srcOrd="0" destOrd="0" presId="urn:microsoft.com/office/officeart/2005/8/layout/hierarchy3"/>
+    <dgm:cxn modelId="{89BA454C-B8D5-4713-9ADD-A5135D9F2B19}" type="presOf" srcId="{4B3D22EF-9FB2-49EC-B452-7A67D3E513D0}" destId="{9EE9022C-A1A4-4896-812C-BF67B355D3FC}" srcOrd="0" destOrd="0" presId="urn:microsoft.com/office/officeart/2005/8/layout/hierarchy3"/>
+    <dgm:cxn modelId="{769714C3-501A-445D-B05A-44152400D50C}" type="presOf" srcId="{D5FAD0EC-14BB-437C-9156-6FFEC5F68BE9}" destId="{14BE7BAD-7DEF-4568-B44D-40A60342DD0A}" srcOrd="0" destOrd="0" presId="urn:microsoft.com/office/officeart/2005/8/layout/hierarchy3"/>
+    <dgm:cxn modelId="{B96E71F4-CC62-4B74-B920-698D87300CDB}" srcId="{4B3D22EF-9FB2-49EC-B452-7A67D3E513D0}" destId="{E2216977-CA69-42CE-BA4E-659FB9DBFA81}" srcOrd="1" destOrd="0" parTransId="{CE7A1C9F-F000-4BE9-8339-B5791C429FBD}" sibTransId="{94B847A5-7429-4E10-9477-1F37CFCF5D74}"/>
+    <dgm:cxn modelId="{EEB139A4-82D1-47FF-B43F-2744C9EB1D68}" type="presOf" srcId="{19CC21F7-C00A-4852-84CC-6120A969BB78}" destId="{D59245B4-7650-49F7-8810-877C15E6D76B}" srcOrd="0" destOrd="0" presId="urn:microsoft.com/office/officeart/2005/8/layout/hierarchy3"/>
+    <dgm:cxn modelId="{D089FC67-EDE7-421B-B53D-88E9012EAD57}" type="presOf" srcId="{4B3D22EF-9FB2-49EC-B452-7A67D3E513D0}" destId="{084B09F3-2CAB-4B90-B51B-ABD8E3716314}" srcOrd="1" destOrd="0" presId="urn:microsoft.com/office/officeart/2005/8/layout/hierarchy3"/>
+    <dgm:cxn modelId="{14B7CE8C-51BA-41C2-8EDF-323957B877BD}" srcId="{CF92D740-E519-4C80-BD09-681CDCE4884C}" destId="{184DBD5F-D07D-4F65-ACAE-77D6FCD45332}" srcOrd="1" destOrd="0" parTransId="{640E596F-5555-4717-94A5-9891CA7BAE21}" sibTransId="{1230C493-06A6-43DE-8681-20BA836CE3BC}"/>
+    <dgm:cxn modelId="{2CE03943-B1C7-46A7-AA4E-0F10FC0111D2}" type="presOf" srcId="{B6AADEFF-7F66-4768-BEA5-52E2CFC1F4D8}" destId="{A4DF48BC-C80A-40AA-8875-46B7EC62C64E}" srcOrd="0" destOrd="0" presId="urn:microsoft.com/office/officeart/2005/8/layout/hierarchy3"/>
+    <dgm:cxn modelId="{4EB48D0C-80F8-4A8F-9831-19C1EF969BD0}" type="presOf" srcId="{CE7A1C9F-F000-4BE9-8339-B5791C429FBD}" destId="{7CA3DDAE-BF88-4855-AC2F-E7A514981FE1}" srcOrd="0" destOrd="0" presId="urn:microsoft.com/office/officeart/2005/8/layout/hierarchy3"/>
     <dgm:cxn modelId="{25B52FB6-7BA1-4D6F-9E09-4DA6D987EEEA}" srcId="{184DBD5F-D07D-4F65-ACAE-77D6FCD45332}" destId="{EE2F25D5-EE39-4923-9E95-DF55A2ED0CFF}" srcOrd="1" destOrd="0" parTransId="{95668334-1052-40BD-9BC9-ACE06B7C38EE}" sibTransId="{56FB40FA-1769-4EAB-ABD7-CBBA82EAD074}"/>
-    <dgm:cxn modelId="{7F0020E9-B5C7-44E9-8850-1F446A5CAD19}" srcId="{CF92D740-E519-4C80-BD09-681CDCE4884C}" destId="{4B3D22EF-9FB2-49EC-B452-7A67D3E513D0}" srcOrd="2" destOrd="0" parTransId="{D5DCCF61-0F45-47ED-AD92-4ECDCDB71DD5}" sibTransId="{E7AE43D9-6909-45B0-B374-6AE5D9254D97}"/>
-    <dgm:cxn modelId="{AC022202-5120-4DB9-9D5E-65A5ED2556C5}" type="presOf" srcId="{95668334-1052-40BD-9BC9-ACE06B7C38EE}" destId="{B22AED20-DDE9-4F27-98ED-852D664DEE50}" srcOrd="0" destOrd="0" presId="urn:microsoft.com/office/officeart/2005/8/layout/hierarchy3"/>
-    <dgm:cxn modelId="{9A836009-34E3-4A4D-BA23-1537511798EC}" type="presOf" srcId="{191FDAFE-3DB2-49D8-8E5A-D0D7D7EFB174}" destId="{8B2E1D33-2D90-409B-91CE-DB815A9F16CD}" srcOrd="0" destOrd="0" presId="urn:microsoft.com/office/officeart/2005/8/layout/hierarchy3"/>
-    <dgm:cxn modelId="{0CC97DB0-69EA-43A8-98A5-2BB401733E98}" type="presOf" srcId="{1A13F127-3FCD-4EA9-8E72-0D378A0CD30B}" destId="{9108A091-2672-4B4A-8EC9-7BBCD1558DAF}" srcOrd="0" destOrd="0" presId="urn:microsoft.com/office/officeart/2005/8/layout/hierarchy3"/>
-    <dgm:cxn modelId="{2CE03943-B1C7-46A7-AA4E-0F10FC0111D2}" type="presOf" srcId="{B6AADEFF-7F66-4768-BEA5-52E2CFC1F4D8}" destId="{A4DF48BC-C80A-40AA-8875-46B7EC62C64E}" srcOrd="0" destOrd="0" presId="urn:microsoft.com/office/officeart/2005/8/layout/hierarchy3"/>
-    <dgm:cxn modelId="{1237377A-11A6-4374-8A96-10F7395D0139}" type="presOf" srcId="{8C5E4515-7897-4B59-BA3C-6B204E4B0B21}" destId="{9D511374-7D7B-4EC8-ADF3-F61D1EE76F2F}" srcOrd="0" destOrd="0" presId="urn:microsoft.com/office/officeart/2005/8/layout/hierarchy3"/>
-    <dgm:cxn modelId="{EEB139A4-82D1-47FF-B43F-2744C9EB1D68}" type="presOf" srcId="{19CC21F7-C00A-4852-84CC-6120A969BB78}" destId="{D59245B4-7650-49F7-8810-877C15E6D76B}" srcOrd="0" destOrd="0" presId="urn:microsoft.com/office/officeart/2005/8/layout/hierarchy3"/>
-    <dgm:cxn modelId="{BA1B77D5-688B-4985-94D6-32B31128DD92}" srcId="{184DBD5F-D07D-4F65-ACAE-77D6FCD45332}" destId="{D5FAD0EC-14BB-437C-9156-6FFEC5F68BE9}" srcOrd="2" destOrd="0" parTransId="{D45CF7C2-193C-447D-87E7-9237551A695E}" sibTransId="{8ED690BD-D1AC-4B56-A9AB-E63BC5677321}"/>
-    <dgm:cxn modelId="{D089FC67-EDE7-421B-B53D-88E9012EAD57}" type="presOf" srcId="{4B3D22EF-9FB2-49EC-B452-7A67D3E513D0}" destId="{084B09F3-2CAB-4B90-B51B-ABD8E3716314}" srcOrd="1" destOrd="0" presId="urn:microsoft.com/office/officeart/2005/8/layout/hierarchy3"/>
-    <dgm:cxn modelId="{3C068E3C-2325-400C-8524-A4C227816E58}" srcId="{CF92D740-E519-4C80-BD09-681CDCE4884C}" destId="{1A13F127-3FCD-4EA9-8E72-0D378A0CD30B}" srcOrd="0" destOrd="0" parTransId="{7AF9FA00-5B54-4201-A01F-CAD231CB394A}" sibTransId="{C5342E6E-F8A3-4B2F-82EB-07A2E88446D0}"/>
-    <dgm:cxn modelId="{81A4742A-883B-4B2F-A016-1FCCAE9EB0EB}" srcId="{1A13F127-3FCD-4EA9-8E72-0D378A0CD30B}" destId="{52463ED4-1741-47B1-A0C6-70DDE405A0F1}" srcOrd="0" destOrd="0" parTransId="{19CC21F7-C00A-4852-84CC-6120A969BB78}" sibTransId="{B27701D8-B870-484C-8B32-A93747ED2DD9}"/>
-    <dgm:cxn modelId="{AAE8FAF1-85F4-40B6-AD19-EC635CA47454}" type="presOf" srcId="{1A13F127-3FCD-4EA9-8E72-0D378A0CD30B}" destId="{5276D5FB-882E-4BC3-BD19-F4F82706B0E3}" srcOrd="1" destOrd="0" presId="urn:microsoft.com/office/officeart/2005/8/layout/hierarchy3"/>
-    <dgm:cxn modelId="{4EB48D0C-80F8-4A8F-9831-19C1EF969BD0}" type="presOf" srcId="{CE7A1C9F-F000-4BE9-8339-B5791C429FBD}" destId="{7CA3DDAE-BF88-4855-AC2F-E7A514981FE1}" srcOrd="0" destOrd="0" presId="urn:microsoft.com/office/officeart/2005/8/layout/hierarchy3"/>
-    <dgm:cxn modelId="{2C9E6FA2-731B-4A8D-9EB0-319E7D66E1E3}" srcId="{184DBD5F-D07D-4F65-ACAE-77D6FCD45332}" destId="{69C617FC-B3A4-43B0-AA97-C2C55FFFDDE2}" srcOrd="0" destOrd="0" parTransId="{8C5E4515-7897-4B59-BA3C-6B204E4B0B21}" sibTransId="{7B23EE94-EAFD-4E5F-906F-186A8C1267E5}"/>
-    <dgm:cxn modelId="{1C9CA46D-C73F-4177-A570-AD0CE36FD159}" type="presOf" srcId="{184DBD5F-D07D-4F65-ACAE-77D6FCD45332}" destId="{06E93A5F-FB84-4FEE-84C8-8856C5C0DAFF}" srcOrd="1" destOrd="0" presId="urn:microsoft.com/office/officeart/2005/8/layout/hierarchy3"/>
-    <dgm:cxn modelId="{14B7CE8C-51BA-41C2-8EDF-323957B877BD}" srcId="{CF92D740-E519-4C80-BD09-681CDCE4884C}" destId="{184DBD5F-D07D-4F65-ACAE-77D6FCD45332}" srcOrd="1" destOrd="0" parTransId="{640E596F-5555-4717-94A5-9891CA7BAE21}" sibTransId="{1230C493-06A6-43DE-8681-20BA836CE3BC}"/>
-    <dgm:cxn modelId="{769714C3-501A-445D-B05A-44152400D50C}" type="presOf" srcId="{D5FAD0EC-14BB-437C-9156-6FFEC5F68BE9}" destId="{14BE7BAD-7DEF-4568-B44D-40A60342DD0A}" srcOrd="0" destOrd="0" presId="urn:microsoft.com/office/officeart/2005/8/layout/hierarchy3"/>
-    <dgm:cxn modelId="{6B1C5618-90D7-4E8E-83BA-2078FAB00A22}" srcId="{4B3D22EF-9FB2-49EC-B452-7A67D3E513D0}" destId="{191FDAFE-3DB2-49D8-8E5A-D0D7D7EFB174}" srcOrd="0" destOrd="0" parTransId="{B6AADEFF-7F66-4768-BEA5-52E2CFC1F4D8}" sibTransId="{3979FF24-E642-45AB-90D8-CE6A8C5723E8}"/>
-    <dgm:cxn modelId="{4E633D2E-07DC-4AF2-A617-F6BE33098971}" type="presOf" srcId="{CF92D740-E519-4C80-BD09-681CDCE4884C}" destId="{5EB09CE6-07B9-4E20-8F8B-D10BBFEF8A68}" srcOrd="0" destOrd="0" presId="urn:microsoft.com/office/officeart/2005/8/layout/hierarchy3"/>
-    <dgm:cxn modelId="{C7C868DA-73E0-4BB2-94FB-BBBDA42A717F}" type="presOf" srcId="{EE2F25D5-EE39-4923-9E95-DF55A2ED0CFF}" destId="{222E0677-6280-4BEE-9943-9B6567E1B4A1}" srcOrd="0" destOrd="0" presId="urn:microsoft.com/office/officeart/2005/8/layout/hierarchy3"/>
-    <dgm:cxn modelId="{90C33AE1-DB38-402E-B48C-9C06209B91B6}" type="presOf" srcId="{184DBD5F-D07D-4F65-ACAE-77D6FCD45332}" destId="{BA964914-75D2-4B0C-B728-3154E50AF5FD}" srcOrd="0" destOrd="0" presId="urn:microsoft.com/office/officeart/2005/8/layout/hierarchy3"/>
-    <dgm:cxn modelId="{B96E71F4-CC62-4B74-B920-698D87300CDB}" srcId="{4B3D22EF-9FB2-49EC-B452-7A67D3E513D0}" destId="{E2216977-CA69-42CE-BA4E-659FB9DBFA81}" srcOrd="1" destOrd="0" parTransId="{CE7A1C9F-F000-4BE9-8339-B5791C429FBD}" sibTransId="{94B847A5-7429-4E10-9477-1F37CFCF5D74}"/>
-    <dgm:cxn modelId="{389F8016-17EB-4258-AF42-693E19254233}" type="presOf" srcId="{52463ED4-1741-47B1-A0C6-70DDE405A0F1}" destId="{1CB56DC1-9241-43A2-A4CC-1878E9CBC42C}" srcOrd="0" destOrd="0" presId="urn:microsoft.com/office/officeart/2005/8/layout/hierarchy3"/>
-    <dgm:cxn modelId="{89BA454C-B8D5-4713-9ADD-A5135D9F2B19}" type="presOf" srcId="{4B3D22EF-9FB2-49EC-B452-7A67D3E513D0}" destId="{9EE9022C-A1A4-4896-812C-BF67B355D3FC}" srcOrd="0" destOrd="0" presId="urn:microsoft.com/office/officeart/2005/8/layout/hierarchy3"/>
-    <dgm:cxn modelId="{9B84F2B5-D3B7-4164-ACDC-B35CF2F611EA}" type="presOf" srcId="{69C617FC-B3A4-43B0-AA97-C2C55FFFDDE2}" destId="{DC495A99-3CC3-4C44-9CD4-E19127F63245}" srcOrd="0" destOrd="0" presId="urn:microsoft.com/office/officeart/2005/8/layout/hierarchy3"/>
     <dgm:cxn modelId="{BB560D48-C929-4886-8456-6F55E03F6FBE}" type="presParOf" srcId="{5EB09CE6-07B9-4E20-8F8B-D10BBFEF8A68}" destId="{CF30C37E-0609-4379-AC1B-3609DAF56A6B}" srcOrd="0" destOrd="0" presId="urn:microsoft.com/office/officeart/2005/8/layout/hierarchy3"/>
     <dgm:cxn modelId="{14C0087B-B0F0-445E-A0E8-463B7645446C}" type="presParOf" srcId="{CF30C37E-0609-4379-AC1B-3609DAF56A6B}" destId="{EE9677D2-269C-451F-B5C1-B11FDB94EB65}" srcOrd="0" destOrd="0" presId="urn:microsoft.com/office/officeart/2005/8/layout/hierarchy3"/>
     <dgm:cxn modelId="{F8715430-FD9D-44B8-AA70-10AD8ECCF1AB}" type="presParOf" srcId="{EE9677D2-269C-451F-B5C1-B11FDB94EB65}" destId="{9108A091-2672-4B4A-8EC9-7BBCD1558DAF}" srcOrd="0" destOrd="0" presId="urn:microsoft.com/office/officeart/2005/8/layout/hierarchy3"/>
@@ -1604,20 +1604,1082 @@
   <dgm:whole/>
   <dgm:extLst>
     <a:ext uri="http://schemas.microsoft.com/office/drawing/2008/diagram">
-      <dsp:dataModelExt xmlns:dsp="http://schemas.microsoft.com/office/drawing/2008/diagram" xmlns="" relId="rId6" minVer="http://schemas.openxmlformats.org/drawingml/2006/diagram"/>
+      <dsp:dataModelExt xmlns:dsp="http://schemas.microsoft.com/office/drawing/2008/diagram" relId="rId6" minVer="http://schemas.openxmlformats.org/drawingml/2006/diagram"/>
     </a:ext>
   </dgm:extLst>
 </dgm:dataModel>
 </file>
 
 <file path=ppt/diagrams/drawing1.xml><?xml version="1.0" encoding="utf-8"?>
-<dsp:drawing xmlns:dgm="http://schemas.openxmlformats.org/drawingml/2006/diagram" xmlns:a="http://schemas.openxmlformats.org/drawingml/2006/main" xmlns:dsp="http://schemas.microsoft.com/office/drawing/2008/diagram">
+<dsp:drawing xmlns:dgm="http://schemas.openxmlformats.org/drawingml/2006/diagram" xmlns:dsp="http://schemas.microsoft.com/office/drawing/2008/diagram" xmlns:a="http://schemas.openxmlformats.org/drawingml/2006/main">
   <dsp:spTree>
     <dsp:nvGrpSpPr>
       <dsp:cNvPr id="0" name=""/>
       <dsp:cNvGrpSpPr/>
     </dsp:nvGrpSpPr>
     <dsp:grpSpPr/>
+    <dsp:sp modelId="{9108A091-2672-4B4A-8EC9-7BBCD1558DAF}">
+      <dsp:nvSpPr>
+        <dsp:cNvPr id="0" name=""/>
+        <dsp:cNvSpPr/>
+      </dsp:nvSpPr>
+      <dsp:spPr>
+        <a:xfrm>
+          <a:off x="412" y="6811"/>
+          <a:ext cx="966415" cy="483207"/>
+        </a:xfrm>
+        <a:prstGeom prst="roundRect">
+          <a:avLst>
+            <a:gd name="adj" fmla="val 10000"/>
+          </a:avLst>
+        </a:prstGeom>
+        <a:solidFill>
+          <a:schemeClr val="lt1">
+            <a:hueOff val="0"/>
+            <a:satOff val="0"/>
+            <a:lumOff val="0"/>
+            <a:alphaOff val="0"/>
+          </a:schemeClr>
+        </a:solidFill>
+        <a:ln w="25400" cap="flat" cmpd="sng" algn="ctr">
+          <a:solidFill>
+            <a:schemeClr val="dk1">
+              <a:shade val="80000"/>
+              <a:hueOff val="0"/>
+              <a:satOff val="0"/>
+              <a:lumOff val="0"/>
+              <a:alphaOff val="0"/>
+            </a:schemeClr>
+          </a:solidFill>
+          <a:prstDash val="solid"/>
+        </a:ln>
+        <a:effectLst/>
+      </dsp:spPr>
+      <dsp:style>
+        <a:lnRef idx="2">
+          <a:scrgbClr r="0" g="0" b="0"/>
+        </a:lnRef>
+        <a:fillRef idx="1">
+          <a:scrgbClr r="0" g="0" b="0"/>
+        </a:fillRef>
+        <a:effectRef idx="0">
+          <a:scrgbClr r="0" g="0" b="0"/>
+        </a:effectRef>
+        <a:fontRef idx="minor">
+          <a:schemeClr val="lt1"/>
+        </a:fontRef>
+      </dsp:style>
+      <dsp:txBody>
+        <a:bodyPr spcFirstLastPara="0" vert="horz" wrap="square" lIns="26670" tIns="17780" rIns="26670" bIns="17780" numCol="1" spcCol="1270" anchor="ctr" anchorCtr="0">
+          <a:noAutofit/>
+        </a:bodyPr>
+        <a:lstStyle/>
+        <a:p>
+          <a:pPr lvl="0" algn="ctr" defTabSz="622300">
+            <a:lnSpc>
+              <a:spcPct val="90000"/>
+            </a:lnSpc>
+            <a:spcBef>
+              <a:spcPct val="0"/>
+            </a:spcBef>
+            <a:spcAft>
+              <a:spcPct val="35000"/>
+            </a:spcAft>
+          </a:pPr>
+          <a:r>
+            <a:rPr lang="en-US" sz="1400" kern="1200" dirty="0" smtClean="0"/>
+            <a:t>Digital (STM)</a:t>
+          </a:r>
+          <a:endParaRPr lang="en-US" sz="1400" kern="1200" dirty="0"/>
+        </a:p>
+      </dsp:txBody>
+      <dsp:txXfrm>
+        <a:off x="14565" y="20964"/>
+        <a:ext cx="938109" cy="454901"/>
+      </dsp:txXfrm>
+    </dsp:sp>
+    <dsp:sp modelId="{D59245B4-7650-49F7-8810-877C15E6D76B}">
+      <dsp:nvSpPr>
+        <dsp:cNvPr id="0" name=""/>
+        <dsp:cNvSpPr/>
+      </dsp:nvSpPr>
+      <dsp:spPr>
+        <a:xfrm>
+          <a:off x="97054" y="490019"/>
+          <a:ext cx="96641" cy="362405"/>
+        </a:xfrm>
+        <a:custGeom>
+          <a:avLst/>
+          <a:gdLst/>
+          <a:ahLst/>
+          <a:cxnLst/>
+          <a:rect l="0" t="0" r="0" b="0"/>
+          <a:pathLst>
+            <a:path>
+              <a:moveTo>
+                <a:pt x="0" y="0"/>
+              </a:moveTo>
+              <a:lnTo>
+                <a:pt x="0" y="362405"/>
+              </a:lnTo>
+              <a:lnTo>
+                <a:pt x="96641" y="362405"/>
+              </a:lnTo>
+            </a:path>
+          </a:pathLst>
+        </a:custGeom>
+        <a:noFill/>
+        <a:ln w="25400" cap="flat" cmpd="sng" algn="ctr">
+          <a:solidFill>
+            <a:schemeClr val="dk1">
+              <a:shade val="60000"/>
+              <a:hueOff val="0"/>
+              <a:satOff val="0"/>
+              <a:lumOff val="0"/>
+              <a:alphaOff val="0"/>
+            </a:schemeClr>
+          </a:solidFill>
+          <a:prstDash val="solid"/>
+        </a:ln>
+        <a:effectLst/>
+      </dsp:spPr>
+      <dsp:style>
+        <a:lnRef idx="2">
+          <a:scrgbClr r="0" g="0" b="0"/>
+        </a:lnRef>
+        <a:fillRef idx="0">
+          <a:scrgbClr r="0" g="0" b="0"/>
+        </a:fillRef>
+        <a:effectRef idx="0">
+          <a:scrgbClr r="0" g="0" b="0"/>
+        </a:effectRef>
+        <a:fontRef idx="minor"/>
+      </dsp:style>
+    </dsp:sp>
+    <dsp:sp modelId="{1CB56DC1-9241-43A2-A4CC-1878E9CBC42C}">
+      <dsp:nvSpPr>
+        <dsp:cNvPr id="0" name=""/>
+        <dsp:cNvSpPr/>
+      </dsp:nvSpPr>
+      <dsp:spPr>
+        <a:xfrm>
+          <a:off x="193696" y="610821"/>
+          <a:ext cx="773132" cy="483207"/>
+        </a:xfrm>
+        <a:prstGeom prst="roundRect">
+          <a:avLst>
+            <a:gd name="adj" fmla="val 10000"/>
+          </a:avLst>
+        </a:prstGeom>
+        <a:solidFill>
+          <a:schemeClr val="dk1">
+            <a:alpha val="90000"/>
+            <a:tint val="40000"/>
+            <a:hueOff val="0"/>
+            <a:satOff val="0"/>
+            <a:lumOff val="0"/>
+            <a:alphaOff val="0"/>
+          </a:schemeClr>
+        </a:solidFill>
+        <a:ln w="25400" cap="flat" cmpd="sng" algn="ctr">
+          <a:solidFill>
+            <a:schemeClr val="dk1">
+              <a:hueOff val="0"/>
+              <a:satOff val="0"/>
+              <a:lumOff val="0"/>
+              <a:alphaOff val="0"/>
+            </a:schemeClr>
+          </a:solidFill>
+          <a:prstDash val="solid"/>
+        </a:ln>
+        <a:effectLst/>
+      </dsp:spPr>
+      <dsp:style>
+        <a:lnRef idx="2">
+          <a:scrgbClr r="0" g="0" b="0"/>
+        </a:lnRef>
+        <a:fillRef idx="1">
+          <a:scrgbClr r="0" g="0" b="0"/>
+        </a:fillRef>
+        <a:effectRef idx="0">
+          <a:scrgbClr r="0" g="0" b="0"/>
+        </a:effectRef>
+        <a:fontRef idx="minor"/>
+      </dsp:style>
+      <dsp:txBody>
+        <a:bodyPr spcFirstLastPara="0" vert="horz" wrap="square" lIns="26670" tIns="17780" rIns="26670" bIns="17780" numCol="1" spcCol="1270" anchor="ctr" anchorCtr="0">
+          <a:noAutofit/>
+        </a:bodyPr>
+        <a:lstStyle/>
+        <a:p>
+          <a:pPr lvl="0" algn="ctr" defTabSz="622300">
+            <a:lnSpc>
+              <a:spcPct val="90000"/>
+            </a:lnSpc>
+            <a:spcBef>
+              <a:spcPct val="0"/>
+            </a:spcBef>
+            <a:spcAft>
+              <a:spcPct val="35000"/>
+            </a:spcAft>
+          </a:pPr>
+          <a:r>
+            <a:rPr lang="en-US" sz="1400" kern="1200" dirty="0" smtClean="0"/>
+            <a:t>3.3V</a:t>
+          </a:r>
+          <a:endParaRPr lang="en-US" sz="1400" kern="1200" dirty="0"/>
+        </a:p>
+      </dsp:txBody>
+      <dsp:txXfrm>
+        <a:off x="207849" y="624974"/>
+        <a:ext cx="744826" cy="454901"/>
+      </dsp:txXfrm>
+    </dsp:sp>
+    <dsp:sp modelId="{BA964914-75D2-4B0C-B728-3154E50AF5FD}">
+      <dsp:nvSpPr>
+        <dsp:cNvPr id="0" name=""/>
+        <dsp:cNvSpPr/>
+      </dsp:nvSpPr>
+      <dsp:spPr>
+        <a:xfrm>
+          <a:off x="1208432" y="6811"/>
+          <a:ext cx="966415" cy="483207"/>
+        </a:xfrm>
+        <a:prstGeom prst="roundRect">
+          <a:avLst>
+            <a:gd name="adj" fmla="val 10000"/>
+          </a:avLst>
+        </a:prstGeom>
+        <a:solidFill>
+          <a:schemeClr val="lt1">
+            <a:hueOff val="0"/>
+            <a:satOff val="0"/>
+            <a:lumOff val="0"/>
+            <a:alphaOff val="0"/>
+          </a:schemeClr>
+        </a:solidFill>
+        <a:ln w="25400" cap="flat" cmpd="sng" algn="ctr">
+          <a:solidFill>
+            <a:schemeClr val="dk1">
+              <a:shade val="80000"/>
+              <a:hueOff val="0"/>
+              <a:satOff val="0"/>
+              <a:lumOff val="0"/>
+              <a:alphaOff val="0"/>
+            </a:schemeClr>
+          </a:solidFill>
+          <a:prstDash val="solid"/>
+        </a:ln>
+        <a:effectLst/>
+      </dsp:spPr>
+      <dsp:style>
+        <a:lnRef idx="2">
+          <a:scrgbClr r="0" g="0" b="0"/>
+        </a:lnRef>
+        <a:fillRef idx="1">
+          <a:scrgbClr r="0" g="0" b="0"/>
+        </a:fillRef>
+        <a:effectRef idx="0">
+          <a:scrgbClr r="0" g="0" b="0"/>
+        </a:effectRef>
+        <a:fontRef idx="minor">
+          <a:schemeClr val="lt1"/>
+        </a:fontRef>
+      </dsp:style>
+      <dsp:txBody>
+        <a:bodyPr spcFirstLastPara="0" vert="horz" wrap="square" lIns="26670" tIns="17780" rIns="26670" bIns="17780" numCol="1" spcCol="1270" anchor="ctr" anchorCtr="0">
+          <a:noAutofit/>
+        </a:bodyPr>
+        <a:lstStyle/>
+        <a:p>
+          <a:pPr lvl="0" algn="ctr" defTabSz="622300">
+            <a:lnSpc>
+              <a:spcPct val="90000"/>
+            </a:lnSpc>
+            <a:spcBef>
+              <a:spcPct val="0"/>
+            </a:spcBef>
+            <a:spcAft>
+              <a:spcPct val="35000"/>
+            </a:spcAft>
+          </a:pPr>
+          <a:r>
+            <a:rPr lang="en-US" sz="1400" kern="1200" dirty="0" smtClean="0"/>
+            <a:t>Digital</a:t>
+          </a:r>
+          <a:endParaRPr lang="en-US" sz="1400" kern="1200" dirty="0"/>
+        </a:p>
+      </dsp:txBody>
+      <dsp:txXfrm>
+        <a:off x="1222585" y="20964"/>
+        <a:ext cx="938109" cy="454901"/>
+      </dsp:txXfrm>
+    </dsp:sp>
+    <dsp:sp modelId="{9D511374-7D7B-4EC8-ADF3-F61D1EE76F2F}">
+      <dsp:nvSpPr>
+        <dsp:cNvPr id="0" name=""/>
+        <dsp:cNvSpPr/>
+      </dsp:nvSpPr>
+      <dsp:spPr>
+        <a:xfrm>
+          <a:off x="1305073" y="490019"/>
+          <a:ext cx="96641" cy="362405"/>
+        </a:xfrm>
+        <a:custGeom>
+          <a:avLst/>
+          <a:gdLst/>
+          <a:ahLst/>
+          <a:cxnLst/>
+          <a:rect l="0" t="0" r="0" b="0"/>
+          <a:pathLst>
+            <a:path>
+              <a:moveTo>
+                <a:pt x="0" y="0"/>
+              </a:moveTo>
+              <a:lnTo>
+                <a:pt x="0" y="362405"/>
+              </a:lnTo>
+              <a:lnTo>
+                <a:pt x="96641" y="362405"/>
+              </a:lnTo>
+            </a:path>
+          </a:pathLst>
+        </a:custGeom>
+        <a:noFill/>
+        <a:ln w="25400" cap="flat" cmpd="sng" algn="ctr">
+          <a:solidFill>
+            <a:schemeClr val="dk1">
+              <a:shade val="60000"/>
+              <a:hueOff val="0"/>
+              <a:satOff val="0"/>
+              <a:lumOff val="0"/>
+              <a:alphaOff val="0"/>
+            </a:schemeClr>
+          </a:solidFill>
+          <a:prstDash val="solid"/>
+        </a:ln>
+        <a:effectLst/>
+      </dsp:spPr>
+      <dsp:style>
+        <a:lnRef idx="2">
+          <a:scrgbClr r="0" g="0" b="0"/>
+        </a:lnRef>
+        <a:fillRef idx="0">
+          <a:scrgbClr r="0" g="0" b="0"/>
+        </a:fillRef>
+        <a:effectRef idx="0">
+          <a:scrgbClr r="0" g="0" b="0"/>
+        </a:effectRef>
+        <a:fontRef idx="minor"/>
+      </dsp:style>
+    </dsp:sp>
+    <dsp:sp modelId="{DC495A99-3CC3-4C44-9CD4-E19127F63245}">
+      <dsp:nvSpPr>
+        <dsp:cNvPr id="0" name=""/>
+        <dsp:cNvSpPr/>
+      </dsp:nvSpPr>
+      <dsp:spPr>
+        <a:xfrm>
+          <a:off x="1401715" y="610821"/>
+          <a:ext cx="773132" cy="483207"/>
+        </a:xfrm>
+        <a:prstGeom prst="roundRect">
+          <a:avLst>
+            <a:gd name="adj" fmla="val 10000"/>
+          </a:avLst>
+        </a:prstGeom>
+        <a:solidFill>
+          <a:schemeClr val="dk1">
+            <a:alpha val="90000"/>
+            <a:tint val="40000"/>
+            <a:hueOff val="0"/>
+            <a:satOff val="0"/>
+            <a:lumOff val="0"/>
+            <a:alphaOff val="0"/>
+          </a:schemeClr>
+        </a:solidFill>
+        <a:ln w="25400" cap="flat" cmpd="sng" algn="ctr">
+          <a:solidFill>
+            <a:schemeClr val="dk1">
+              <a:hueOff val="0"/>
+              <a:satOff val="0"/>
+              <a:lumOff val="0"/>
+              <a:alphaOff val="0"/>
+            </a:schemeClr>
+          </a:solidFill>
+          <a:prstDash val="solid"/>
+        </a:ln>
+        <a:effectLst/>
+      </dsp:spPr>
+      <dsp:style>
+        <a:lnRef idx="2">
+          <a:scrgbClr r="0" g="0" b="0"/>
+        </a:lnRef>
+        <a:fillRef idx="1">
+          <a:scrgbClr r="0" g="0" b="0"/>
+        </a:fillRef>
+        <a:effectRef idx="0">
+          <a:scrgbClr r="0" g="0" b="0"/>
+        </a:effectRef>
+        <a:fontRef idx="minor"/>
+      </dsp:style>
+      <dsp:txBody>
+        <a:bodyPr spcFirstLastPara="0" vert="horz" wrap="square" lIns="26670" tIns="17780" rIns="26670" bIns="17780" numCol="1" spcCol="1270" anchor="ctr" anchorCtr="0">
+          <a:noAutofit/>
+        </a:bodyPr>
+        <a:lstStyle/>
+        <a:p>
+          <a:pPr lvl="0" algn="ctr" defTabSz="622300">
+            <a:lnSpc>
+              <a:spcPct val="90000"/>
+            </a:lnSpc>
+            <a:spcBef>
+              <a:spcPct val="0"/>
+            </a:spcBef>
+            <a:spcAft>
+              <a:spcPct val="35000"/>
+            </a:spcAft>
+          </a:pPr>
+          <a:r>
+            <a:rPr lang="en-US" sz="1400" kern="1200" smtClean="0"/>
+            <a:t>2.8V-5.5V</a:t>
+          </a:r>
+          <a:endParaRPr lang="en-US" sz="1400" kern="1200" dirty="0"/>
+        </a:p>
+      </dsp:txBody>
+      <dsp:txXfrm>
+        <a:off x="1415868" y="624974"/>
+        <a:ext cx="744826" cy="454901"/>
+      </dsp:txXfrm>
+    </dsp:sp>
+    <dsp:sp modelId="{B22AED20-DDE9-4F27-98ED-852D664DEE50}">
+      <dsp:nvSpPr>
+        <dsp:cNvPr id="0" name=""/>
+        <dsp:cNvSpPr/>
+      </dsp:nvSpPr>
+      <dsp:spPr>
+        <a:xfrm>
+          <a:off x="1305073" y="490019"/>
+          <a:ext cx="96641" cy="966415"/>
+        </a:xfrm>
+        <a:custGeom>
+          <a:avLst/>
+          <a:gdLst/>
+          <a:ahLst/>
+          <a:cxnLst/>
+          <a:rect l="0" t="0" r="0" b="0"/>
+          <a:pathLst>
+            <a:path>
+              <a:moveTo>
+                <a:pt x="0" y="0"/>
+              </a:moveTo>
+              <a:lnTo>
+                <a:pt x="0" y="966415"/>
+              </a:lnTo>
+              <a:lnTo>
+                <a:pt x="96641" y="966415"/>
+              </a:lnTo>
+            </a:path>
+          </a:pathLst>
+        </a:custGeom>
+        <a:noFill/>
+        <a:ln w="25400" cap="flat" cmpd="sng" algn="ctr">
+          <a:solidFill>
+            <a:schemeClr val="dk1">
+              <a:shade val="60000"/>
+              <a:hueOff val="0"/>
+              <a:satOff val="0"/>
+              <a:lumOff val="0"/>
+              <a:alphaOff val="0"/>
+            </a:schemeClr>
+          </a:solidFill>
+          <a:prstDash val="solid"/>
+        </a:ln>
+        <a:effectLst/>
+      </dsp:spPr>
+      <dsp:style>
+        <a:lnRef idx="2">
+          <a:scrgbClr r="0" g="0" b="0"/>
+        </a:lnRef>
+        <a:fillRef idx="0">
+          <a:scrgbClr r="0" g="0" b="0"/>
+        </a:fillRef>
+        <a:effectRef idx="0">
+          <a:scrgbClr r="0" g="0" b="0"/>
+        </a:effectRef>
+        <a:fontRef idx="minor"/>
+      </dsp:style>
+    </dsp:sp>
+    <dsp:sp modelId="{222E0677-6280-4BEE-9943-9B6567E1B4A1}">
+      <dsp:nvSpPr>
+        <dsp:cNvPr id="0" name=""/>
+        <dsp:cNvSpPr/>
+      </dsp:nvSpPr>
+      <dsp:spPr>
+        <a:xfrm>
+          <a:off x="1401715" y="1214830"/>
+          <a:ext cx="773132" cy="483207"/>
+        </a:xfrm>
+        <a:prstGeom prst="roundRect">
+          <a:avLst>
+            <a:gd name="adj" fmla="val 10000"/>
+          </a:avLst>
+        </a:prstGeom>
+        <a:solidFill>
+          <a:schemeClr val="dk1">
+            <a:alpha val="90000"/>
+            <a:tint val="40000"/>
+            <a:hueOff val="0"/>
+            <a:satOff val="0"/>
+            <a:lumOff val="0"/>
+            <a:alphaOff val="0"/>
+          </a:schemeClr>
+        </a:solidFill>
+        <a:ln w="25400" cap="flat" cmpd="sng" algn="ctr">
+          <a:solidFill>
+            <a:schemeClr val="dk1">
+              <a:hueOff val="0"/>
+              <a:satOff val="0"/>
+              <a:lumOff val="0"/>
+              <a:alphaOff val="0"/>
+            </a:schemeClr>
+          </a:solidFill>
+          <a:prstDash val="solid"/>
+        </a:ln>
+        <a:effectLst/>
+      </dsp:spPr>
+      <dsp:style>
+        <a:lnRef idx="2">
+          <a:scrgbClr r="0" g="0" b="0"/>
+        </a:lnRef>
+        <a:fillRef idx="1">
+          <a:scrgbClr r="0" g="0" b="0"/>
+        </a:fillRef>
+        <a:effectRef idx="0">
+          <a:scrgbClr r="0" g="0" b="0"/>
+        </a:effectRef>
+        <a:fontRef idx="minor"/>
+      </dsp:style>
+      <dsp:txBody>
+        <a:bodyPr spcFirstLastPara="0" vert="horz" wrap="square" lIns="26670" tIns="17780" rIns="26670" bIns="17780" numCol="1" spcCol="1270" anchor="ctr" anchorCtr="0">
+          <a:noAutofit/>
+        </a:bodyPr>
+        <a:lstStyle/>
+        <a:p>
+          <a:pPr lvl="0" algn="ctr" defTabSz="622300">
+            <a:lnSpc>
+              <a:spcPct val="90000"/>
+            </a:lnSpc>
+            <a:spcBef>
+              <a:spcPct val="0"/>
+            </a:spcBef>
+            <a:spcAft>
+              <a:spcPct val="35000"/>
+            </a:spcAft>
+          </a:pPr>
+          <a:r>
+            <a:rPr lang="en-US" sz="1400" kern="1200" dirty="0" smtClean="0"/>
+            <a:t>3.3V</a:t>
+          </a:r>
+          <a:endParaRPr lang="en-US" sz="1400" kern="1200" dirty="0"/>
+        </a:p>
+      </dsp:txBody>
+      <dsp:txXfrm>
+        <a:off x="1415868" y="1228983"/>
+        <a:ext cx="744826" cy="454901"/>
+      </dsp:txXfrm>
+    </dsp:sp>
+    <dsp:sp modelId="{F7D85594-4DA5-4940-BCB2-EDEAB36F297A}">
+      <dsp:nvSpPr>
+        <dsp:cNvPr id="0" name=""/>
+        <dsp:cNvSpPr/>
+      </dsp:nvSpPr>
+      <dsp:spPr>
+        <a:xfrm>
+          <a:off x="1305073" y="490019"/>
+          <a:ext cx="96641" cy="1570425"/>
+        </a:xfrm>
+        <a:custGeom>
+          <a:avLst/>
+          <a:gdLst/>
+          <a:ahLst/>
+          <a:cxnLst/>
+          <a:rect l="0" t="0" r="0" b="0"/>
+          <a:pathLst>
+            <a:path>
+              <a:moveTo>
+                <a:pt x="0" y="0"/>
+              </a:moveTo>
+              <a:lnTo>
+                <a:pt x="0" y="1570425"/>
+              </a:lnTo>
+              <a:lnTo>
+                <a:pt x="96641" y="1570425"/>
+              </a:lnTo>
+            </a:path>
+          </a:pathLst>
+        </a:custGeom>
+        <a:noFill/>
+        <a:ln w="25400" cap="flat" cmpd="sng" algn="ctr">
+          <a:solidFill>
+            <a:schemeClr val="dk1">
+              <a:shade val="60000"/>
+              <a:hueOff val="0"/>
+              <a:satOff val="0"/>
+              <a:lumOff val="0"/>
+              <a:alphaOff val="0"/>
+            </a:schemeClr>
+          </a:solidFill>
+          <a:prstDash val="solid"/>
+        </a:ln>
+        <a:effectLst/>
+      </dsp:spPr>
+      <dsp:style>
+        <a:lnRef idx="2">
+          <a:scrgbClr r="0" g="0" b="0"/>
+        </a:lnRef>
+        <a:fillRef idx="0">
+          <a:scrgbClr r="0" g="0" b="0"/>
+        </a:fillRef>
+        <a:effectRef idx="0">
+          <a:scrgbClr r="0" g="0" b="0"/>
+        </a:effectRef>
+        <a:fontRef idx="minor"/>
+      </dsp:style>
+    </dsp:sp>
+    <dsp:sp modelId="{14BE7BAD-7DEF-4568-B44D-40A60342DD0A}">
+      <dsp:nvSpPr>
+        <dsp:cNvPr id="0" name=""/>
+        <dsp:cNvSpPr/>
+      </dsp:nvSpPr>
+      <dsp:spPr>
+        <a:xfrm>
+          <a:off x="1401715" y="1818840"/>
+          <a:ext cx="773132" cy="483207"/>
+        </a:xfrm>
+        <a:prstGeom prst="roundRect">
+          <a:avLst>
+            <a:gd name="adj" fmla="val 10000"/>
+          </a:avLst>
+        </a:prstGeom>
+        <a:solidFill>
+          <a:schemeClr val="dk1">
+            <a:alpha val="90000"/>
+            <a:tint val="40000"/>
+            <a:hueOff val="0"/>
+            <a:satOff val="0"/>
+            <a:lumOff val="0"/>
+            <a:alphaOff val="0"/>
+          </a:schemeClr>
+        </a:solidFill>
+        <a:ln w="25400" cap="flat" cmpd="sng" algn="ctr">
+          <a:solidFill>
+            <a:schemeClr val="dk1">
+              <a:hueOff val="0"/>
+              <a:satOff val="0"/>
+              <a:lumOff val="0"/>
+              <a:alphaOff val="0"/>
+            </a:schemeClr>
+          </a:solidFill>
+          <a:prstDash val="solid"/>
+        </a:ln>
+        <a:effectLst/>
+      </dsp:spPr>
+      <dsp:style>
+        <a:lnRef idx="2">
+          <a:scrgbClr r="0" g="0" b="0"/>
+        </a:lnRef>
+        <a:fillRef idx="1">
+          <a:scrgbClr r="0" g="0" b="0"/>
+        </a:fillRef>
+        <a:effectRef idx="0">
+          <a:scrgbClr r="0" g="0" b="0"/>
+        </a:effectRef>
+        <a:fontRef idx="minor"/>
+      </dsp:style>
+      <dsp:txBody>
+        <a:bodyPr spcFirstLastPara="0" vert="horz" wrap="square" lIns="26670" tIns="17780" rIns="26670" bIns="17780" numCol="1" spcCol="1270" anchor="ctr" anchorCtr="0">
+          <a:noAutofit/>
+        </a:bodyPr>
+        <a:lstStyle/>
+        <a:p>
+          <a:pPr lvl="0" algn="ctr" defTabSz="622300">
+            <a:lnSpc>
+              <a:spcPct val="90000"/>
+            </a:lnSpc>
+            <a:spcBef>
+              <a:spcPct val="0"/>
+            </a:spcBef>
+            <a:spcAft>
+              <a:spcPct val="35000"/>
+            </a:spcAft>
+          </a:pPr>
+          <a:r>
+            <a:rPr lang="en-US" sz="1400" kern="1200" dirty="0" smtClean="0"/>
+            <a:t>1.5V</a:t>
+          </a:r>
+          <a:endParaRPr lang="en-US" sz="1400" kern="1200" dirty="0"/>
+        </a:p>
+      </dsp:txBody>
+      <dsp:txXfrm>
+        <a:off x="1415868" y="1832993"/>
+        <a:ext cx="744826" cy="454901"/>
+      </dsp:txXfrm>
+    </dsp:sp>
+    <dsp:sp modelId="{9EE9022C-A1A4-4896-812C-BF67B355D3FC}">
+      <dsp:nvSpPr>
+        <dsp:cNvPr id="0" name=""/>
+        <dsp:cNvSpPr/>
+      </dsp:nvSpPr>
+      <dsp:spPr>
+        <a:xfrm>
+          <a:off x="2416451" y="6811"/>
+          <a:ext cx="966415" cy="483207"/>
+        </a:xfrm>
+        <a:prstGeom prst="roundRect">
+          <a:avLst>
+            <a:gd name="adj" fmla="val 10000"/>
+          </a:avLst>
+        </a:prstGeom>
+        <a:solidFill>
+          <a:schemeClr val="lt1">
+            <a:hueOff val="0"/>
+            <a:satOff val="0"/>
+            <a:lumOff val="0"/>
+            <a:alphaOff val="0"/>
+          </a:schemeClr>
+        </a:solidFill>
+        <a:ln w="25400" cap="flat" cmpd="sng" algn="ctr">
+          <a:solidFill>
+            <a:schemeClr val="dk1">
+              <a:shade val="80000"/>
+              <a:hueOff val="0"/>
+              <a:satOff val="0"/>
+              <a:lumOff val="0"/>
+              <a:alphaOff val="0"/>
+            </a:schemeClr>
+          </a:solidFill>
+          <a:prstDash val="solid"/>
+        </a:ln>
+        <a:effectLst/>
+      </dsp:spPr>
+      <dsp:style>
+        <a:lnRef idx="2">
+          <a:scrgbClr r="0" g="0" b="0"/>
+        </a:lnRef>
+        <a:fillRef idx="1">
+          <a:scrgbClr r="0" g="0" b="0"/>
+        </a:fillRef>
+        <a:effectRef idx="0">
+          <a:scrgbClr r="0" g="0" b="0"/>
+        </a:effectRef>
+        <a:fontRef idx="minor">
+          <a:schemeClr val="lt1"/>
+        </a:fontRef>
+      </dsp:style>
+      <dsp:txBody>
+        <a:bodyPr spcFirstLastPara="0" vert="horz" wrap="square" lIns="26670" tIns="17780" rIns="26670" bIns="17780" numCol="1" spcCol="1270" anchor="ctr" anchorCtr="0">
+          <a:noAutofit/>
+        </a:bodyPr>
+        <a:lstStyle/>
+        <a:p>
+          <a:pPr lvl="0" algn="ctr" defTabSz="622300">
+            <a:lnSpc>
+              <a:spcPct val="90000"/>
+            </a:lnSpc>
+            <a:spcBef>
+              <a:spcPct val="0"/>
+            </a:spcBef>
+            <a:spcAft>
+              <a:spcPct val="35000"/>
+            </a:spcAft>
+          </a:pPr>
+          <a:r>
+            <a:rPr lang="en-US" sz="1400" kern="1200" dirty="0" smtClean="0"/>
+            <a:t>Analog</a:t>
+          </a:r>
+          <a:endParaRPr lang="en-US" sz="1400" kern="1200" dirty="0"/>
+        </a:p>
+      </dsp:txBody>
+      <dsp:txXfrm>
+        <a:off x="2430604" y="20964"/>
+        <a:ext cx="938109" cy="454901"/>
+      </dsp:txXfrm>
+    </dsp:sp>
+    <dsp:sp modelId="{A4DF48BC-C80A-40AA-8875-46B7EC62C64E}">
+      <dsp:nvSpPr>
+        <dsp:cNvPr id="0" name=""/>
+        <dsp:cNvSpPr/>
+      </dsp:nvSpPr>
+      <dsp:spPr>
+        <a:xfrm>
+          <a:off x="2513093" y="490019"/>
+          <a:ext cx="96641" cy="362405"/>
+        </a:xfrm>
+        <a:custGeom>
+          <a:avLst/>
+          <a:gdLst/>
+          <a:ahLst/>
+          <a:cxnLst/>
+          <a:rect l="0" t="0" r="0" b="0"/>
+          <a:pathLst>
+            <a:path>
+              <a:moveTo>
+                <a:pt x="0" y="0"/>
+              </a:moveTo>
+              <a:lnTo>
+                <a:pt x="0" y="362405"/>
+              </a:lnTo>
+              <a:lnTo>
+                <a:pt x="96641" y="362405"/>
+              </a:lnTo>
+            </a:path>
+          </a:pathLst>
+        </a:custGeom>
+        <a:noFill/>
+        <a:ln w="25400" cap="flat" cmpd="sng" algn="ctr">
+          <a:solidFill>
+            <a:schemeClr val="dk1">
+              <a:shade val="60000"/>
+              <a:hueOff val="0"/>
+              <a:satOff val="0"/>
+              <a:lumOff val="0"/>
+              <a:alphaOff val="0"/>
+            </a:schemeClr>
+          </a:solidFill>
+          <a:prstDash val="solid"/>
+        </a:ln>
+        <a:effectLst/>
+      </dsp:spPr>
+      <dsp:style>
+        <a:lnRef idx="2">
+          <a:scrgbClr r="0" g="0" b="0"/>
+        </a:lnRef>
+        <a:fillRef idx="0">
+          <a:scrgbClr r="0" g="0" b="0"/>
+        </a:fillRef>
+        <a:effectRef idx="0">
+          <a:scrgbClr r="0" g="0" b="0"/>
+        </a:effectRef>
+        <a:fontRef idx="minor"/>
+      </dsp:style>
+    </dsp:sp>
+    <dsp:sp modelId="{8B2E1D33-2D90-409B-91CE-DB815A9F16CD}">
+      <dsp:nvSpPr>
+        <dsp:cNvPr id="0" name=""/>
+        <dsp:cNvSpPr/>
+      </dsp:nvSpPr>
+      <dsp:spPr>
+        <a:xfrm>
+          <a:off x="2609734" y="610821"/>
+          <a:ext cx="773132" cy="483207"/>
+        </a:xfrm>
+        <a:prstGeom prst="roundRect">
+          <a:avLst>
+            <a:gd name="adj" fmla="val 10000"/>
+          </a:avLst>
+        </a:prstGeom>
+        <a:solidFill>
+          <a:schemeClr val="dk1">
+            <a:alpha val="90000"/>
+            <a:tint val="40000"/>
+            <a:hueOff val="0"/>
+            <a:satOff val="0"/>
+            <a:lumOff val="0"/>
+            <a:alphaOff val="0"/>
+          </a:schemeClr>
+        </a:solidFill>
+        <a:ln w="25400" cap="flat" cmpd="sng" algn="ctr">
+          <a:solidFill>
+            <a:schemeClr val="dk1">
+              <a:hueOff val="0"/>
+              <a:satOff val="0"/>
+              <a:lumOff val="0"/>
+              <a:alphaOff val="0"/>
+            </a:schemeClr>
+          </a:solidFill>
+          <a:prstDash val="solid"/>
+        </a:ln>
+        <a:effectLst/>
+      </dsp:spPr>
+      <dsp:style>
+        <a:lnRef idx="2">
+          <a:scrgbClr r="0" g="0" b="0"/>
+        </a:lnRef>
+        <a:fillRef idx="1">
+          <a:scrgbClr r="0" g="0" b="0"/>
+        </a:fillRef>
+        <a:effectRef idx="0">
+          <a:scrgbClr r="0" g="0" b="0"/>
+        </a:effectRef>
+        <a:fontRef idx="minor"/>
+      </dsp:style>
+      <dsp:txBody>
+        <a:bodyPr spcFirstLastPara="0" vert="horz" wrap="square" lIns="26670" tIns="17780" rIns="26670" bIns="17780" numCol="1" spcCol="1270" anchor="ctr" anchorCtr="0">
+          <a:noAutofit/>
+        </a:bodyPr>
+        <a:lstStyle/>
+        <a:p>
+          <a:pPr lvl="0" algn="ctr" defTabSz="622300">
+            <a:lnSpc>
+              <a:spcPct val="90000"/>
+            </a:lnSpc>
+            <a:spcBef>
+              <a:spcPct val="0"/>
+            </a:spcBef>
+            <a:spcAft>
+              <a:spcPct val="35000"/>
+            </a:spcAft>
+          </a:pPr>
+          <a:r>
+            <a:rPr lang="en-US" sz="1400" kern="1200" dirty="0" smtClean="0"/>
+            <a:t>3.3V</a:t>
+          </a:r>
+          <a:endParaRPr lang="en-US" sz="1400" kern="1200" dirty="0"/>
+        </a:p>
+      </dsp:txBody>
+      <dsp:txXfrm>
+        <a:off x="2623887" y="624974"/>
+        <a:ext cx="744826" cy="454901"/>
+      </dsp:txXfrm>
+    </dsp:sp>
+    <dsp:sp modelId="{7CA3DDAE-BF88-4855-AC2F-E7A514981FE1}">
+      <dsp:nvSpPr>
+        <dsp:cNvPr id="0" name=""/>
+        <dsp:cNvSpPr/>
+      </dsp:nvSpPr>
+      <dsp:spPr>
+        <a:xfrm>
+          <a:off x="2513093" y="490019"/>
+          <a:ext cx="96641" cy="966415"/>
+        </a:xfrm>
+        <a:custGeom>
+          <a:avLst/>
+          <a:gdLst/>
+          <a:ahLst/>
+          <a:cxnLst/>
+          <a:rect l="0" t="0" r="0" b="0"/>
+          <a:pathLst>
+            <a:path>
+              <a:moveTo>
+                <a:pt x="0" y="0"/>
+              </a:moveTo>
+              <a:lnTo>
+                <a:pt x="0" y="966415"/>
+              </a:lnTo>
+              <a:lnTo>
+                <a:pt x="96641" y="966415"/>
+              </a:lnTo>
+            </a:path>
+          </a:pathLst>
+        </a:custGeom>
+        <a:noFill/>
+        <a:ln w="25400" cap="flat" cmpd="sng" algn="ctr">
+          <a:solidFill>
+            <a:schemeClr val="dk1">
+              <a:shade val="60000"/>
+              <a:hueOff val="0"/>
+              <a:satOff val="0"/>
+              <a:lumOff val="0"/>
+              <a:alphaOff val="0"/>
+            </a:schemeClr>
+          </a:solidFill>
+          <a:prstDash val="solid"/>
+        </a:ln>
+        <a:effectLst/>
+      </dsp:spPr>
+      <dsp:style>
+        <a:lnRef idx="2">
+          <a:scrgbClr r="0" g="0" b="0"/>
+        </a:lnRef>
+        <a:fillRef idx="0">
+          <a:scrgbClr r="0" g="0" b="0"/>
+        </a:fillRef>
+        <a:effectRef idx="0">
+          <a:scrgbClr r="0" g="0" b="0"/>
+        </a:effectRef>
+        <a:fontRef idx="minor"/>
+      </dsp:style>
+    </dsp:sp>
+    <dsp:sp modelId="{950149A1-B038-49CC-8E04-F0059BEBE2CB}">
+      <dsp:nvSpPr>
+        <dsp:cNvPr id="0" name=""/>
+        <dsp:cNvSpPr/>
+      </dsp:nvSpPr>
+      <dsp:spPr>
+        <a:xfrm>
+          <a:off x="2609734" y="1214830"/>
+          <a:ext cx="773132" cy="483207"/>
+        </a:xfrm>
+        <a:prstGeom prst="roundRect">
+          <a:avLst>
+            <a:gd name="adj" fmla="val 10000"/>
+          </a:avLst>
+        </a:prstGeom>
+        <a:solidFill>
+          <a:schemeClr val="dk1">
+            <a:alpha val="90000"/>
+            <a:tint val="40000"/>
+            <a:hueOff val="0"/>
+            <a:satOff val="0"/>
+            <a:lumOff val="0"/>
+            <a:alphaOff val="0"/>
+          </a:schemeClr>
+        </a:solidFill>
+        <a:ln w="25400" cap="flat" cmpd="sng" algn="ctr">
+          <a:solidFill>
+            <a:schemeClr val="dk1">
+              <a:hueOff val="0"/>
+              <a:satOff val="0"/>
+              <a:lumOff val="0"/>
+              <a:alphaOff val="0"/>
+            </a:schemeClr>
+          </a:solidFill>
+          <a:prstDash val="solid"/>
+        </a:ln>
+        <a:effectLst/>
+      </dsp:spPr>
+      <dsp:style>
+        <a:lnRef idx="2">
+          <a:scrgbClr r="0" g="0" b="0"/>
+        </a:lnRef>
+        <a:fillRef idx="1">
+          <a:scrgbClr r="0" g="0" b="0"/>
+        </a:fillRef>
+        <a:effectRef idx="0">
+          <a:scrgbClr r="0" g="0" b="0"/>
+        </a:effectRef>
+        <a:fontRef idx="minor"/>
+      </dsp:style>
+      <dsp:txBody>
+        <a:bodyPr spcFirstLastPara="0" vert="horz" wrap="square" lIns="26670" tIns="17780" rIns="26670" bIns="17780" numCol="1" spcCol="1270" anchor="ctr" anchorCtr="0">
+          <a:noAutofit/>
+        </a:bodyPr>
+        <a:lstStyle/>
+        <a:p>
+          <a:pPr lvl="0" algn="ctr" defTabSz="622300">
+            <a:lnSpc>
+              <a:spcPct val="90000"/>
+            </a:lnSpc>
+            <a:spcBef>
+              <a:spcPct val="0"/>
+            </a:spcBef>
+            <a:spcAft>
+              <a:spcPct val="35000"/>
+            </a:spcAft>
+          </a:pPr>
+          <a:r>
+            <a:rPr lang="en-US" sz="1400" kern="1200" dirty="0" smtClean="0"/>
+            <a:t>1.5V</a:t>
+          </a:r>
+          <a:endParaRPr lang="en-US" sz="1400" kern="1200" dirty="0"/>
+        </a:p>
+      </dsp:txBody>
+      <dsp:txXfrm>
+        <a:off x="2623887" y="1228983"/>
+        <a:ext cx="744826" cy="454901"/>
+      </dsp:txXfrm>
+    </dsp:sp>
   </dsp:spTree>
 </dsp:drawing>
 </file>
@@ -3031,7 +4093,7 @@
             <a:fld id="{DE3582C7-6B08-4D4A-BF1B-6FA237430C58}" type="datetimeFigureOut">
               <a:rPr lang="en-US" smtClean="0"/>
               <a:pPr/>
-              <a:t>5/26/2011</a:t>
+              <a:t>2/14/2012</a:t>
             </a:fld>
             <a:endParaRPr lang="en-US"/>
           </a:p>
@@ -3200,6 +4262,11 @@
         </p:txBody>
       </p:sp>
     </p:spTree>
+    <p:extLst>
+      <p:ext uri="{BB962C8B-B14F-4D97-AF65-F5344CB8AC3E}">
+        <p14:creationId xmlns:p14="http://schemas.microsoft.com/office/powerpoint/2010/main" val="1344092955"/>
+      </p:ext>
+    </p:extLst>
   </p:cSld>
   <p:clrMap bg1="lt1" tx1="dk1" bg2="lt2" tx2="dk2" accent1="accent1" accent2="accent2" accent3="accent3" accent4="accent4" accent5="accent5" accent6="accent6" hlink="hlink" folHlink="folHlink"/>
   <p:notesStyle>
@@ -3561,7 +4628,7 @@
             <a:fld id="{1D8BD707-D9CF-40AE-B4C6-C98DA3205C09}" type="datetimeFigureOut">
               <a:rPr lang="en-US" smtClean="0"/>
               <a:pPr/>
-              <a:t>5/26/2011</a:t>
+              <a:t>2/14/2012</a:t>
             </a:fld>
             <a:endParaRPr lang="en-US"/>
           </a:p>
@@ -3728,7 +4795,7 @@
             <a:fld id="{1D8BD707-D9CF-40AE-B4C6-C98DA3205C09}" type="datetimeFigureOut">
               <a:rPr lang="en-US" smtClean="0"/>
               <a:pPr/>
-              <a:t>5/26/2011</a:t>
+              <a:t>2/14/2012</a:t>
             </a:fld>
             <a:endParaRPr lang="en-US"/>
           </a:p>
@@ -3905,7 +4972,7 @@
             <a:fld id="{1D8BD707-D9CF-40AE-B4C6-C98DA3205C09}" type="datetimeFigureOut">
               <a:rPr lang="en-US" smtClean="0"/>
               <a:pPr/>
-              <a:t>5/26/2011</a:t>
+              <a:t>2/14/2012</a:t>
             </a:fld>
             <a:endParaRPr lang="en-US"/>
           </a:p>
@@ -4072,7 +5139,7 @@
             <a:fld id="{1D8BD707-D9CF-40AE-B4C6-C98DA3205C09}" type="datetimeFigureOut">
               <a:rPr lang="en-US" smtClean="0"/>
               <a:pPr/>
-              <a:t>5/26/2011</a:t>
+              <a:t>2/14/2012</a:t>
             </a:fld>
             <a:endParaRPr lang="en-US"/>
           </a:p>
@@ -4315,7 +5382,7 @@
             <a:fld id="{1D8BD707-D9CF-40AE-B4C6-C98DA3205C09}" type="datetimeFigureOut">
               <a:rPr lang="en-US" smtClean="0"/>
               <a:pPr/>
-              <a:t>5/26/2011</a:t>
+              <a:t>2/14/2012</a:t>
             </a:fld>
             <a:endParaRPr lang="en-US"/>
           </a:p>
@@ -4600,7 +5667,7 @@
             <a:fld id="{1D8BD707-D9CF-40AE-B4C6-C98DA3205C09}" type="datetimeFigureOut">
               <a:rPr lang="en-US" smtClean="0"/>
               <a:pPr/>
-              <a:t>5/26/2011</a:t>
+              <a:t>2/14/2012</a:t>
             </a:fld>
             <a:endParaRPr lang="en-US"/>
           </a:p>
@@ -5019,7 +6086,7 @@
             <a:fld id="{1D8BD707-D9CF-40AE-B4C6-C98DA3205C09}" type="datetimeFigureOut">
               <a:rPr lang="en-US" smtClean="0"/>
               <a:pPr/>
-              <a:t>5/26/2011</a:t>
+              <a:t>2/14/2012</a:t>
             </a:fld>
             <a:endParaRPr lang="en-US"/>
           </a:p>
@@ -5134,7 +6201,7 @@
             <a:fld id="{1D8BD707-D9CF-40AE-B4C6-C98DA3205C09}" type="datetimeFigureOut">
               <a:rPr lang="en-US" smtClean="0"/>
               <a:pPr/>
-              <a:t>5/26/2011</a:t>
+              <a:t>2/14/2012</a:t>
             </a:fld>
             <a:endParaRPr lang="en-US"/>
           </a:p>
@@ -5226,7 +6293,7 @@
             <a:fld id="{1D8BD707-D9CF-40AE-B4C6-C98DA3205C09}" type="datetimeFigureOut">
               <a:rPr lang="en-US" smtClean="0"/>
               <a:pPr/>
-              <a:t>5/26/2011</a:t>
+              <a:t>2/14/2012</a:t>
             </a:fld>
             <a:endParaRPr lang="en-US"/>
           </a:p>
@@ -5500,7 +6567,7 @@
             <a:fld id="{1D8BD707-D9CF-40AE-B4C6-C98DA3205C09}" type="datetimeFigureOut">
               <a:rPr lang="en-US" smtClean="0"/>
               <a:pPr/>
-              <a:t>5/26/2011</a:t>
+              <a:t>2/14/2012</a:t>
             </a:fld>
             <a:endParaRPr lang="en-US"/>
           </a:p>
@@ -5750,7 +6817,7 @@
             <a:fld id="{1D8BD707-D9CF-40AE-B4C6-C98DA3205C09}" type="datetimeFigureOut">
               <a:rPr lang="en-US" smtClean="0"/>
               <a:pPr/>
-              <a:t>5/26/2011</a:t>
+              <a:t>2/14/2012</a:t>
             </a:fld>
             <a:endParaRPr lang="en-US"/>
           </a:p>
@@ -5960,7 +7027,7 @@
             <a:fld id="{1D8BD707-D9CF-40AE-B4C6-C98DA3205C09}" type="datetimeFigureOut">
               <a:rPr lang="en-US" smtClean="0"/>
               <a:pPr/>
-              <a:t>5/26/2011</a:t>
+              <a:t>2/14/2012</a:t>
             </a:fld>
             <a:endParaRPr lang="en-US"/>
           </a:p>
@@ -8820,6 +9887,120 @@
           </a:fontRef>
         </p:style>
       </p:cxnSp>
+      <p:sp>
+        <p:nvSpPr>
+          <p:cNvPr id="66" name="Rectangle 65"/>
+          <p:cNvSpPr/>
+          <p:nvPr/>
+        </p:nvSpPr>
+        <p:spPr>
+          <a:xfrm>
+            <a:off x="2702813" y="4297680"/>
+            <a:ext cx="389851" cy="307777"/>
+          </a:xfrm>
+          <a:prstGeom prst="rect">
+            <a:avLst/>
+          </a:prstGeom>
+        </p:spPr>
+        <p:txBody>
+          <a:bodyPr wrap="none">
+            <a:spAutoFit/>
+          </a:bodyPr>
+          <a:lstStyle/>
+          <a:p>
+            <a:pPr algn="ctr"/>
+            <a:r>
+              <a:rPr lang="en-US" sz="1400" dirty="0" smtClean="0">
+                <a:latin typeface="Tahoma" pitchFamily="34" charset="0"/>
+                <a:ea typeface="Tahoma" pitchFamily="34" charset="0"/>
+                <a:cs typeface="Tahoma" pitchFamily="34" charset="0"/>
+              </a:rPr>
+              <a:t>5V</a:t>
+            </a:r>
+            <a:endParaRPr lang="en-US" sz="1400" dirty="0">
+              <a:latin typeface="Tahoma" pitchFamily="34" charset="0"/>
+              <a:ea typeface="Tahoma" pitchFamily="34" charset="0"/>
+              <a:cs typeface="Tahoma" pitchFamily="34" charset="0"/>
+            </a:endParaRPr>
+          </a:p>
+        </p:txBody>
+      </p:sp>
+      <p:sp>
+        <p:nvSpPr>
+          <p:cNvPr id="67" name="Rectangle 66"/>
+          <p:cNvSpPr/>
+          <p:nvPr/>
+        </p:nvSpPr>
+        <p:spPr>
+          <a:xfrm>
+            <a:off x="2702813" y="4663440"/>
+            <a:ext cx="389851" cy="307777"/>
+          </a:xfrm>
+          <a:prstGeom prst="rect">
+            <a:avLst/>
+          </a:prstGeom>
+        </p:spPr>
+        <p:txBody>
+          <a:bodyPr wrap="none">
+            <a:spAutoFit/>
+          </a:bodyPr>
+          <a:lstStyle/>
+          <a:p>
+            <a:pPr algn="ctr"/>
+            <a:r>
+              <a:rPr lang="en-US" sz="1400" dirty="0" smtClean="0">
+                <a:latin typeface="Tahoma" pitchFamily="34" charset="0"/>
+                <a:ea typeface="Tahoma" pitchFamily="34" charset="0"/>
+                <a:cs typeface="Tahoma" pitchFamily="34" charset="0"/>
+              </a:rPr>
+              <a:t>5V</a:t>
+            </a:r>
+            <a:endParaRPr lang="en-US" sz="1400" dirty="0">
+              <a:latin typeface="Tahoma" pitchFamily="34" charset="0"/>
+              <a:ea typeface="Tahoma" pitchFamily="34" charset="0"/>
+              <a:cs typeface="Tahoma" pitchFamily="34" charset="0"/>
+            </a:endParaRPr>
+          </a:p>
+        </p:txBody>
+      </p:sp>
+      <p:sp>
+        <p:nvSpPr>
+          <p:cNvPr id="69" name="Rectangle 68"/>
+          <p:cNvSpPr/>
+          <p:nvPr/>
+        </p:nvSpPr>
+        <p:spPr>
+          <a:xfrm>
+            <a:off x="2626672" y="5029200"/>
+            <a:ext cx="542135" cy="307777"/>
+          </a:xfrm>
+          <a:prstGeom prst="rect">
+            <a:avLst/>
+          </a:prstGeom>
+        </p:spPr>
+        <p:txBody>
+          <a:bodyPr wrap="none">
+            <a:spAutoFit/>
+          </a:bodyPr>
+          <a:lstStyle/>
+          <a:p>
+            <a:pPr algn="ctr"/>
+            <a:r>
+              <a:rPr lang="en-US" sz="1400" dirty="0" smtClean="0">
+                <a:latin typeface="Tahoma" pitchFamily="34" charset="0"/>
+                <a:ea typeface="Tahoma" pitchFamily="34" charset="0"/>
+                <a:cs typeface="Tahoma" pitchFamily="34" charset="0"/>
+              </a:rPr>
+              <a:t>3.6V</a:t>
+            </a:r>
+            <a:endParaRPr lang="en-US" sz="1400" dirty="0">
+              <a:latin typeface="Tahoma" pitchFamily="34" charset="0"/>
+              <a:ea typeface="Tahoma" pitchFamily="34" charset="0"/>
+              <a:cs typeface="Tahoma" pitchFamily="34" charset="0"/>
+            </a:endParaRPr>
+          </a:p>
+        </p:txBody>
+      </p:sp>
     </p:spTree>
   </p:cSld>
   <p:clrMapOvr>
